--- a/video/Presentation1.pptx
+++ b/video/Presentation1.pptx
@@ -5,21 +5,14 @@
     <p:sldMasterId id="2147483648" r:id="rId1"/>
   </p:sldMasterIdLst>
   <p:notesMasterIdLst>
-    <p:notesMasterId r:id="rId14"/>
+    <p:notesMasterId r:id="rId7"/>
   </p:notesMasterIdLst>
   <p:sldIdLst>
-    <p:sldId id="257" r:id="rId2"/>
-    <p:sldId id="263" r:id="rId3"/>
-    <p:sldId id="269" r:id="rId4"/>
-    <p:sldId id="258" r:id="rId5"/>
-    <p:sldId id="264" r:id="rId6"/>
-    <p:sldId id="259" r:id="rId7"/>
-    <p:sldId id="266" r:id="rId8"/>
-    <p:sldId id="265" r:id="rId9"/>
-    <p:sldId id="260" r:id="rId10"/>
-    <p:sldId id="267" r:id="rId11"/>
-    <p:sldId id="268" r:id="rId12"/>
-    <p:sldId id="262" r:id="rId13"/>
+    <p:sldId id="263" r:id="rId2"/>
+    <p:sldId id="270" r:id="rId3"/>
+    <p:sldId id="265" r:id="rId4"/>
+    <p:sldId id="267" r:id="rId5"/>
+    <p:sldId id="260" r:id="rId6"/>
   </p:sldIdLst>
   <p:sldSz cx="12192000" cy="6858000"/>
   <p:notesSz cx="6858000" cy="9144000"/>
@@ -118,6 +111,24 @@
       </a:defRPr>
     </a:lvl9pPr>
   </p:defaultTextStyle>
+  <p:extLst>
+    <p:ext uri="{521415D9-36F7-43E2-AB2F-B90AF26B5E84}">
+      <p14:sectionLst xmlns:p14="http://schemas.microsoft.com/office/powerpoint/2010/main">
+        <p14:section name="Default Section" id="{62E1B60E-2A29-4BF9-BD59-DA0A6942D0DE}">
+          <p14:sldIdLst>
+            <p14:sldId id="263"/>
+            <p14:sldId id="270"/>
+            <p14:sldId id="265"/>
+            <p14:sldId id="267"/>
+            <p14:sldId id="260"/>
+          </p14:sldIdLst>
+        </p14:section>
+      </p14:sectionLst>
+    </p:ext>
+    <p:ext uri="{EFAFB233-063F-42B5-8137-9DF3F51BA10A}">
+      <p15:sldGuideLst xmlns:p15="http://schemas.microsoft.com/office/powerpoint/2012/main"/>
+    </p:ext>
+  </p:extLst>
 </p:presentation>
 </file>
 
@@ -203,7 +214,7 @@
           <a:p>
             <a:fld id="{4C72FB4A-6227-47D4-B7FC-541F604F6F8D}" type="datetimeFigureOut">
               <a:rPr lang="en-CA" smtClean="0"/>
-              <a:t>2023-03-06</a:t>
+              <a:t>2023-03-07</a:t>
             </a:fld>
             <a:endParaRPr lang="en-CA"/>
           </a:p>
@@ -516,15 +527,51 @@
           <a:lstStyle/>
           <a:p>
             <a:r>
-              <a:rPr lang="en-CA" dirty="0"/>
-              <a:t>Large language models are trained to predict text.</a:t>
-            </a:r>
-          </a:p>
-          <a:p>
-            <a:r>
-              <a:rPr lang="en-CA" dirty="0"/>
-              <a:t>You can structure that text like a conversation, and now you have an AI playing the part of any character you want.</a:t>
-            </a:r>
+              <a:rPr lang="en-US" dirty="0" err="1">
+                <a:hlinkClick r:id="rId3"/>
+              </a:rPr>
+              <a:t>Toolformer</a:t>
+            </a:r>
+            <a:r>
+              <a:rPr lang="en-US" dirty="0">
+                <a:hlinkClick r:id="rId3"/>
+              </a:rPr>
+              <a:t> is a technique for giving large language models the ability to gather information to make better predictions.</a:t>
+            </a:r>
+          </a:p>
+          <a:p>
+            <a:r>
+              <a:rPr lang="en-US" dirty="0">
+                <a:hlinkClick r:id="rId3"/>
+              </a:rPr>
+              <a:t>If you ask it a math problem, it will prefer to use a calculator to improve its answer</a:t>
+            </a:r>
+          </a:p>
+          <a:p>
+            <a:endParaRPr lang="en-US" dirty="0">
+              <a:hlinkClick r:id="rId3"/>
+            </a:endParaRPr>
+          </a:p>
+          <a:p>
+            <a:r>
+              <a:rPr lang="en-US" dirty="0">
+                <a:hlinkClick r:id="rId3"/>
+              </a:rPr>
+              <a:t>[2302.04761] </a:t>
+            </a:r>
+            <a:r>
+              <a:rPr lang="en-US" dirty="0" err="1">
+                <a:hlinkClick r:id="rId3"/>
+              </a:rPr>
+              <a:t>Toolformer</a:t>
+            </a:r>
+            <a:r>
+              <a:rPr lang="en-US" dirty="0">
+                <a:hlinkClick r:id="rId3"/>
+              </a:rPr>
+              <a:t>: Language Models Can Teach Themselves to Use Tools (arxiv.org)</a:t>
+            </a:r>
+            <a:endParaRPr lang="en-CA" dirty="0"/>
           </a:p>
         </p:txBody>
       </p:sp>
@@ -554,7 +601,7 @@
     </p:spTree>
     <p:extLst>
       <p:ext uri="{BB962C8B-B14F-4D97-AF65-F5344CB8AC3E}">
-        <p14:creationId xmlns:p14="http://schemas.microsoft.com/office/powerpoint/2010/main" val="3361671760"/>
+        <p14:creationId xmlns:p14="http://schemas.microsoft.com/office/powerpoint/2010/main" val="416092414"/>
       </p:ext>
     </p:extLst>
   </p:cSld>
@@ -609,24 +656,9 @@
           <a:lstStyle/>
           <a:p>
             <a:r>
-              <a:rPr lang="en-US" dirty="0">
-                <a:hlinkClick r:id="rId3"/>
-              </a:rPr>
-              <a:t>[2302.04761] </a:t>
-            </a:r>
-            <a:r>
-              <a:rPr lang="en-US" dirty="0" err="1">
-                <a:hlinkClick r:id="rId3"/>
-              </a:rPr>
-              <a:t>Toolformer</a:t>
-            </a:r>
-            <a:r>
-              <a:rPr lang="en-US" dirty="0">
-                <a:hlinkClick r:id="rId3"/>
-              </a:rPr>
-              <a:t>: Language Models Can Teach Themselves to Use Tools (arxiv.org)</a:t>
-            </a:r>
-            <a:endParaRPr lang="en-CA" dirty="0"/>
+              <a:rPr lang="en-CA" dirty="0"/>
+              <a:t>Current techniques generate sentences one token at a time. A token usually corresponds to a word, or a sequence of characters that are frequently seen together in the data its trained on.</a:t>
+            </a:r>
           </a:p>
         </p:txBody>
       </p:sp>
@@ -656,112 +688,7 @@
     </p:spTree>
     <p:extLst>
       <p:ext uri="{BB962C8B-B14F-4D97-AF65-F5344CB8AC3E}">
-        <p14:creationId xmlns:p14="http://schemas.microsoft.com/office/powerpoint/2010/main" val="416092414"/>
-      </p:ext>
-    </p:extLst>
-  </p:cSld>
-  <p:clrMapOvr>
-    <a:masterClrMapping/>
-  </p:clrMapOvr>
-</p:notes>
-</file>
-
-<file path=ppt/notesSlides/notesSlide3.xml><?xml version="1.0" encoding="utf-8"?>
-<p:notes xmlns:a="http://schemas.openxmlformats.org/drawingml/2006/main" xmlns:r="http://schemas.openxmlformats.org/officeDocument/2006/relationships" xmlns:p="http://schemas.openxmlformats.org/presentationml/2006/main">
-  <p:cSld>
-    <p:spTree>
-      <p:nvGrpSpPr>
-        <p:cNvPr id="1" name=""/>
-        <p:cNvGrpSpPr/>
-        <p:nvPr/>
-      </p:nvGrpSpPr>
-      <p:grpSpPr>
-        <a:xfrm>
-          <a:off x="0" y="0"/>
-          <a:ext cx="0" cy="0"/>
-          <a:chOff x="0" y="0"/>
-          <a:chExt cx="0" cy="0"/>
-        </a:xfrm>
-      </p:grpSpPr>
-      <p:sp>
-        <p:nvSpPr>
-          <p:cNvPr id="2" name="Slide Image Placeholder 1"/>
-          <p:cNvSpPr>
-            <a:spLocks noGrp="1" noRot="1" noChangeAspect="1"/>
-          </p:cNvSpPr>
-          <p:nvPr>
-            <p:ph type="sldImg"/>
-          </p:nvPr>
-        </p:nvSpPr>
-        <p:spPr/>
-      </p:sp>
-      <p:sp>
-        <p:nvSpPr>
-          <p:cNvPr id="3" name="Notes Placeholder 2"/>
-          <p:cNvSpPr>
-            <a:spLocks noGrp="1"/>
-          </p:cNvSpPr>
-          <p:nvPr>
-            <p:ph type="body" idx="1"/>
-          </p:nvPr>
-        </p:nvSpPr>
-        <p:spPr/>
-        <p:txBody>
-          <a:bodyPr/>
-          <a:lstStyle/>
-          <a:p>
-            <a:r>
-              <a:rPr lang="en-CA" dirty="0"/>
-              <a:t>AI doesn’t process strings like most programming, instead it’s better to break it up into tokens.</a:t>
-            </a:r>
-          </a:p>
-          <a:p>
-            <a:r>
-              <a:rPr lang="en-CA" dirty="0"/>
-              <a:t>The structure of these tokens can be important. Like how a telephone number is more readable to humans when you have dashes in it.</a:t>
-            </a:r>
-          </a:p>
-          <a:p>
-            <a:r>
-              <a:rPr lang="en-CA" dirty="0"/>
-              <a:t>The token mappings is like the b</a:t>
-            </a:r>
-          </a:p>
-          <a:p>
-            <a:r>
-              <a:rPr lang="en-CA" dirty="0"/>
-              <a:t>Interesting that the ‘d and ‘ve stayed together</a:t>
-            </a:r>
-          </a:p>
-        </p:txBody>
-      </p:sp>
-      <p:sp>
-        <p:nvSpPr>
-          <p:cNvPr id="4" name="Slide Number Placeholder 3"/>
-          <p:cNvSpPr>
-            <a:spLocks noGrp="1"/>
-          </p:cNvSpPr>
-          <p:nvPr>
-            <p:ph type="sldNum" sz="quarter" idx="5"/>
-          </p:nvPr>
-        </p:nvSpPr>
-        <p:spPr/>
-        <p:txBody>
-          <a:bodyPr/>
-          <a:lstStyle/>
-          <a:p>
-            <a:fld id="{6A1B5F3C-F53C-4AA9-BB0C-6D982352731D}" type="slidenum">
-              <a:rPr lang="en-CA" smtClean="0"/>
-              <a:t>5</a:t>
-            </a:fld>
-            <a:endParaRPr lang="en-CA"/>
-          </a:p>
-        </p:txBody>
-      </p:sp>
-    </p:spTree>
-    <p:extLst>
-      <p:ext uri="{BB962C8B-B14F-4D97-AF65-F5344CB8AC3E}">
-        <p14:creationId xmlns:p14="http://schemas.microsoft.com/office/powerpoint/2010/main" val="905681261"/>
+        <p14:creationId xmlns:p14="http://schemas.microsoft.com/office/powerpoint/2010/main" val="4040394677"/>
       </p:ext>
     </p:extLst>
   </p:cSld>
@@ -920,7 +847,7 @@
           <a:p>
             <a:fld id="{BACE4510-9DF9-4128-AD2E-6065EA0B7F73}" type="datetimeFigureOut">
               <a:rPr lang="en-CA" smtClean="0"/>
-              <a:t>2023-03-06</a:t>
+              <a:t>2023-03-07</a:t>
             </a:fld>
             <a:endParaRPr lang="en-CA"/>
           </a:p>
@@ -1120,7 +1047,7 @@
           <a:p>
             <a:fld id="{BACE4510-9DF9-4128-AD2E-6065EA0B7F73}" type="datetimeFigureOut">
               <a:rPr lang="en-CA" smtClean="0"/>
-              <a:t>2023-03-06</a:t>
+              <a:t>2023-03-07</a:t>
             </a:fld>
             <a:endParaRPr lang="en-CA"/>
           </a:p>
@@ -1330,7 +1257,7 @@
           <a:p>
             <a:fld id="{BACE4510-9DF9-4128-AD2E-6065EA0B7F73}" type="datetimeFigureOut">
               <a:rPr lang="en-CA" smtClean="0"/>
-              <a:t>2023-03-06</a:t>
+              <a:t>2023-03-07</a:t>
             </a:fld>
             <a:endParaRPr lang="en-CA"/>
           </a:p>
@@ -1530,7 +1457,7 @@
           <a:p>
             <a:fld id="{BACE4510-9DF9-4128-AD2E-6065EA0B7F73}" type="datetimeFigureOut">
               <a:rPr lang="en-CA" smtClean="0"/>
-              <a:t>2023-03-06</a:t>
+              <a:t>2023-03-07</a:t>
             </a:fld>
             <a:endParaRPr lang="en-CA"/>
           </a:p>
@@ -1806,7 +1733,7 @@
           <a:p>
             <a:fld id="{BACE4510-9DF9-4128-AD2E-6065EA0B7F73}" type="datetimeFigureOut">
               <a:rPr lang="en-CA" smtClean="0"/>
-              <a:t>2023-03-06</a:t>
+              <a:t>2023-03-07</a:t>
             </a:fld>
             <a:endParaRPr lang="en-CA"/>
           </a:p>
@@ -2074,7 +2001,7 @@
           <a:p>
             <a:fld id="{BACE4510-9DF9-4128-AD2E-6065EA0B7F73}" type="datetimeFigureOut">
               <a:rPr lang="en-CA" smtClean="0"/>
-              <a:t>2023-03-06</a:t>
+              <a:t>2023-03-07</a:t>
             </a:fld>
             <a:endParaRPr lang="en-CA"/>
           </a:p>
@@ -2489,7 +2416,7 @@
           <a:p>
             <a:fld id="{BACE4510-9DF9-4128-AD2E-6065EA0B7F73}" type="datetimeFigureOut">
               <a:rPr lang="en-CA" smtClean="0"/>
-              <a:t>2023-03-06</a:t>
+              <a:t>2023-03-07</a:t>
             </a:fld>
             <a:endParaRPr lang="en-CA"/>
           </a:p>
@@ -2631,7 +2558,7 @@
           <a:p>
             <a:fld id="{BACE4510-9DF9-4128-AD2E-6065EA0B7F73}" type="datetimeFigureOut">
               <a:rPr lang="en-CA" smtClean="0"/>
-              <a:t>2023-03-06</a:t>
+              <a:t>2023-03-07</a:t>
             </a:fld>
             <a:endParaRPr lang="en-CA"/>
           </a:p>
@@ -2744,7 +2671,7 @@
           <a:p>
             <a:fld id="{BACE4510-9DF9-4128-AD2E-6065EA0B7F73}" type="datetimeFigureOut">
               <a:rPr lang="en-CA" smtClean="0"/>
-              <a:t>2023-03-06</a:t>
+              <a:t>2023-03-07</a:t>
             </a:fld>
             <a:endParaRPr lang="en-CA"/>
           </a:p>
@@ -3057,7 +2984,7 @@
           <a:p>
             <a:fld id="{BACE4510-9DF9-4128-AD2E-6065EA0B7F73}" type="datetimeFigureOut">
               <a:rPr lang="en-CA" smtClean="0"/>
-              <a:t>2023-03-06</a:t>
+              <a:t>2023-03-07</a:t>
             </a:fld>
             <a:endParaRPr lang="en-CA"/>
           </a:p>
@@ -3346,7 +3273,7 @@
           <a:p>
             <a:fld id="{BACE4510-9DF9-4128-AD2E-6065EA0B7F73}" type="datetimeFigureOut">
               <a:rPr lang="en-CA" smtClean="0"/>
-              <a:t>2023-03-06</a:t>
+              <a:t>2023-03-07</a:t>
             </a:fld>
             <a:endParaRPr lang="en-CA"/>
           </a:p>
@@ -3589,7 +3516,7 @@
           <a:p>
             <a:fld id="{BACE4510-9DF9-4128-AD2E-6065EA0B7F73}" type="datetimeFigureOut">
               <a:rPr lang="en-CA" smtClean="0"/>
-              <a:t>2023-03-06</a:t>
+              <a:t>2023-03-07</a:t>
             </a:fld>
             <a:endParaRPr lang="en-CA"/>
           </a:p>
@@ -4006,62 +3933,101 @@
           <a:chExt cx="0" cy="0"/>
         </a:xfrm>
       </p:grpSpPr>
-      <p:sp>
-        <p:nvSpPr>
-          <p:cNvPr id="6" name="Rectangle 5">
-            <a:extLst>
-              <a:ext uri="{FF2B5EF4-FFF2-40B4-BE49-F238E27FC236}">
-                <a16:creationId xmlns:a16="http://schemas.microsoft.com/office/drawing/2014/main" id="{9A554541-E97E-BC03-F930-68FDD4F6980F}"/>
-              </a:ext>
-            </a:extLst>
-          </p:cNvPr>
-          <p:cNvSpPr/>
-          <p:nvPr/>
-        </p:nvSpPr>
+      <p:pic>
+        <p:nvPicPr>
+          <p:cNvPr id="5" name="Content Placeholder 4">
+            <a:extLst>
+              <a:ext uri="{FF2B5EF4-FFF2-40B4-BE49-F238E27FC236}">
+                <a16:creationId xmlns:a16="http://schemas.microsoft.com/office/drawing/2014/main" id="{3D386C8A-672E-D087-5835-EA7A5BD95E5F}"/>
+              </a:ext>
+            </a:extLst>
+          </p:cNvPr>
+          <p:cNvPicPr>
+            <a:picLocks noGrp="1" noChangeAspect="1"/>
+          </p:cNvPicPr>
+          <p:nvPr>
+            <p:ph idx="1"/>
+          </p:nvPr>
+        </p:nvPicPr>
+        <p:blipFill>
+          <a:blip r:embed="rId3"/>
+          <a:stretch>
+            <a:fillRect/>
+          </a:stretch>
+        </p:blipFill>
         <p:spPr>
           <a:xfrm>
-            <a:off x="170328" y="690281"/>
-            <a:ext cx="844413" cy="797861"/>
+            <a:off x="1621705" y="149370"/>
+            <a:ext cx="8515350" cy="2038350"/>
+          </a:xfrm>
+        </p:spPr>
+      </p:pic>
+      <p:pic>
+        <p:nvPicPr>
+          <p:cNvPr id="7" name="Picture 6">
+            <a:extLst>
+              <a:ext uri="{FF2B5EF4-FFF2-40B4-BE49-F238E27FC236}">
+                <a16:creationId xmlns:a16="http://schemas.microsoft.com/office/drawing/2014/main" id="{610278DC-8017-A282-5726-9FF51FC5A177}"/>
+              </a:ext>
+            </a:extLst>
+          </p:cNvPr>
+          <p:cNvPicPr>
+            <a:picLocks noChangeAspect="1"/>
+          </p:cNvPicPr>
+          <p:nvPr/>
+        </p:nvPicPr>
+        <p:blipFill>
+          <a:blip r:embed="rId4"/>
+          <a:stretch>
+            <a:fillRect/>
+          </a:stretch>
+        </p:blipFill>
+        <p:spPr>
+          <a:xfrm>
+            <a:off x="3731492" y="2187720"/>
+            <a:ext cx="4295775" cy="4619625"/>
           </a:xfrm>
           <a:prstGeom prst="rect">
             <a:avLst/>
           </a:prstGeom>
-          <a:ln w="38100"/>
         </p:spPr>
-        <p:style>
-          <a:lnRef idx="2">
-            <a:schemeClr val="accent1">
-              <a:shade val="50000"/>
-            </a:schemeClr>
-          </a:lnRef>
-          <a:fillRef idx="1">
-            <a:schemeClr val="accent1"/>
-          </a:fillRef>
-          <a:effectRef idx="0">
-            <a:schemeClr val="accent1"/>
-          </a:effectRef>
-          <a:fontRef idx="minor">
-            <a:schemeClr val="lt1"/>
-          </a:fontRef>
-        </p:style>
-        <p:txBody>
-          <a:bodyPr rtlCol="0" anchor="ctr"/>
-          <a:lstStyle/>
-          <a:p>
-            <a:pPr algn="ctr"/>
-            <a:r>
-              <a:rPr lang="en-CA" sz="5400" dirty="0"/>
-              <a:t>Hi</a:t>
-            </a:r>
-          </a:p>
-        </p:txBody>
-      </p:sp>
-      <p:sp>
-        <p:nvSpPr>
-          <p:cNvPr id="7" name="Rectangle 6">
-            <a:extLst>
-              <a:ext uri="{FF2B5EF4-FFF2-40B4-BE49-F238E27FC236}">
-                <a16:creationId xmlns:a16="http://schemas.microsoft.com/office/drawing/2014/main" id="{812634C5-1438-4794-5B0F-F5A1A9CD443D}"/>
+      </p:pic>
+    </p:spTree>
+    <p:extLst>
+      <p:ext uri="{BB962C8B-B14F-4D97-AF65-F5344CB8AC3E}">
+        <p14:creationId xmlns:p14="http://schemas.microsoft.com/office/powerpoint/2010/main" val="1444955239"/>
+      </p:ext>
+    </p:extLst>
+  </p:cSld>
+  <p:clrMapOvr>
+    <a:masterClrMapping/>
+  </p:clrMapOvr>
+</p:sld>
+</file>
+
+<file path=ppt/slides/slide2.xml><?xml version="1.0" encoding="utf-8"?>
+<p:sld xmlns:a="http://schemas.openxmlformats.org/drawingml/2006/main" xmlns:r="http://schemas.openxmlformats.org/officeDocument/2006/relationships" xmlns:p="http://schemas.openxmlformats.org/presentationml/2006/main">
+  <p:cSld>
+    <p:spTree>
+      <p:nvGrpSpPr>
+        <p:cNvPr id="1" name=""/>
+        <p:cNvGrpSpPr/>
+        <p:nvPr/>
+      </p:nvGrpSpPr>
+      <p:grpSpPr>
+        <a:xfrm>
+          <a:off x="0" y="0"/>
+          <a:ext cx="0" cy="0"/>
+          <a:chOff x="0" y="0"/>
+          <a:chExt cx="0" cy="0"/>
+        </a:xfrm>
+      </p:grpSpPr>
+      <p:sp>
+        <p:nvSpPr>
+          <p:cNvPr id="4" name="Rectangle 3">
+            <a:extLst>
+              <a:ext uri="{FF2B5EF4-FFF2-40B4-BE49-F238E27FC236}">
+                <a16:creationId xmlns:a16="http://schemas.microsoft.com/office/drawing/2014/main" id="{50ADC2D7-9351-9B2F-01A6-AA73CCF6C9C2}"/>
               </a:ext>
             </a:extLst>
           </p:cNvPr>
@@ -4070,358 +4036,8 @@
         </p:nvSpPr>
         <p:spPr>
           <a:xfrm>
-            <a:off x="1252101" y="690281"/>
-            <a:ext cx="1918448" cy="797861"/>
-          </a:xfrm>
-          <a:prstGeom prst="rect">
-            <a:avLst/>
-          </a:prstGeom>
-          <a:ln w="38100"/>
-        </p:spPr>
-        <p:style>
-          <a:lnRef idx="2">
-            <a:schemeClr val="accent1">
-              <a:shade val="50000"/>
-            </a:schemeClr>
-          </a:lnRef>
-          <a:fillRef idx="1">
-            <a:schemeClr val="accent1"/>
-          </a:fillRef>
-          <a:effectRef idx="0">
-            <a:schemeClr val="accent1"/>
-          </a:effectRef>
-          <a:fontRef idx="minor">
-            <a:schemeClr val="lt1"/>
-          </a:fontRef>
-        </p:style>
-        <p:txBody>
-          <a:bodyPr rtlCol="0" anchor="ctr"/>
-          <a:lstStyle/>
-          <a:p>
-            <a:pPr algn="ctr"/>
-            <a:r>
-              <a:rPr lang="en-CA" sz="5400" dirty="0"/>
-              <a:t>there</a:t>
-            </a:r>
-          </a:p>
-        </p:txBody>
-      </p:sp>
-      <p:sp>
-        <p:nvSpPr>
-          <p:cNvPr id="8" name="Rectangle 7">
-            <a:extLst>
-              <a:ext uri="{FF2B5EF4-FFF2-40B4-BE49-F238E27FC236}">
-                <a16:creationId xmlns:a16="http://schemas.microsoft.com/office/drawing/2014/main" id="{645C19C4-6418-7C2F-E3AF-9AC6FF9B4970}"/>
-              </a:ext>
-            </a:extLst>
-          </p:cNvPr>
-          <p:cNvSpPr/>
-          <p:nvPr/>
-        </p:nvSpPr>
-        <p:spPr>
-          <a:xfrm>
-            <a:off x="3256063" y="690280"/>
-            <a:ext cx="392578" cy="797861"/>
-          </a:xfrm>
-          <a:prstGeom prst="rect">
-            <a:avLst/>
-          </a:prstGeom>
-          <a:ln w="38100"/>
-        </p:spPr>
-        <p:style>
-          <a:lnRef idx="2">
-            <a:schemeClr val="accent1">
-              <a:shade val="50000"/>
-            </a:schemeClr>
-          </a:lnRef>
-          <a:fillRef idx="1">
-            <a:schemeClr val="accent1"/>
-          </a:fillRef>
-          <a:effectRef idx="0">
-            <a:schemeClr val="accent1"/>
-          </a:effectRef>
-          <a:fontRef idx="minor">
-            <a:schemeClr val="lt1"/>
-          </a:fontRef>
-        </p:style>
-        <p:txBody>
-          <a:bodyPr rtlCol="0" anchor="ctr"/>
-          <a:lstStyle/>
-          <a:p>
-            <a:pPr algn="ctr"/>
-            <a:r>
-              <a:rPr lang="en-CA" sz="5400" dirty="0"/>
-              <a:t>,</a:t>
-            </a:r>
-          </a:p>
-        </p:txBody>
-      </p:sp>
-      <p:sp>
-        <p:nvSpPr>
-          <p:cNvPr id="9" name="Rectangle 8">
-            <a:extLst>
-              <a:ext uri="{FF2B5EF4-FFF2-40B4-BE49-F238E27FC236}">
-                <a16:creationId xmlns:a16="http://schemas.microsoft.com/office/drawing/2014/main" id="{B5EB6F50-043A-EA64-7C80-CD340CBC46DF}"/>
-              </a:ext>
-            </a:extLst>
-          </p:cNvPr>
-          <p:cNvSpPr/>
-          <p:nvPr/>
-        </p:nvSpPr>
-        <p:spPr>
-          <a:xfrm>
-            <a:off x="4037847" y="690281"/>
-            <a:ext cx="1918448" cy="797861"/>
-          </a:xfrm>
-          <a:prstGeom prst="rect">
-            <a:avLst/>
-          </a:prstGeom>
-          <a:ln w="38100"/>
-        </p:spPr>
-        <p:style>
-          <a:lnRef idx="2">
-            <a:schemeClr val="accent1">
-              <a:shade val="50000"/>
-            </a:schemeClr>
-          </a:lnRef>
-          <a:fillRef idx="1">
-            <a:schemeClr val="accent1"/>
-          </a:fillRef>
-          <a:effectRef idx="0">
-            <a:schemeClr val="accent1"/>
-          </a:effectRef>
-          <a:fontRef idx="minor">
-            <a:schemeClr val="lt1"/>
-          </a:fontRef>
-        </p:style>
-        <p:txBody>
-          <a:bodyPr rtlCol="0" anchor="ctr"/>
-          <a:lstStyle/>
-          <a:p>
-            <a:pPr algn="ctr"/>
-            <a:r>
-              <a:rPr lang="en-CA" sz="5400" dirty="0"/>
-              <a:t>what</a:t>
-            </a:r>
-          </a:p>
-        </p:txBody>
-      </p:sp>
-      <p:sp>
-        <p:nvSpPr>
-          <p:cNvPr id="10" name="Rectangle 9">
-            <a:extLst>
-              <a:ext uri="{FF2B5EF4-FFF2-40B4-BE49-F238E27FC236}">
-                <a16:creationId xmlns:a16="http://schemas.microsoft.com/office/drawing/2014/main" id="{A51FEDBF-9F7C-FAE4-B409-133948DE8C89}"/>
-              </a:ext>
-            </a:extLst>
-          </p:cNvPr>
-          <p:cNvSpPr/>
-          <p:nvPr/>
-        </p:nvSpPr>
-        <p:spPr>
-          <a:xfrm>
-            <a:off x="6086250" y="690281"/>
-            <a:ext cx="696271" cy="797861"/>
-          </a:xfrm>
-          <a:prstGeom prst="rect">
-            <a:avLst/>
-          </a:prstGeom>
-          <a:ln w="38100"/>
-        </p:spPr>
-        <p:style>
-          <a:lnRef idx="2">
-            <a:schemeClr val="accent1">
-              <a:shade val="50000"/>
-            </a:schemeClr>
-          </a:lnRef>
-          <a:fillRef idx="1">
-            <a:schemeClr val="accent1"/>
-          </a:fillRef>
-          <a:effectRef idx="0">
-            <a:schemeClr val="accent1"/>
-          </a:effectRef>
-          <a:fontRef idx="minor">
-            <a:schemeClr val="lt1"/>
-          </a:fontRef>
-        </p:style>
-        <p:txBody>
-          <a:bodyPr rtlCol="0" anchor="ctr"/>
-          <a:lstStyle/>
-          <a:p>
-            <a:pPr algn="ctr"/>
-            <a:r>
-              <a:rPr lang="en-CA" sz="5400" dirty="0"/>
-              <a:t>‘s</a:t>
-            </a:r>
-          </a:p>
-        </p:txBody>
-      </p:sp>
-      <p:sp>
-        <p:nvSpPr>
-          <p:cNvPr id="12" name="Rectangle 11">
-            <a:extLst>
-              <a:ext uri="{FF2B5EF4-FFF2-40B4-BE49-F238E27FC236}">
-                <a16:creationId xmlns:a16="http://schemas.microsoft.com/office/drawing/2014/main" id="{76B1BC5F-3E42-1FD1-AFDE-A28E91BE7B75}"/>
-              </a:ext>
-            </a:extLst>
-          </p:cNvPr>
-          <p:cNvSpPr/>
-          <p:nvPr/>
-        </p:nvSpPr>
-        <p:spPr>
-          <a:xfrm>
-            <a:off x="7127286" y="690282"/>
-            <a:ext cx="1370320" cy="797861"/>
-          </a:xfrm>
-          <a:prstGeom prst="rect">
-            <a:avLst/>
-          </a:prstGeom>
-          <a:ln w="38100"/>
-        </p:spPr>
-        <p:style>
-          <a:lnRef idx="2">
-            <a:schemeClr val="accent1">
-              <a:shade val="50000"/>
-            </a:schemeClr>
-          </a:lnRef>
-          <a:fillRef idx="1">
-            <a:schemeClr val="accent1"/>
-          </a:fillRef>
-          <a:effectRef idx="0">
-            <a:schemeClr val="accent1"/>
-          </a:effectRef>
-          <a:fontRef idx="minor">
-            <a:schemeClr val="lt1"/>
-          </a:fontRef>
-        </p:style>
-        <p:txBody>
-          <a:bodyPr rtlCol="0" anchor="ctr"/>
-          <a:lstStyle/>
-          <a:p>
-            <a:pPr algn="ctr"/>
-            <a:r>
-              <a:rPr lang="en-CA" sz="5400" dirty="0"/>
-              <a:t>the</a:t>
-            </a:r>
-          </a:p>
-        </p:txBody>
-      </p:sp>
-      <p:sp>
-        <p:nvSpPr>
-          <p:cNvPr id="13" name="Rectangle 12">
-            <a:extLst>
-              <a:ext uri="{FF2B5EF4-FFF2-40B4-BE49-F238E27FC236}">
-                <a16:creationId xmlns:a16="http://schemas.microsoft.com/office/drawing/2014/main" id="{F60201C0-C552-EFC9-B747-673177513CF5}"/>
-              </a:ext>
-            </a:extLst>
-          </p:cNvPr>
-          <p:cNvSpPr/>
-          <p:nvPr/>
-        </p:nvSpPr>
-        <p:spPr>
-          <a:xfrm>
-            <a:off x="8734966" y="690282"/>
-            <a:ext cx="1585127" cy="797861"/>
-          </a:xfrm>
-          <a:prstGeom prst="rect">
-            <a:avLst/>
-          </a:prstGeom>
-          <a:ln w="38100"/>
-        </p:spPr>
-        <p:style>
-          <a:lnRef idx="2">
-            <a:schemeClr val="accent1">
-              <a:shade val="50000"/>
-            </a:schemeClr>
-          </a:lnRef>
-          <a:fillRef idx="1">
-            <a:schemeClr val="accent1"/>
-          </a:fillRef>
-          <a:effectRef idx="0">
-            <a:schemeClr val="accent1"/>
-          </a:effectRef>
-          <a:fontRef idx="minor">
-            <a:schemeClr val="lt1"/>
-          </a:fontRef>
-        </p:style>
-        <p:txBody>
-          <a:bodyPr rtlCol="0" anchor="ctr"/>
-          <a:lstStyle/>
-          <a:p>
-            <a:pPr algn="ctr"/>
-            <a:r>
-              <a:rPr lang="en-CA" sz="5400" dirty="0"/>
-              <a:t>time</a:t>
-            </a:r>
-          </a:p>
-        </p:txBody>
-      </p:sp>
-      <p:sp>
-        <p:nvSpPr>
-          <p:cNvPr id="14" name="Rectangle 13">
-            <a:extLst>
-              <a:ext uri="{FF2B5EF4-FFF2-40B4-BE49-F238E27FC236}">
-                <a16:creationId xmlns:a16="http://schemas.microsoft.com/office/drawing/2014/main" id="{F4C58E81-36B6-586C-D6DD-BA7B6F33D025}"/>
-              </a:ext>
-            </a:extLst>
-          </p:cNvPr>
-          <p:cNvSpPr/>
-          <p:nvPr/>
-        </p:nvSpPr>
-        <p:spPr>
-          <a:xfrm>
-            <a:off x="10557456" y="690281"/>
-            <a:ext cx="577756" cy="797861"/>
-          </a:xfrm>
-          <a:prstGeom prst="rect">
-            <a:avLst/>
-          </a:prstGeom>
-          <a:ln w="38100"/>
-        </p:spPr>
-        <p:style>
-          <a:lnRef idx="2">
-            <a:schemeClr val="accent1">
-              <a:shade val="50000"/>
-            </a:schemeClr>
-          </a:lnRef>
-          <a:fillRef idx="1">
-            <a:schemeClr val="accent1"/>
-          </a:fillRef>
-          <a:effectRef idx="0">
-            <a:schemeClr val="accent1"/>
-          </a:effectRef>
-          <a:fontRef idx="minor">
-            <a:schemeClr val="lt1"/>
-          </a:fontRef>
-        </p:style>
-        <p:txBody>
-          <a:bodyPr rtlCol="0" anchor="ctr"/>
-          <a:lstStyle/>
-          <a:p>
-            <a:pPr algn="ctr"/>
-            <a:r>
-              <a:rPr lang="en-CA" sz="5400" dirty="0"/>
-              <a:t>?</a:t>
-            </a:r>
-          </a:p>
-        </p:txBody>
-      </p:sp>
-      <p:sp>
-        <p:nvSpPr>
-          <p:cNvPr id="16" name="Rectangle 15">
-            <a:extLst>
-              <a:ext uri="{FF2B5EF4-FFF2-40B4-BE49-F238E27FC236}">
-                <a16:creationId xmlns:a16="http://schemas.microsoft.com/office/drawing/2014/main" id="{3AC436A7-BC13-E993-735B-D1E6F0358D83}"/>
-              </a:ext>
-            </a:extLst>
-          </p:cNvPr>
-          <p:cNvSpPr/>
-          <p:nvPr/>
-        </p:nvSpPr>
-        <p:spPr>
-          <a:xfrm>
-            <a:off x="591671" y="3684495"/>
-            <a:ext cx="1488141" cy="1057836"/>
+            <a:off x="387530" y="224874"/>
+            <a:ext cx="1182853" cy="1057836"/>
           </a:xfrm>
           <a:prstGeom prst="rect">
             <a:avLst/>
@@ -4451,17 +4067,17 @@
             <a:pPr algn="ctr"/>
             <a:r>
               <a:rPr lang="en-CA" sz="7200" dirty="0"/>
-              <a:t>It’s</a:t>
-            </a:r>
-          </a:p>
-        </p:txBody>
-      </p:sp>
-      <p:sp>
-        <p:nvSpPr>
-          <p:cNvPr id="20" name="Rectangle 19">
-            <a:extLst>
-              <a:ext uri="{FF2B5EF4-FFF2-40B4-BE49-F238E27FC236}">
-                <a16:creationId xmlns:a16="http://schemas.microsoft.com/office/drawing/2014/main" id="{59F12C9B-D41E-2D39-EC75-7DBA4F7B2BD5}"/>
+              <a:t>It</a:t>
+            </a:r>
+          </a:p>
+        </p:txBody>
+      </p:sp>
+      <p:sp>
+        <p:nvSpPr>
+          <p:cNvPr id="5" name="Rectangle 4">
+            <a:extLst>
+              <a:ext uri="{FF2B5EF4-FFF2-40B4-BE49-F238E27FC236}">
+                <a16:creationId xmlns:a16="http://schemas.microsoft.com/office/drawing/2014/main" id="{7A63328A-B960-7AAF-229B-314B7655950A}"/>
               </a:ext>
             </a:extLst>
           </p:cNvPr>
@@ -4470,8 +4086,8 @@
         </p:nvSpPr>
         <p:spPr>
           <a:xfrm>
-            <a:off x="2250141" y="3684495"/>
-            <a:ext cx="717177" cy="1057836"/>
+            <a:off x="1808825" y="1551071"/>
+            <a:ext cx="2017740" cy="1057836"/>
           </a:xfrm>
           <a:prstGeom prst="rect">
             <a:avLst/>
@@ -4501,17 +4117,17 @@
             <a:pPr algn="ctr"/>
             <a:r>
               <a:rPr lang="en-CA" sz="7200" dirty="0"/>
-              <a:t>6</a:t>
-            </a:r>
-          </a:p>
-        </p:txBody>
-      </p:sp>
-      <p:sp>
-        <p:nvSpPr>
-          <p:cNvPr id="21" name="Rectangle 20">
-            <a:extLst>
-              <a:ext uri="{FF2B5EF4-FFF2-40B4-BE49-F238E27FC236}">
-                <a16:creationId xmlns:a16="http://schemas.microsoft.com/office/drawing/2014/main" id="{32A461E0-E042-91C5-9C1D-4FF090E9E4C0}"/>
+              <a:t>can</a:t>
+            </a:r>
+          </a:p>
+        </p:txBody>
+      </p:sp>
+      <p:sp>
+        <p:nvSpPr>
+          <p:cNvPr id="6" name="Rectangle 5">
+            <a:extLst>
+              <a:ext uri="{FF2B5EF4-FFF2-40B4-BE49-F238E27FC236}">
+                <a16:creationId xmlns:a16="http://schemas.microsoft.com/office/drawing/2014/main" id="{332B60DF-DDF6-5A1E-6DC6-3E4E67B9A076}"/>
               </a:ext>
             </a:extLst>
           </p:cNvPr>
@@ -4520,8 +4136,191 @@
         </p:nvSpPr>
         <p:spPr>
           <a:xfrm>
-            <a:off x="3948953" y="3684495"/>
-            <a:ext cx="847166" cy="1057836"/>
+            <a:off x="387530" y="1551071"/>
+            <a:ext cx="1182853" cy="1057836"/>
+          </a:xfrm>
+          <a:prstGeom prst="rect">
+            <a:avLst/>
+          </a:prstGeom>
+          <a:solidFill>
+            <a:schemeClr val="bg2">
+              <a:lumMod val="50000"/>
+            </a:schemeClr>
+          </a:solidFill>
+          <a:ln w="38100">
+            <a:solidFill>
+              <a:schemeClr val="bg2">
+                <a:lumMod val="25000"/>
+              </a:schemeClr>
+            </a:solidFill>
+          </a:ln>
+        </p:spPr>
+        <p:style>
+          <a:lnRef idx="2">
+            <a:schemeClr val="accent2">
+              <a:shade val="50000"/>
+            </a:schemeClr>
+          </a:lnRef>
+          <a:fillRef idx="1">
+            <a:schemeClr val="accent2"/>
+          </a:fillRef>
+          <a:effectRef idx="0">
+            <a:schemeClr val="accent2"/>
+          </a:effectRef>
+          <a:fontRef idx="minor">
+            <a:schemeClr val="lt1"/>
+          </a:fontRef>
+        </p:style>
+        <p:txBody>
+          <a:bodyPr rtlCol="0" anchor="ctr"/>
+          <a:lstStyle/>
+          <a:p>
+            <a:pPr algn="ctr"/>
+            <a:r>
+              <a:rPr lang="en-CA" sz="7200" dirty="0"/>
+              <a:t>It</a:t>
+            </a:r>
+          </a:p>
+        </p:txBody>
+      </p:sp>
+      <p:sp>
+        <p:nvSpPr>
+          <p:cNvPr id="8" name="Rectangle 7">
+            <a:extLst>
+              <a:ext uri="{FF2B5EF4-FFF2-40B4-BE49-F238E27FC236}">
+                <a16:creationId xmlns:a16="http://schemas.microsoft.com/office/drawing/2014/main" id="{54781098-DC31-A41E-3742-4E001D9087CB}"/>
+              </a:ext>
+            </a:extLst>
+          </p:cNvPr>
+          <p:cNvSpPr/>
+          <p:nvPr/>
+        </p:nvSpPr>
+        <p:spPr>
+          <a:xfrm>
+            <a:off x="387530" y="2877268"/>
+            <a:ext cx="1182853" cy="1057836"/>
+          </a:xfrm>
+          <a:prstGeom prst="rect">
+            <a:avLst/>
+          </a:prstGeom>
+          <a:solidFill>
+            <a:schemeClr val="bg2">
+              <a:lumMod val="50000"/>
+            </a:schemeClr>
+          </a:solidFill>
+          <a:ln w="38100">
+            <a:solidFill>
+              <a:schemeClr val="bg2">
+                <a:lumMod val="25000"/>
+              </a:schemeClr>
+            </a:solidFill>
+          </a:ln>
+        </p:spPr>
+        <p:style>
+          <a:lnRef idx="2">
+            <a:schemeClr val="accent2">
+              <a:shade val="50000"/>
+            </a:schemeClr>
+          </a:lnRef>
+          <a:fillRef idx="1">
+            <a:schemeClr val="accent2"/>
+          </a:fillRef>
+          <a:effectRef idx="0">
+            <a:schemeClr val="accent2"/>
+          </a:effectRef>
+          <a:fontRef idx="minor">
+            <a:schemeClr val="lt1"/>
+          </a:fontRef>
+        </p:style>
+        <p:txBody>
+          <a:bodyPr rtlCol="0" anchor="ctr"/>
+          <a:lstStyle/>
+          <a:p>
+            <a:pPr algn="ctr"/>
+            <a:r>
+              <a:rPr lang="en-CA" sz="7200" dirty="0"/>
+              <a:t>It</a:t>
+            </a:r>
+          </a:p>
+        </p:txBody>
+      </p:sp>
+      <p:sp>
+        <p:nvSpPr>
+          <p:cNvPr id="10" name="Rectangle 9">
+            <a:extLst>
+              <a:ext uri="{FF2B5EF4-FFF2-40B4-BE49-F238E27FC236}">
+                <a16:creationId xmlns:a16="http://schemas.microsoft.com/office/drawing/2014/main" id="{2880A7BE-0B15-C11F-D3B4-D640E0F35F1A}"/>
+              </a:ext>
+            </a:extLst>
+          </p:cNvPr>
+          <p:cNvSpPr/>
+          <p:nvPr/>
+        </p:nvSpPr>
+        <p:spPr>
+          <a:xfrm>
+            <a:off x="1808825" y="2882127"/>
+            <a:ext cx="2017740" cy="1057836"/>
+          </a:xfrm>
+          <a:prstGeom prst="rect">
+            <a:avLst/>
+          </a:prstGeom>
+          <a:solidFill>
+            <a:schemeClr val="bg2">
+              <a:lumMod val="50000"/>
+            </a:schemeClr>
+          </a:solidFill>
+          <a:ln w="38100">
+            <a:solidFill>
+              <a:schemeClr val="bg2">
+                <a:lumMod val="25000"/>
+              </a:schemeClr>
+            </a:solidFill>
+          </a:ln>
+        </p:spPr>
+        <p:style>
+          <a:lnRef idx="2">
+            <a:schemeClr val="accent2">
+              <a:shade val="50000"/>
+            </a:schemeClr>
+          </a:lnRef>
+          <a:fillRef idx="1">
+            <a:schemeClr val="accent2"/>
+          </a:fillRef>
+          <a:effectRef idx="0">
+            <a:schemeClr val="accent2"/>
+          </a:effectRef>
+          <a:fontRef idx="minor">
+            <a:schemeClr val="lt1"/>
+          </a:fontRef>
+        </p:style>
+        <p:txBody>
+          <a:bodyPr rtlCol="0" anchor="ctr"/>
+          <a:lstStyle/>
+          <a:p>
+            <a:pPr algn="ctr"/>
+            <a:r>
+              <a:rPr lang="en-CA" sz="7200" dirty="0"/>
+              <a:t>can</a:t>
+            </a:r>
+          </a:p>
+        </p:txBody>
+      </p:sp>
+      <p:sp>
+        <p:nvSpPr>
+          <p:cNvPr id="11" name="Rectangle 10">
+            <a:extLst>
+              <a:ext uri="{FF2B5EF4-FFF2-40B4-BE49-F238E27FC236}">
+                <a16:creationId xmlns:a16="http://schemas.microsoft.com/office/drawing/2014/main" id="{659773B4-0094-AB8C-E522-1D2D49AA93C5}"/>
+              </a:ext>
+            </a:extLst>
+          </p:cNvPr>
+          <p:cNvSpPr/>
+          <p:nvPr/>
+        </p:nvSpPr>
+        <p:spPr>
+          <a:xfrm>
+            <a:off x="4065007" y="2882127"/>
+            <a:ext cx="2017740" cy="1057836"/>
           </a:xfrm>
           <a:prstGeom prst="rect">
             <a:avLst/>
@@ -4551,17 +4350,17 @@
             <a:pPr algn="ctr"/>
             <a:r>
               <a:rPr lang="en-CA" sz="7200" dirty="0"/>
-              <a:t>5</a:t>
-            </a:r>
-          </a:p>
-        </p:txBody>
-      </p:sp>
-      <p:sp>
-        <p:nvSpPr>
-          <p:cNvPr id="22" name="Rectangle 21">
-            <a:extLst>
-              <a:ext uri="{FF2B5EF4-FFF2-40B4-BE49-F238E27FC236}">
-                <a16:creationId xmlns:a16="http://schemas.microsoft.com/office/drawing/2014/main" id="{4E65DCC9-ED07-593C-3335-8FF0E505101F}"/>
+              <a:t>hear</a:t>
+            </a:r>
+          </a:p>
+        </p:txBody>
+      </p:sp>
+      <p:sp>
+        <p:nvSpPr>
+          <p:cNvPr id="12" name="Rectangle 11">
+            <a:extLst>
+              <a:ext uri="{FF2B5EF4-FFF2-40B4-BE49-F238E27FC236}">
+                <a16:creationId xmlns:a16="http://schemas.microsoft.com/office/drawing/2014/main" id="{8B5CE609-BA19-5E12-C835-BA7CDE2D4C66}"/>
               </a:ext>
             </a:extLst>
           </p:cNvPr>
@@ -4570,8 +4369,191 @@
         </p:nvSpPr>
         <p:spPr>
           <a:xfrm>
-            <a:off x="5006790" y="3684495"/>
-            <a:ext cx="847166" cy="1057836"/>
+            <a:off x="387530" y="4203465"/>
+            <a:ext cx="1182853" cy="1057836"/>
+          </a:xfrm>
+          <a:prstGeom prst="rect">
+            <a:avLst/>
+          </a:prstGeom>
+          <a:solidFill>
+            <a:schemeClr val="bg2">
+              <a:lumMod val="50000"/>
+            </a:schemeClr>
+          </a:solidFill>
+          <a:ln w="38100">
+            <a:solidFill>
+              <a:schemeClr val="bg2">
+                <a:lumMod val="25000"/>
+              </a:schemeClr>
+            </a:solidFill>
+          </a:ln>
+        </p:spPr>
+        <p:style>
+          <a:lnRef idx="2">
+            <a:schemeClr val="accent2">
+              <a:shade val="50000"/>
+            </a:schemeClr>
+          </a:lnRef>
+          <a:fillRef idx="1">
+            <a:schemeClr val="accent2"/>
+          </a:fillRef>
+          <a:effectRef idx="0">
+            <a:schemeClr val="accent2"/>
+          </a:effectRef>
+          <a:fontRef idx="minor">
+            <a:schemeClr val="lt1"/>
+          </a:fontRef>
+        </p:style>
+        <p:txBody>
+          <a:bodyPr rtlCol="0" anchor="ctr"/>
+          <a:lstStyle/>
+          <a:p>
+            <a:pPr algn="ctr"/>
+            <a:r>
+              <a:rPr lang="en-CA" sz="7200" dirty="0"/>
+              <a:t>It</a:t>
+            </a:r>
+          </a:p>
+        </p:txBody>
+      </p:sp>
+      <p:sp>
+        <p:nvSpPr>
+          <p:cNvPr id="13" name="Rectangle 12">
+            <a:extLst>
+              <a:ext uri="{FF2B5EF4-FFF2-40B4-BE49-F238E27FC236}">
+                <a16:creationId xmlns:a16="http://schemas.microsoft.com/office/drawing/2014/main" id="{16052088-4751-68E8-2584-C69376313B72}"/>
+              </a:ext>
+            </a:extLst>
+          </p:cNvPr>
+          <p:cNvSpPr/>
+          <p:nvPr/>
+        </p:nvSpPr>
+        <p:spPr>
+          <a:xfrm>
+            <a:off x="1808825" y="4213183"/>
+            <a:ext cx="2017740" cy="1057836"/>
+          </a:xfrm>
+          <a:prstGeom prst="rect">
+            <a:avLst/>
+          </a:prstGeom>
+          <a:solidFill>
+            <a:schemeClr val="bg2">
+              <a:lumMod val="50000"/>
+            </a:schemeClr>
+          </a:solidFill>
+          <a:ln w="38100">
+            <a:solidFill>
+              <a:schemeClr val="bg2">
+                <a:lumMod val="25000"/>
+              </a:schemeClr>
+            </a:solidFill>
+          </a:ln>
+        </p:spPr>
+        <p:style>
+          <a:lnRef idx="2">
+            <a:schemeClr val="accent2">
+              <a:shade val="50000"/>
+            </a:schemeClr>
+          </a:lnRef>
+          <a:fillRef idx="1">
+            <a:schemeClr val="accent2"/>
+          </a:fillRef>
+          <a:effectRef idx="0">
+            <a:schemeClr val="accent2"/>
+          </a:effectRef>
+          <a:fontRef idx="minor">
+            <a:schemeClr val="lt1"/>
+          </a:fontRef>
+        </p:style>
+        <p:txBody>
+          <a:bodyPr rtlCol="0" anchor="ctr"/>
+          <a:lstStyle/>
+          <a:p>
+            <a:pPr algn="ctr"/>
+            <a:r>
+              <a:rPr lang="en-CA" sz="7200" dirty="0"/>
+              <a:t>can</a:t>
+            </a:r>
+          </a:p>
+        </p:txBody>
+      </p:sp>
+      <p:sp>
+        <p:nvSpPr>
+          <p:cNvPr id="14" name="Rectangle 13">
+            <a:extLst>
+              <a:ext uri="{FF2B5EF4-FFF2-40B4-BE49-F238E27FC236}">
+                <a16:creationId xmlns:a16="http://schemas.microsoft.com/office/drawing/2014/main" id="{873173CC-BABB-6EE4-B844-745B2119D321}"/>
+              </a:ext>
+            </a:extLst>
+          </p:cNvPr>
+          <p:cNvSpPr/>
+          <p:nvPr/>
+        </p:nvSpPr>
+        <p:spPr>
+          <a:xfrm>
+            <a:off x="4065007" y="4213183"/>
+            <a:ext cx="2017740" cy="1057836"/>
+          </a:xfrm>
+          <a:prstGeom prst="rect">
+            <a:avLst/>
+          </a:prstGeom>
+          <a:solidFill>
+            <a:schemeClr val="bg2">
+              <a:lumMod val="50000"/>
+            </a:schemeClr>
+          </a:solidFill>
+          <a:ln w="38100">
+            <a:solidFill>
+              <a:schemeClr val="bg2">
+                <a:lumMod val="25000"/>
+              </a:schemeClr>
+            </a:solidFill>
+          </a:ln>
+        </p:spPr>
+        <p:style>
+          <a:lnRef idx="2">
+            <a:schemeClr val="accent2">
+              <a:shade val="50000"/>
+            </a:schemeClr>
+          </a:lnRef>
+          <a:fillRef idx="1">
+            <a:schemeClr val="accent2"/>
+          </a:fillRef>
+          <a:effectRef idx="0">
+            <a:schemeClr val="accent2"/>
+          </a:effectRef>
+          <a:fontRef idx="minor">
+            <a:schemeClr val="lt1"/>
+          </a:fontRef>
+        </p:style>
+        <p:txBody>
+          <a:bodyPr rtlCol="0" anchor="ctr"/>
+          <a:lstStyle/>
+          <a:p>
+            <a:pPr algn="ctr"/>
+            <a:r>
+              <a:rPr lang="en-CA" sz="7200" dirty="0"/>
+              <a:t>hear</a:t>
+            </a:r>
+          </a:p>
+        </p:txBody>
+      </p:sp>
+      <p:sp>
+        <p:nvSpPr>
+          <p:cNvPr id="15" name="Rectangle 14">
+            <a:extLst>
+              <a:ext uri="{FF2B5EF4-FFF2-40B4-BE49-F238E27FC236}">
+                <a16:creationId xmlns:a16="http://schemas.microsoft.com/office/drawing/2014/main" id="{6F41DF9D-1C46-FE60-3C91-65C55E94DFCB}"/>
+              </a:ext>
+            </a:extLst>
+          </p:cNvPr>
+          <p:cNvSpPr/>
+          <p:nvPr/>
+        </p:nvSpPr>
+        <p:spPr>
+          <a:xfrm>
+            <a:off x="6211859" y="4213183"/>
+            <a:ext cx="2017740" cy="1057836"/>
           </a:xfrm>
           <a:prstGeom prst="rect">
             <a:avLst/>
@@ -4601,17 +4583,17 @@
             <a:pPr algn="ctr"/>
             <a:r>
               <a:rPr lang="en-CA" sz="7200" dirty="0"/>
-              <a:t>6</a:t>
-            </a:r>
-          </a:p>
-        </p:txBody>
-      </p:sp>
-      <p:sp>
-        <p:nvSpPr>
-          <p:cNvPr id="23" name="Rectangle 22">
-            <a:extLst>
-              <a:ext uri="{FF2B5EF4-FFF2-40B4-BE49-F238E27FC236}">
-                <a16:creationId xmlns:a16="http://schemas.microsoft.com/office/drawing/2014/main" id="{8B4CAC9C-A0BA-2189-6A5A-17512D673CE2}"/>
+              <a:t>you</a:t>
+            </a:r>
+          </a:p>
+        </p:txBody>
+      </p:sp>
+      <p:sp>
+        <p:nvSpPr>
+          <p:cNvPr id="16" name="Rectangle 15">
+            <a:extLst>
+              <a:ext uri="{FF2B5EF4-FFF2-40B4-BE49-F238E27FC236}">
+                <a16:creationId xmlns:a16="http://schemas.microsoft.com/office/drawing/2014/main" id="{D5C6E14C-1C69-6AF3-EB71-9DDA0FF8DC93}"/>
               </a:ext>
             </a:extLst>
           </p:cNvPr>
@@ -4620,8 +4602,252 @@
         </p:nvSpPr>
         <p:spPr>
           <a:xfrm>
-            <a:off x="3099547" y="3684495"/>
-            <a:ext cx="717177" cy="1057836"/>
+            <a:off x="387530" y="5529662"/>
+            <a:ext cx="1182853" cy="1057836"/>
+          </a:xfrm>
+          <a:prstGeom prst="rect">
+            <a:avLst/>
+          </a:prstGeom>
+          <a:solidFill>
+            <a:schemeClr val="bg2">
+              <a:lumMod val="50000"/>
+            </a:schemeClr>
+          </a:solidFill>
+          <a:ln w="38100">
+            <a:solidFill>
+              <a:schemeClr val="bg2">
+                <a:lumMod val="25000"/>
+              </a:schemeClr>
+            </a:solidFill>
+          </a:ln>
+        </p:spPr>
+        <p:style>
+          <a:lnRef idx="2">
+            <a:schemeClr val="accent2">
+              <a:shade val="50000"/>
+            </a:schemeClr>
+          </a:lnRef>
+          <a:fillRef idx="1">
+            <a:schemeClr val="accent2"/>
+          </a:fillRef>
+          <a:effectRef idx="0">
+            <a:schemeClr val="accent2"/>
+          </a:effectRef>
+          <a:fontRef idx="minor">
+            <a:schemeClr val="lt1"/>
+          </a:fontRef>
+        </p:style>
+        <p:txBody>
+          <a:bodyPr rtlCol="0" anchor="ctr"/>
+          <a:lstStyle/>
+          <a:p>
+            <a:pPr algn="ctr"/>
+            <a:r>
+              <a:rPr lang="en-CA" sz="7200" dirty="0"/>
+              <a:t>It</a:t>
+            </a:r>
+          </a:p>
+        </p:txBody>
+      </p:sp>
+      <p:sp>
+        <p:nvSpPr>
+          <p:cNvPr id="17" name="Rectangle 16">
+            <a:extLst>
+              <a:ext uri="{FF2B5EF4-FFF2-40B4-BE49-F238E27FC236}">
+                <a16:creationId xmlns:a16="http://schemas.microsoft.com/office/drawing/2014/main" id="{8DF81ECC-F4B6-57ED-1B60-DECAA20DACFC}"/>
+              </a:ext>
+            </a:extLst>
+          </p:cNvPr>
+          <p:cNvSpPr/>
+          <p:nvPr/>
+        </p:nvSpPr>
+        <p:spPr>
+          <a:xfrm>
+            <a:off x="1808825" y="5544239"/>
+            <a:ext cx="2017740" cy="1057836"/>
+          </a:xfrm>
+          <a:prstGeom prst="rect">
+            <a:avLst/>
+          </a:prstGeom>
+          <a:solidFill>
+            <a:schemeClr val="bg2">
+              <a:lumMod val="50000"/>
+            </a:schemeClr>
+          </a:solidFill>
+          <a:ln w="38100">
+            <a:solidFill>
+              <a:schemeClr val="bg2">
+                <a:lumMod val="25000"/>
+              </a:schemeClr>
+            </a:solidFill>
+          </a:ln>
+        </p:spPr>
+        <p:style>
+          <a:lnRef idx="2">
+            <a:schemeClr val="accent2">
+              <a:shade val="50000"/>
+            </a:schemeClr>
+          </a:lnRef>
+          <a:fillRef idx="1">
+            <a:schemeClr val="accent2"/>
+          </a:fillRef>
+          <a:effectRef idx="0">
+            <a:schemeClr val="accent2"/>
+          </a:effectRef>
+          <a:fontRef idx="minor">
+            <a:schemeClr val="lt1"/>
+          </a:fontRef>
+        </p:style>
+        <p:txBody>
+          <a:bodyPr rtlCol="0" anchor="ctr"/>
+          <a:lstStyle/>
+          <a:p>
+            <a:pPr algn="ctr"/>
+            <a:r>
+              <a:rPr lang="en-CA" sz="7200" dirty="0"/>
+              <a:t>can</a:t>
+            </a:r>
+          </a:p>
+        </p:txBody>
+      </p:sp>
+      <p:sp>
+        <p:nvSpPr>
+          <p:cNvPr id="18" name="Rectangle 17">
+            <a:extLst>
+              <a:ext uri="{FF2B5EF4-FFF2-40B4-BE49-F238E27FC236}">
+                <a16:creationId xmlns:a16="http://schemas.microsoft.com/office/drawing/2014/main" id="{0B4D3711-B120-6389-4222-742AB7F3CDDE}"/>
+              </a:ext>
+            </a:extLst>
+          </p:cNvPr>
+          <p:cNvSpPr/>
+          <p:nvPr/>
+        </p:nvSpPr>
+        <p:spPr>
+          <a:xfrm>
+            <a:off x="4065007" y="5544239"/>
+            <a:ext cx="2017740" cy="1057836"/>
+          </a:xfrm>
+          <a:prstGeom prst="rect">
+            <a:avLst/>
+          </a:prstGeom>
+          <a:solidFill>
+            <a:schemeClr val="bg2">
+              <a:lumMod val="50000"/>
+            </a:schemeClr>
+          </a:solidFill>
+          <a:ln w="38100">
+            <a:solidFill>
+              <a:schemeClr val="bg2">
+                <a:lumMod val="25000"/>
+              </a:schemeClr>
+            </a:solidFill>
+          </a:ln>
+        </p:spPr>
+        <p:style>
+          <a:lnRef idx="2">
+            <a:schemeClr val="accent2">
+              <a:shade val="50000"/>
+            </a:schemeClr>
+          </a:lnRef>
+          <a:fillRef idx="1">
+            <a:schemeClr val="accent2"/>
+          </a:fillRef>
+          <a:effectRef idx="0">
+            <a:schemeClr val="accent2"/>
+          </a:effectRef>
+          <a:fontRef idx="minor">
+            <a:schemeClr val="lt1"/>
+          </a:fontRef>
+        </p:style>
+        <p:txBody>
+          <a:bodyPr rtlCol="0" anchor="ctr"/>
+          <a:lstStyle/>
+          <a:p>
+            <a:pPr algn="ctr"/>
+            <a:r>
+              <a:rPr lang="en-CA" sz="7200" dirty="0"/>
+              <a:t>hear</a:t>
+            </a:r>
+          </a:p>
+        </p:txBody>
+      </p:sp>
+      <p:sp>
+        <p:nvSpPr>
+          <p:cNvPr id="19" name="Rectangle 18">
+            <a:extLst>
+              <a:ext uri="{FF2B5EF4-FFF2-40B4-BE49-F238E27FC236}">
+                <a16:creationId xmlns:a16="http://schemas.microsoft.com/office/drawing/2014/main" id="{FE1D2412-3190-1790-5C59-13006376F93F}"/>
+              </a:ext>
+            </a:extLst>
+          </p:cNvPr>
+          <p:cNvSpPr/>
+          <p:nvPr/>
+        </p:nvSpPr>
+        <p:spPr>
+          <a:xfrm>
+            <a:off x="6211859" y="5544239"/>
+            <a:ext cx="2017740" cy="1057836"/>
+          </a:xfrm>
+          <a:prstGeom prst="rect">
+            <a:avLst/>
+          </a:prstGeom>
+          <a:solidFill>
+            <a:schemeClr val="bg2">
+              <a:lumMod val="50000"/>
+            </a:schemeClr>
+          </a:solidFill>
+          <a:ln w="38100">
+            <a:solidFill>
+              <a:schemeClr val="bg2">
+                <a:lumMod val="25000"/>
+              </a:schemeClr>
+            </a:solidFill>
+          </a:ln>
+        </p:spPr>
+        <p:style>
+          <a:lnRef idx="2">
+            <a:schemeClr val="accent2">
+              <a:shade val="50000"/>
+            </a:schemeClr>
+          </a:lnRef>
+          <a:fillRef idx="1">
+            <a:schemeClr val="accent2"/>
+          </a:fillRef>
+          <a:effectRef idx="0">
+            <a:schemeClr val="accent2"/>
+          </a:effectRef>
+          <a:fontRef idx="minor">
+            <a:schemeClr val="lt1"/>
+          </a:fontRef>
+        </p:style>
+        <p:txBody>
+          <a:bodyPr rtlCol="0" anchor="ctr"/>
+          <a:lstStyle/>
+          <a:p>
+            <a:pPr algn="ctr"/>
+            <a:r>
+              <a:rPr lang="en-CA" sz="7200" dirty="0"/>
+              <a:t>you</a:t>
+            </a:r>
+          </a:p>
+        </p:txBody>
+      </p:sp>
+      <p:sp>
+        <p:nvSpPr>
+          <p:cNvPr id="20" name="Rectangle 19">
+            <a:extLst>
+              <a:ext uri="{FF2B5EF4-FFF2-40B4-BE49-F238E27FC236}">
+                <a16:creationId xmlns:a16="http://schemas.microsoft.com/office/drawing/2014/main" id="{723D248F-093B-1CAE-4006-11DB2D09C927}"/>
+              </a:ext>
+            </a:extLst>
+          </p:cNvPr>
+          <p:cNvSpPr/>
+          <p:nvPr/>
+        </p:nvSpPr>
+        <p:spPr>
+          <a:xfrm>
+            <a:off x="8468041" y="5544239"/>
+            <a:ext cx="1182853" cy="1057836"/>
           </a:xfrm>
           <a:prstGeom prst="rect">
             <a:avLst/>
@@ -4651,17 +4877,961 @@
             <a:pPr algn="ctr"/>
             <a:r>
               <a:rPr lang="en-CA" sz="7200" dirty="0"/>
-              <a:t>:</a:t>
-            </a:r>
-          </a:p>
-        </p:txBody>
-      </p:sp>
-      <p:sp>
-        <p:nvSpPr>
-          <p:cNvPr id="24" name="Rectangle 23">
-            <a:extLst>
-              <a:ext uri="{FF2B5EF4-FFF2-40B4-BE49-F238E27FC236}">
-                <a16:creationId xmlns:a16="http://schemas.microsoft.com/office/drawing/2014/main" id="{DA0C8A30-CE05-94B6-A37D-7669F126FDF8}"/>
+              <a:t>.</a:t>
+            </a:r>
+          </a:p>
+        </p:txBody>
+      </p:sp>
+      <p:sp>
+        <p:nvSpPr>
+          <p:cNvPr id="23" name="Title 1">
+            <a:extLst>
+              <a:ext uri="{FF2B5EF4-FFF2-40B4-BE49-F238E27FC236}">
+                <a16:creationId xmlns:a16="http://schemas.microsoft.com/office/drawing/2014/main" id="{958DE975-0332-8BD5-F182-42F8CEC9EBFD}"/>
+              </a:ext>
+            </a:extLst>
+          </p:cNvPr>
+          <p:cNvSpPr>
+            <a:spLocks noGrp="1"/>
+          </p:cNvSpPr>
+          <p:nvPr>
+            <p:ph type="title"/>
+          </p:nvPr>
+        </p:nvSpPr>
+        <p:spPr>
+          <a:xfrm>
+            <a:off x="3236360" y="85772"/>
+            <a:ext cx="7908718" cy="1325563"/>
+          </a:xfrm>
+        </p:spPr>
+        <p:txBody>
+          <a:bodyPr/>
+          <a:lstStyle/>
+          <a:p>
+            <a:r>
+              <a:rPr lang="en-CA" dirty="0"/>
+              <a:t>AI generates one token at a time.</a:t>
+            </a:r>
+          </a:p>
+        </p:txBody>
+      </p:sp>
+    </p:spTree>
+    <p:extLst>
+      <p:ext uri="{BB962C8B-B14F-4D97-AF65-F5344CB8AC3E}">
+        <p14:creationId xmlns:p14="http://schemas.microsoft.com/office/powerpoint/2010/main" val="3970290565"/>
+      </p:ext>
+    </p:extLst>
+  </p:cSld>
+  <p:clrMapOvr>
+    <a:masterClrMapping/>
+  </p:clrMapOvr>
+  <mc:AlternateContent xmlns:mc="http://schemas.openxmlformats.org/markup-compatibility/2006">
+    <mc:Choice xmlns:p159="http://schemas.microsoft.com/office/powerpoint/2015/09/main" Requires="p159">
+      <p:transition xmlns:p14="http://schemas.microsoft.com/office/powerpoint/2010/main" p14:dur="250">
+        <p159:morph option="byObject"/>
+      </p:transition>
+    </mc:Choice>
+    <mc:Fallback>
+      <p:transition>
+        <p:fade/>
+      </p:transition>
+    </mc:Fallback>
+  </mc:AlternateContent>
+  <p:timing>
+    <p:tnLst>
+      <p:par>
+        <p:cTn id="1" dur="indefinite" restart="never" nodeType="tmRoot">
+          <p:childTnLst>
+            <p:seq concurrent="1" nextAc="seek">
+              <p:cTn id="2" dur="indefinite" nodeType="mainSeq">
+                <p:childTnLst>
+                  <p:par>
+                    <p:cTn id="3" fill="hold">
+                      <p:stCondLst>
+                        <p:cond delay="indefinite"/>
+                        <p:cond evt="onBegin" delay="0">
+                          <p:tn val="2"/>
+                        </p:cond>
+                      </p:stCondLst>
+                      <p:childTnLst>
+                        <p:par>
+                          <p:cTn id="4" fill="hold">
+                            <p:stCondLst>
+                              <p:cond delay="0"/>
+                            </p:stCondLst>
+                            <p:childTnLst>
+                              <p:par>
+                                <p:cTn id="5" presetID="42" presetClass="entr" presetSubtype="0" fill="hold" grpId="0" nodeType="afterEffect">
+                                  <p:stCondLst>
+                                    <p:cond delay="0"/>
+                                  </p:stCondLst>
+                                  <p:childTnLst>
+                                    <p:set>
+                                      <p:cBhvr>
+                                        <p:cTn id="6" dur="1" fill="hold">
+                                          <p:stCondLst>
+                                            <p:cond delay="0"/>
+                                          </p:stCondLst>
+                                        </p:cTn>
+                                        <p:tgtEl>
+                                          <p:spTgt spid="4"/>
+                                        </p:tgtEl>
+                                        <p:attrNameLst>
+                                          <p:attrName>style.visibility</p:attrName>
+                                        </p:attrNameLst>
+                                      </p:cBhvr>
+                                      <p:to>
+                                        <p:strVal val="visible"/>
+                                      </p:to>
+                                    </p:set>
+                                    <p:animEffect transition="in" filter="fade">
+                                      <p:cBhvr>
+                                        <p:cTn id="7" dur="1000"/>
+                                        <p:tgtEl>
+                                          <p:spTgt spid="4"/>
+                                        </p:tgtEl>
+                                      </p:cBhvr>
+                                    </p:animEffect>
+                                    <p:anim calcmode="lin" valueType="num">
+                                      <p:cBhvr>
+                                        <p:cTn id="8" dur="1000" fill="hold"/>
+                                        <p:tgtEl>
+                                          <p:spTgt spid="4"/>
+                                        </p:tgtEl>
+                                        <p:attrNameLst>
+                                          <p:attrName>ppt_x</p:attrName>
+                                        </p:attrNameLst>
+                                      </p:cBhvr>
+                                      <p:tavLst>
+                                        <p:tav tm="0">
+                                          <p:val>
+                                            <p:strVal val="#ppt_x"/>
+                                          </p:val>
+                                        </p:tav>
+                                        <p:tav tm="100000">
+                                          <p:val>
+                                            <p:strVal val="#ppt_x"/>
+                                          </p:val>
+                                        </p:tav>
+                                      </p:tavLst>
+                                    </p:anim>
+                                    <p:anim calcmode="lin" valueType="num">
+                                      <p:cBhvr>
+                                        <p:cTn id="9" dur="1000" fill="hold"/>
+                                        <p:tgtEl>
+                                          <p:spTgt spid="4"/>
+                                        </p:tgtEl>
+                                        <p:attrNameLst>
+                                          <p:attrName>ppt_y</p:attrName>
+                                        </p:attrNameLst>
+                                      </p:cBhvr>
+                                      <p:tavLst>
+                                        <p:tav tm="0">
+                                          <p:val>
+                                            <p:strVal val="#ppt_y+.1"/>
+                                          </p:val>
+                                        </p:tav>
+                                        <p:tav tm="100000">
+                                          <p:val>
+                                            <p:strVal val="#ppt_y"/>
+                                          </p:val>
+                                        </p:tav>
+                                      </p:tavLst>
+                                    </p:anim>
+                                  </p:childTnLst>
+                                </p:cTn>
+                              </p:par>
+                            </p:childTnLst>
+                          </p:cTn>
+                        </p:par>
+                        <p:par>
+                          <p:cTn id="10" fill="hold">
+                            <p:stCondLst>
+                              <p:cond delay="1000"/>
+                            </p:stCondLst>
+                            <p:childTnLst>
+                              <p:par>
+                                <p:cTn id="11" presetID="1" presetClass="entr" presetSubtype="0" fill="hold" grpId="0" nodeType="afterEffect">
+                                  <p:stCondLst>
+                                    <p:cond delay="0"/>
+                                  </p:stCondLst>
+                                  <p:childTnLst>
+                                    <p:set>
+                                      <p:cBhvr>
+                                        <p:cTn id="12" dur="1" fill="hold">
+                                          <p:stCondLst>
+                                            <p:cond delay="0"/>
+                                          </p:stCondLst>
+                                        </p:cTn>
+                                        <p:tgtEl>
+                                          <p:spTgt spid="6"/>
+                                        </p:tgtEl>
+                                        <p:attrNameLst>
+                                          <p:attrName>style.visibility</p:attrName>
+                                        </p:attrNameLst>
+                                      </p:cBhvr>
+                                      <p:to>
+                                        <p:strVal val="visible"/>
+                                      </p:to>
+                                    </p:set>
+                                  </p:childTnLst>
+                                </p:cTn>
+                              </p:par>
+                            </p:childTnLst>
+                          </p:cTn>
+                        </p:par>
+                        <p:par>
+                          <p:cTn id="13" fill="hold">
+                            <p:stCondLst>
+                              <p:cond delay="1000"/>
+                            </p:stCondLst>
+                            <p:childTnLst>
+                              <p:par>
+                                <p:cTn id="14" presetID="42" presetClass="entr" presetSubtype="0" fill="hold" grpId="0" nodeType="afterEffect">
+                                  <p:stCondLst>
+                                    <p:cond delay="0"/>
+                                  </p:stCondLst>
+                                  <p:childTnLst>
+                                    <p:set>
+                                      <p:cBhvr>
+                                        <p:cTn id="15" dur="1" fill="hold">
+                                          <p:stCondLst>
+                                            <p:cond delay="0"/>
+                                          </p:stCondLst>
+                                        </p:cTn>
+                                        <p:tgtEl>
+                                          <p:spTgt spid="5"/>
+                                        </p:tgtEl>
+                                        <p:attrNameLst>
+                                          <p:attrName>style.visibility</p:attrName>
+                                        </p:attrNameLst>
+                                      </p:cBhvr>
+                                      <p:to>
+                                        <p:strVal val="visible"/>
+                                      </p:to>
+                                    </p:set>
+                                    <p:animEffect transition="in" filter="fade">
+                                      <p:cBhvr>
+                                        <p:cTn id="16" dur="1000"/>
+                                        <p:tgtEl>
+                                          <p:spTgt spid="5"/>
+                                        </p:tgtEl>
+                                      </p:cBhvr>
+                                    </p:animEffect>
+                                    <p:anim calcmode="lin" valueType="num">
+                                      <p:cBhvr>
+                                        <p:cTn id="17" dur="1000" fill="hold"/>
+                                        <p:tgtEl>
+                                          <p:spTgt spid="5"/>
+                                        </p:tgtEl>
+                                        <p:attrNameLst>
+                                          <p:attrName>ppt_x</p:attrName>
+                                        </p:attrNameLst>
+                                      </p:cBhvr>
+                                      <p:tavLst>
+                                        <p:tav tm="0">
+                                          <p:val>
+                                            <p:strVal val="#ppt_x"/>
+                                          </p:val>
+                                        </p:tav>
+                                        <p:tav tm="100000">
+                                          <p:val>
+                                            <p:strVal val="#ppt_x"/>
+                                          </p:val>
+                                        </p:tav>
+                                      </p:tavLst>
+                                    </p:anim>
+                                    <p:anim calcmode="lin" valueType="num">
+                                      <p:cBhvr>
+                                        <p:cTn id="18" dur="1000" fill="hold"/>
+                                        <p:tgtEl>
+                                          <p:spTgt spid="5"/>
+                                        </p:tgtEl>
+                                        <p:attrNameLst>
+                                          <p:attrName>ppt_y</p:attrName>
+                                        </p:attrNameLst>
+                                      </p:cBhvr>
+                                      <p:tavLst>
+                                        <p:tav tm="0">
+                                          <p:val>
+                                            <p:strVal val="#ppt_y+.1"/>
+                                          </p:val>
+                                        </p:tav>
+                                        <p:tav tm="100000">
+                                          <p:val>
+                                            <p:strVal val="#ppt_y"/>
+                                          </p:val>
+                                        </p:tav>
+                                      </p:tavLst>
+                                    </p:anim>
+                                  </p:childTnLst>
+                                </p:cTn>
+                              </p:par>
+                            </p:childTnLst>
+                          </p:cTn>
+                        </p:par>
+                        <p:par>
+                          <p:cTn id="19" fill="hold">
+                            <p:stCondLst>
+                              <p:cond delay="2000"/>
+                            </p:stCondLst>
+                            <p:childTnLst>
+                              <p:par>
+                                <p:cTn id="20" presetID="1" presetClass="entr" presetSubtype="0" fill="hold" grpId="0" nodeType="afterEffect">
+                                  <p:stCondLst>
+                                    <p:cond delay="0"/>
+                                  </p:stCondLst>
+                                  <p:childTnLst>
+                                    <p:set>
+                                      <p:cBhvr>
+                                        <p:cTn id="21" dur="1" fill="hold">
+                                          <p:stCondLst>
+                                            <p:cond delay="0"/>
+                                          </p:stCondLst>
+                                        </p:cTn>
+                                        <p:tgtEl>
+                                          <p:spTgt spid="8"/>
+                                        </p:tgtEl>
+                                        <p:attrNameLst>
+                                          <p:attrName>style.visibility</p:attrName>
+                                        </p:attrNameLst>
+                                      </p:cBhvr>
+                                      <p:to>
+                                        <p:strVal val="visible"/>
+                                      </p:to>
+                                    </p:set>
+                                  </p:childTnLst>
+                                </p:cTn>
+                              </p:par>
+                            </p:childTnLst>
+                          </p:cTn>
+                        </p:par>
+                        <p:par>
+                          <p:cTn id="22" fill="hold">
+                            <p:stCondLst>
+                              <p:cond delay="2000"/>
+                            </p:stCondLst>
+                            <p:childTnLst>
+                              <p:par>
+                                <p:cTn id="23" presetID="1" presetClass="entr" presetSubtype="0" fill="hold" grpId="0" nodeType="afterEffect">
+                                  <p:stCondLst>
+                                    <p:cond delay="0"/>
+                                  </p:stCondLst>
+                                  <p:childTnLst>
+                                    <p:set>
+                                      <p:cBhvr>
+                                        <p:cTn id="24" dur="1" fill="hold">
+                                          <p:stCondLst>
+                                            <p:cond delay="0"/>
+                                          </p:stCondLst>
+                                        </p:cTn>
+                                        <p:tgtEl>
+                                          <p:spTgt spid="10"/>
+                                        </p:tgtEl>
+                                        <p:attrNameLst>
+                                          <p:attrName>style.visibility</p:attrName>
+                                        </p:attrNameLst>
+                                      </p:cBhvr>
+                                      <p:to>
+                                        <p:strVal val="visible"/>
+                                      </p:to>
+                                    </p:set>
+                                  </p:childTnLst>
+                                </p:cTn>
+                              </p:par>
+                            </p:childTnLst>
+                          </p:cTn>
+                        </p:par>
+                        <p:par>
+                          <p:cTn id="25" fill="hold">
+                            <p:stCondLst>
+                              <p:cond delay="2000"/>
+                            </p:stCondLst>
+                            <p:childTnLst>
+                              <p:par>
+                                <p:cTn id="26" presetID="42" presetClass="entr" presetSubtype="0" fill="hold" grpId="0" nodeType="afterEffect">
+                                  <p:stCondLst>
+                                    <p:cond delay="0"/>
+                                  </p:stCondLst>
+                                  <p:childTnLst>
+                                    <p:set>
+                                      <p:cBhvr>
+                                        <p:cTn id="27" dur="1" fill="hold">
+                                          <p:stCondLst>
+                                            <p:cond delay="0"/>
+                                          </p:stCondLst>
+                                        </p:cTn>
+                                        <p:tgtEl>
+                                          <p:spTgt spid="11"/>
+                                        </p:tgtEl>
+                                        <p:attrNameLst>
+                                          <p:attrName>style.visibility</p:attrName>
+                                        </p:attrNameLst>
+                                      </p:cBhvr>
+                                      <p:to>
+                                        <p:strVal val="visible"/>
+                                      </p:to>
+                                    </p:set>
+                                    <p:animEffect transition="in" filter="fade">
+                                      <p:cBhvr>
+                                        <p:cTn id="28" dur="1000"/>
+                                        <p:tgtEl>
+                                          <p:spTgt spid="11"/>
+                                        </p:tgtEl>
+                                      </p:cBhvr>
+                                    </p:animEffect>
+                                    <p:anim calcmode="lin" valueType="num">
+                                      <p:cBhvr>
+                                        <p:cTn id="29" dur="1000" fill="hold"/>
+                                        <p:tgtEl>
+                                          <p:spTgt spid="11"/>
+                                        </p:tgtEl>
+                                        <p:attrNameLst>
+                                          <p:attrName>ppt_x</p:attrName>
+                                        </p:attrNameLst>
+                                      </p:cBhvr>
+                                      <p:tavLst>
+                                        <p:tav tm="0">
+                                          <p:val>
+                                            <p:strVal val="#ppt_x"/>
+                                          </p:val>
+                                        </p:tav>
+                                        <p:tav tm="100000">
+                                          <p:val>
+                                            <p:strVal val="#ppt_x"/>
+                                          </p:val>
+                                        </p:tav>
+                                      </p:tavLst>
+                                    </p:anim>
+                                    <p:anim calcmode="lin" valueType="num">
+                                      <p:cBhvr>
+                                        <p:cTn id="30" dur="1000" fill="hold"/>
+                                        <p:tgtEl>
+                                          <p:spTgt spid="11"/>
+                                        </p:tgtEl>
+                                        <p:attrNameLst>
+                                          <p:attrName>ppt_y</p:attrName>
+                                        </p:attrNameLst>
+                                      </p:cBhvr>
+                                      <p:tavLst>
+                                        <p:tav tm="0">
+                                          <p:val>
+                                            <p:strVal val="#ppt_y+.1"/>
+                                          </p:val>
+                                        </p:tav>
+                                        <p:tav tm="100000">
+                                          <p:val>
+                                            <p:strVal val="#ppt_y"/>
+                                          </p:val>
+                                        </p:tav>
+                                      </p:tavLst>
+                                    </p:anim>
+                                  </p:childTnLst>
+                                </p:cTn>
+                              </p:par>
+                            </p:childTnLst>
+                          </p:cTn>
+                        </p:par>
+                        <p:par>
+                          <p:cTn id="31" fill="hold">
+                            <p:stCondLst>
+                              <p:cond delay="3000"/>
+                            </p:stCondLst>
+                            <p:childTnLst>
+                              <p:par>
+                                <p:cTn id="32" presetID="1" presetClass="entr" presetSubtype="0" fill="hold" grpId="0" nodeType="afterEffect">
+                                  <p:stCondLst>
+                                    <p:cond delay="0"/>
+                                  </p:stCondLst>
+                                  <p:childTnLst>
+                                    <p:set>
+                                      <p:cBhvr>
+                                        <p:cTn id="33" dur="1" fill="hold">
+                                          <p:stCondLst>
+                                            <p:cond delay="0"/>
+                                          </p:stCondLst>
+                                        </p:cTn>
+                                        <p:tgtEl>
+                                          <p:spTgt spid="12"/>
+                                        </p:tgtEl>
+                                        <p:attrNameLst>
+                                          <p:attrName>style.visibility</p:attrName>
+                                        </p:attrNameLst>
+                                      </p:cBhvr>
+                                      <p:to>
+                                        <p:strVal val="visible"/>
+                                      </p:to>
+                                    </p:set>
+                                  </p:childTnLst>
+                                </p:cTn>
+                              </p:par>
+                            </p:childTnLst>
+                          </p:cTn>
+                        </p:par>
+                        <p:par>
+                          <p:cTn id="34" fill="hold">
+                            <p:stCondLst>
+                              <p:cond delay="3000"/>
+                            </p:stCondLst>
+                            <p:childTnLst>
+                              <p:par>
+                                <p:cTn id="35" presetID="1" presetClass="entr" presetSubtype="0" fill="hold" grpId="0" nodeType="afterEffect">
+                                  <p:stCondLst>
+                                    <p:cond delay="0"/>
+                                  </p:stCondLst>
+                                  <p:childTnLst>
+                                    <p:set>
+                                      <p:cBhvr>
+                                        <p:cTn id="36" dur="1" fill="hold">
+                                          <p:stCondLst>
+                                            <p:cond delay="0"/>
+                                          </p:stCondLst>
+                                        </p:cTn>
+                                        <p:tgtEl>
+                                          <p:spTgt spid="13"/>
+                                        </p:tgtEl>
+                                        <p:attrNameLst>
+                                          <p:attrName>style.visibility</p:attrName>
+                                        </p:attrNameLst>
+                                      </p:cBhvr>
+                                      <p:to>
+                                        <p:strVal val="visible"/>
+                                      </p:to>
+                                    </p:set>
+                                  </p:childTnLst>
+                                </p:cTn>
+                              </p:par>
+                            </p:childTnLst>
+                          </p:cTn>
+                        </p:par>
+                        <p:par>
+                          <p:cTn id="37" fill="hold">
+                            <p:stCondLst>
+                              <p:cond delay="3000"/>
+                            </p:stCondLst>
+                            <p:childTnLst>
+                              <p:par>
+                                <p:cTn id="38" presetID="1" presetClass="entr" presetSubtype="0" fill="hold" grpId="0" nodeType="afterEffect">
+                                  <p:stCondLst>
+                                    <p:cond delay="0"/>
+                                  </p:stCondLst>
+                                  <p:childTnLst>
+                                    <p:set>
+                                      <p:cBhvr>
+                                        <p:cTn id="39" dur="1" fill="hold">
+                                          <p:stCondLst>
+                                            <p:cond delay="0"/>
+                                          </p:stCondLst>
+                                        </p:cTn>
+                                        <p:tgtEl>
+                                          <p:spTgt spid="14"/>
+                                        </p:tgtEl>
+                                        <p:attrNameLst>
+                                          <p:attrName>style.visibility</p:attrName>
+                                        </p:attrNameLst>
+                                      </p:cBhvr>
+                                      <p:to>
+                                        <p:strVal val="visible"/>
+                                      </p:to>
+                                    </p:set>
+                                  </p:childTnLst>
+                                </p:cTn>
+                              </p:par>
+                            </p:childTnLst>
+                          </p:cTn>
+                        </p:par>
+                        <p:par>
+                          <p:cTn id="40" fill="hold">
+                            <p:stCondLst>
+                              <p:cond delay="3000"/>
+                            </p:stCondLst>
+                            <p:childTnLst>
+                              <p:par>
+                                <p:cTn id="41" presetID="42" presetClass="entr" presetSubtype="0" fill="hold" grpId="0" nodeType="afterEffect">
+                                  <p:stCondLst>
+                                    <p:cond delay="0"/>
+                                  </p:stCondLst>
+                                  <p:childTnLst>
+                                    <p:set>
+                                      <p:cBhvr>
+                                        <p:cTn id="42" dur="1" fill="hold">
+                                          <p:stCondLst>
+                                            <p:cond delay="0"/>
+                                          </p:stCondLst>
+                                        </p:cTn>
+                                        <p:tgtEl>
+                                          <p:spTgt spid="15"/>
+                                        </p:tgtEl>
+                                        <p:attrNameLst>
+                                          <p:attrName>style.visibility</p:attrName>
+                                        </p:attrNameLst>
+                                      </p:cBhvr>
+                                      <p:to>
+                                        <p:strVal val="visible"/>
+                                      </p:to>
+                                    </p:set>
+                                    <p:animEffect transition="in" filter="fade">
+                                      <p:cBhvr>
+                                        <p:cTn id="43" dur="1000"/>
+                                        <p:tgtEl>
+                                          <p:spTgt spid="15"/>
+                                        </p:tgtEl>
+                                      </p:cBhvr>
+                                    </p:animEffect>
+                                    <p:anim calcmode="lin" valueType="num">
+                                      <p:cBhvr>
+                                        <p:cTn id="44" dur="1000" fill="hold"/>
+                                        <p:tgtEl>
+                                          <p:spTgt spid="15"/>
+                                        </p:tgtEl>
+                                        <p:attrNameLst>
+                                          <p:attrName>ppt_x</p:attrName>
+                                        </p:attrNameLst>
+                                      </p:cBhvr>
+                                      <p:tavLst>
+                                        <p:tav tm="0">
+                                          <p:val>
+                                            <p:strVal val="#ppt_x"/>
+                                          </p:val>
+                                        </p:tav>
+                                        <p:tav tm="100000">
+                                          <p:val>
+                                            <p:strVal val="#ppt_x"/>
+                                          </p:val>
+                                        </p:tav>
+                                      </p:tavLst>
+                                    </p:anim>
+                                    <p:anim calcmode="lin" valueType="num">
+                                      <p:cBhvr>
+                                        <p:cTn id="45" dur="1000" fill="hold"/>
+                                        <p:tgtEl>
+                                          <p:spTgt spid="15"/>
+                                        </p:tgtEl>
+                                        <p:attrNameLst>
+                                          <p:attrName>ppt_y</p:attrName>
+                                        </p:attrNameLst>
+                                      </p:cBhvr>
+                                      <p:tavLst>
+                                        <p:tav tm="0">
+                                          <p:val>
+                                            <p:strVal val="#ppt_y+.1"/>
+                                          </p:val>
+                                        </p:tav>
+                                        <p:tav tm="100000">
+                                          <p:val>
+                                            <p:strVal val="#ppt_y"/>
+                                          </p:val>
+                                        </p:tav>
+                                      </p:tavLst>
+                                    </p:anim>
+                                  </p:childTnLst>
+                                </p:cTn>
+                              </p:par>
+                            </p:childTnLst>
+                          </p:cTn>
+                        </p:par>
+                        <p:par>
+                          <p:cTn id="46" fill="hold">
+                            <p:stCondLst>
+                              <p:cond delay="4000"/>
+                            </p:stCondLst>
+                            <p:childTnLst>
+                              <p:par>
+                                <p:cTn id="47" presetID="1" presetClass="entr" presetSubtype="0" fill="hold" grpId="0" nodeType="afterEffect">
+                                  <p:stCondLst>
+                                    <p:cond delay="0"/>
+                                  </p:stCondLst>
+                                  <p:childTnLst>
+                                    <p:set>
+                                      <p:cBhvr>
+                                        <p:cTn id="48" dur="1" fill="hold">
+                                          <p:stCondLst>
+                                            <p:cond delay="0"/>
+                                          </p:stCondLst>
+                                        </p:cTn>
+                                        <p:tgtEl>
+                                          <p:spTgt spid="16"/>
+                                        </p:tgtEl>
+                                        <p:attrNameLst>
+                                          <p:attrName>style.visibility</p:attrName>
+                                        </p:attrNameLst>
+                                      </p:cBhvr>
+                                      <p:to>
+                                        <p:strVal val="visible"/>
+                                      </p:to>
+                                    </p:set>
+                                  </p:childTnLst>
+                                </p:cTn>
+                              </p:par>
+                            </p:childTnLst>
+                          </p:cTn>
+                        </p:par>
+                        <p:par>
+                          <p:cTn id="49" fill="hold">
+                            <p:stCondLst>
+                              <p:cond delay="4000"/>
+                            </p:stCondLst>
+                            <p:childTnLst>
+                              <p:par>
+                                <p:cTn id="50" presetID="1" presetClass="entr" presetSubtype="0" fill="hold" grpId="0" nodeType="afterEffect">
+                                  <p:stCondLst>
+                                    <p:cond delay="0"/>
+                                  </p:stCondLst>
+                                  <p:childTnLst>
+                                    <p:set>
+                                      <p:cBhvr>
+                                        <p:cTn id="51" dur="1" fill="hold">
+                                          <p:stCondLst>
+                                            <p:cond delay="0"/>
+                                          </p:stCondLst>
+                                        </p:cTn>
+                                        <p:tgtEl>
+                                          <p:spTgt spid="17"/>
+                                        </p:tgtEl>
+                                        <p:attrNameLst>
+                                          <p:attrName>style.visibility</p:attrName>
+                                        </p:attrNameLst>
+                                      </p:cBhvr>
+                                      <p:to>
+                                        <p:strVal val="visible"/>
+                                      </p:to>
+                                    </p:set>
+                                  </p:childTnLst>
+                                </p:cTn>
+                              </p:par>
+                            </p:childTnLst>
+                          </p:cTn>
+                        </p:par>
+                        <p:par>
+                          <p:cTn id="52" fill="hold">
+                            <p:stCondLst>
+                              <p:cond delay="4000"/>
+                            </p:stCondLst>
+                            <p:childTnLst>
+                              <p:par>
+                                <p:cTn id="53" presetID="1" presetClass="entr" presetSubtype="0" fill="hold" grpId="0" nodeType="afterEffect">
+                                  <p:stCondLst>
+                                    <p:cond delay="0"/>
+                                  </p:stCondLst>
+                                  <p:childTnLst>
+                                    <p:set>
+                                      <p:cBhvr>
+                                        <p:cTn id="54" dur="1" fill="hold">
+                                          <p:stCondLst>
+                                            <p:cond delay="0"/>
+                                          </p:stCondLst>
+                                        </p:cTn>
+                                        <p:tgtEl>
+                                          <p:spTgt spid="18"/>
+                                        </p:tgtEl>
+                                        <p:attrNameLst>
+                                          <p:attrName>style.visibility</p:attrName>
+                                        </p:attrNameLst>
+                                      </p:cBhvr>
+                                      <p:to>
+                                        <p:strVal val="visible"/>
+                                      </p:to>
+                                    </p:set>
+                                  </p:childTnLst>
+                                </p:cTn>
+                              </p:par>
+                            </p:childTnLst>
+                          </p:cTn>
+                        </p:par>
+                        <p:par>
+                          <p:cTn id="55" fill="hold">
+                            <p:stCondLst>
+                              <p:cond delay="4000"/>
+                            </p:stCondLst>
+                            <p:childTnLst>
+                              <p:par>
+                                <p:cTn id="56" presetID="1" presetClass="entr" presetSubtype="0" fill="hold" grpId="0" nodeType="afterEffect">
+                                  <p:stCondLst>
+                                    <p:cond delay="0"/>
+                                  </p:stCondLst>
+                                  <p:childTnLst>
+                                    <p:set>
+                                      <p:cBhvr>
+                                        <p:cTn id="57" dur="1" fill="hold">
+                                          <p:stCondLst>
+                                            <p:cond delay="0"/>
+                                          </p:stCondLst>
+                                        </p:cTn>
+                                        <p:tgtEl>
+                                          <p:spTgt spid="19"/>
+                                        </p:tgtEl>
+                                        <p:attrNameLst>
+                                          <p:attrName>style.visibility</p:attrName>
+                                        </p:attrNameLst>
+                                      </p:cBhvr>
+                                      <p:to>
+                                        <p:strVal val="visible"/>
+                                      </p:to>
+                                    </p:set>
+                                  </p:childTnLst>
+                                </p:cTn>
+                              </p:par>
+                            </p:childTnLst>
+                          </p:cTn>
+                        </p:par>
+                        <p:par>
+                          <p:cTn id="58" fill="hold">
+                            <p:stCondLst>
+                              <p:cond delay="4000"/>
+                            </p:stCondLst>
+                            <p:childTnLst>
+                              <p:par>
+                                <p:cTn id="59" presetID="42" presetClass="entr" presetSubtype="0" fill="hold" grpId="0" nodeType="afterEffect">
+                                  <p:stCondLst>
+                                    <p:cond delay="0"/>
+                                  </p:stCondLst>
+                                  <p:childTnLst>
+                                    <p:set>
+                                      <p:cBhvr>
+                                        <p:cTn id="60" dur="1" fill="hold">
+                                          <p:stCondLst>
+                                            <p:cond delay="0"/>
+                                          </p:stCondLst>
+                                        </p:cTn>
+                                        <p:tgtEl>
+                                          <p:spTgt spid="20"/>
+                                        </p:tgtEl>
+                                        <p:attrNameLst>
+                                          <p:attrName>style.visibility</p:attrName>
+                                        </p:attrNameLst>
+                                      </p:cBhvr>
+                                      <p:to>
+                                        <p:strVal val="visible"/>
+                                      </p:to>
+                                    </p:set>
+                                    <p:animEffect transition="in" filter="fade">
+                                      <p:cBhvr>
+                                        <p:cTn id="61" dur="1000"/>
+                                        <p:tgtEl>
+                                          <p:spTgt spid="20"/>
+                                        </p:tgtEl>
+                                      </p:cBhvr>
+                                    </p:animEffect>
+                                    <p:anim calcmode="lin" valueType="num">
+                                      <p:cBhvr>
+                                        <p:cTn id="62" dur="1000" fill="hold"/>
+                                        <p:tgtEl>
+                                          <p:spTgt spid="20"/>
+                                        </p:tgtEl>
+                                        <p:attrNameLst>
+                                          <p:attrName>ppt_x</p:attrName>
+                                        </p:attrNameLst>
+                                      </p:cBhvr>
+                                      <p:tavLst>
+                                        <p:tav tm="0">
+                                          <p:val>
+                                            <p:strVal val="#ppt_x"/>
+                                          </p:val>
+                                        </p:tav>
+                                        <p:tav tm="100000">
+                                          <p:val>
+                                            <p:strVal val="#ppt_x"/>
+                                          </p:val>
+                                        </p:tav>
+                                      </p:tavLst>
+                                    </p:anim>
+                                    <p:anim calcmode="lin" valueType="num">
+                                      <p:cBhvr>
+                                        <p:cTn id="63" dur="1000" fill="hold"/>
+                                        <p:tgtEl>
+                                          <p:spTgt spid="20"/>
+                                        </p:tgtEl>
+                                        <p:attrNameLst>
+                                          <p:attrName>ppt_y</p:attrName>
+                                        </p:attrNameLst>
+                                      </p:cBhvr>
+                                      <p:tavLst>
+                                        <p:tav tm="0">
+                                          <p:val>
+                                            <p:strVal val="#ppt_y+.1"/>
+                                          </p:val>
+                                        </p:tav>
+                                        <p:tav tm="100000">
+                                          <p:val>
+                                            <p:strVal val="#ppt_y"/>
+                                          </p:val>
+                                        </p:tav>
+                                      </p:tavLst>
+                                    </p:anim>
+                                  </p:childTnLst>
+                                </p:cTn>
+                              </p:par>
+                            </p:childTnLst>
+                          </p:cTn>
+                        </p:par>
+                      </p:childTnLst>
+                    </p:cTn>
+                  </p:par>
+                </p:childTnLst>
+              </p:cTn>
+              <p:prevCondLst>
+                <p:cond evt="onPrev" delay="0">
+                  <p:tgtEl>
+                    <p:sldTgt/>
+                  </p:tgtEl>
+                </p:cond>
+              </p:prevCondLst>
+              <p:nextCondLst>
+                <p:cond evt="onNext" delay="0">
+                  <p:tgtEl>
+                    <p:sldTgt/>
+                  </p:tgtEl>
+                </p:cond>
+              </p:nextCondLst>
+            </p:seq>
+          </p:childTnLst>
+        </p:cTn>
+      </p:par>
+    </p:tnLst>
+    <p:bldLst>
+      <p:bldP spid="4" grpId="0" animBg="1"/>
+      <p:bldP spid="5" grpId="0" animBg="1"/>
+      <p:bldP spid="6" grpId="0" animBg="1"/>
+      <p:bldP spid="8" grpId="0" animBg="1"/>
+      <p:bldP spid="10" grpId="0" animBg="1"/>
+      <p:bldP spid="11" grpId="0" animBg="1"/>
+      <p:bldP spid="12" grpId="0" animBg="1"/>
+      <p:bldP spid="13" grpId="0" animBg="1"/>
+      <p:bldP spid="14" grpId="0" animBg="1"/>
+      <p:bldP spid="15" grpId="0" animBg="1"/>
+      <p:bldP spid="16" grpId="0" animBg="1"/>
+      <p:bldP spid="17" grpId="0" animBg="1"/>
+      <p:bldP spid="18" grpId="0" animBg="1"/>
+      <p:bldP spid="19" grpId="0" animBg="1"/>
+      <p:bldP spid="20" grpId="0" animBg="1"/>
+    </p:bldLst>
+  </p:timing>
+</p:sld>
+</file>
+
+<file path=ppt/slides/slide3.xml><?xml version="1.0" encoding="utf-8"?>
+<p:sld xmlns:a="http://schemas.openxmlformats.org/drawingml/2006/main" xmlns:r="http://schemas.openxmlformats.org/officeDocument/2006/relationships" xmlns:p="http://schemas.openxmlformats.org/presentationml/2006/main">
+  <p:cSld>
+    <p:spTree>
+      <p:nvGrpSpPr>
+        <p:cNvPr id="1" name=""/>
+        <p:cNvGrpSpPr/>
+        <p:nvPr/>
+      </p:nvGrpSpPr>
+      <p:grpSpPr>
+        <a:xfrm>
+          <a:off x="0" y="0"/>
+          <a:ext cx="0" cy="0"/>
+          <a:chOff x="0" y="0"/>
+          <a:chExt cx="0" cy="0"/>
+        </a:xfrm>
+      </p:grpSpPr>
+      <p:sp>
+        <p:nvSpPr>
+          <p:cNvPr id="4" name="Rectangle 3">
+            <a:extLst>
+              <a:ext uri="{FF2B5EF4-FFF2-40B4-BE49-F238E27FC236}">
+                <a16:creationId xmlns:a16="http://schemas.microsoft.com/office/drawing/2014/main" id="{AF0F2078-C433-C55E-DE48-B662AE1CD0FA}"/>
               </a:ext>
             </a:extLst>
           </p:cNvPr>
@@ -4670,25 +5840,27 @@
         </p:nvSpPr>
         <p:spPr>
           <a:xfrm>
-            <a:off x="6095999" y="3693461"/>
-            <a:ext cx="1568823" cy="1057836"/>
+            <a:off x="327991" y="164545"/>
+            <a:ext cx="2178903" cy="3915467"/>
           </a:xfrm>
           <a:prstGeom prst="rect">
             <a:avLst/>
           </a:prstGeom>
-          <a:ln w="38100"/>
+          <a:ln>
+            <a:noFill/>
+          </a:ln>
         </p:spPr>
         <p:style>
           <a:lnRef idx="2">
-            <a:schemeClr val="accent2">
+            <a:schemeClr val="accent1">
               <a:shade val="50000"/>
             </a:schemeClr>
           </a:lnRef>
           <a:fillRef idx="1">
-            <a:schemeClr val="accent2"/>
+            <a:schemeClr val="accent1"/>
           </a:fillRef>
           <a:effectRef idx="0">
-            <a:schemeClr val="accent2"/>
+            <a:schemeClr val="accent1"/>
           </a:effectRef>
           <a:fontRef idx="minor">
             <a:schemeClr val="lt1"/>
@@ -4700,18 +5872,18 @@
           <a:p>
             <a:pPr algn="ctr"/>
             <a:r>
-              <a:rPr lang="en-CA" sz="7200" dirty="0"/>
-              <a:t>PM</a:t>
-            </a:r>
-          </a:p>
-        </p:txBody>
-      </p:sp>
-      <p:sp>
-        <p:nvSpPr>
-          <p:cNvPr id="25" name="Rectangle 24">
-            <a:extLst>
-              <a:ext uri="{FF2B5EF4-FFF2-40B4-BE49-F238E27FC236}">
-                <a16:creationId xmlns:a16="http://schemas.microsoft.com/office/drawing/2014/main" id="{5058D09D-5D70-6A3A-F7BD-493DF5F047EB}"/>
+              <a:rPr lang="en-CA" dirty="0"/>
+              <a:t>HEADER WITH EXAMPLES</a:t>
+            </a:r>
+          </a:p>
+        </p:txBody>
+      </p:sp>
+      <p:sp>
+        <p:nvSpPr>
+          <p:cNvPr id="6" name="Rectangle 5">
+            <a:extLst>
+              <a:ext uri="{FF2B5EF4-FFF2-40B4-BE49-F238E27FC236}">
+                <a16:creationId xmlns:a16="http://schemas.microsoft.com/office/drawing/2014/main" id="{C3D07866-855B-B578-D12E-400BDBEB9FDD}"/>
               </a:ext>
             </a:extLst>
           </p:cNvPr>
@@ -4720,25 +5892,27 @@
         </p:nvSpPr>
         <p:spPr>
           <a:xfrm>
-            <a:off x="7850839" y="3684495"/>
-            <a:ext cx="656667" cy="1057836"/>
+            <a:off x="327991" y="4294598"/>
+            <a:ext cx="2178903" cy="938354"/>
           </a:xfrm>
           <a:prstGeom prst="rect">
             <a:avLst/>
           </a:prstGeom>
-          <a:ln w="38100"/>
+          <a:ln>
+            <a:noFill/>
+          </a:ln>
         </p:spPr>
         <p:style>
           <a:lnRef idx="2">
-            <a:schemeClr val="accent2">
+            <a:schemeClr val="accent1">
               <a:shade val="50000"/>
             </a:schemeClr>
           </a:lnRef>
           <a:fillRef idx="1">
-            <a:schemeClr val="accent2"/>
+            <a:schemeClr val="accent1"/>
           </a:fillRef>
           <a:effectRef idx="0">
-            <a:schemeClr val="accent2"/>
+            <a:schemeClr val="accent1"/>
           </a:effectRef>
           <a:fontRef idx="minor">
             <a:schemeClr val="lt1"/>
@@ -4750,18 +5924,18 @@
           <a:p>
             <a:pPr algn="ctr"/>
             <a:r>
-              <a:rPr lang="en-CA" sz="7200" dirty="0"/>
-              <a:t>.</a:t>
-            </a:r>
-          </a:p>
-        </p:txBody>
-      </p:sp>
-      <p:sp>
-        <p:nvSpPr>
-          <p:cNvPr id="26" name="Left Bracket 25">
-            <a:extLst>
-              <a:ext uri="{FF2B5EF4-FFF2-40B4-BE49-F238E27FC236}">
-                <a16:creationId xmlns:a16="http://schemas.microsoft.com/office/drawing/2014/main" id="{7F87A22B-837C-20FF-BA55-82E8061B08FD}"/>
+              <a:rPr lang="en-CA" dirty="0"/>
+              <a:t>CONVERSATION HISTORY</a:t>
+            </a:r>
+          </a:p>
+        </p:txBody>
+      </p:sp>
+      <p:sp>
+        <p:nvSpPr>
+          <p:cNvPr id="7" name="Rectangle 6">
+            <a:extLst>
+              <a:ext uri="{FF2B5EF4-FFF2-40B4-BE49-F238E27FC236}">
+                <a16:creationId xmlns:a16="http://schemas.microsoft.com/office/drawing/2014/main" id="{EE917F46-25E1-4E23-C885-FBE98283426E}"/>
               </a:ext>
             </a:extLst>
           </p:cNvPr>
@@ -4769,160 +5943,921 @@
           <p:nvPr/>
         </p:nvSpPr>
         <p:spPr>
-          <a:xfrm rot="16200000">
-            <a:off x="4669491" y="2374526"/>
-            <a:ext cx="575981" cy="5414681"/>
-          </a:xfrm>
-          <a:prstGeom prst="leftBracket">
-            <a:avLst/>
-          </a:prstGeom>
-          <a:ln w="38100"/>
-        </p:spPr>
-        <p:style>
-          <a:lnRef idx="3">
-            <a:schemeClr val="accent2"/>
-          </a:lnRef>
-          <a:fillRef idx="0">
-            <a:schemeClr val="accent2"/>
-          </a:fillRef>
-          <a:effectRef idx="2">
-            <a:schemeClr val="accent2"/>
-          </a:effectRef>
-          <a:fontRef idx="minor">
-            <a:schemeClr val="tx1"/>
-          </a:fontRef>
-        </p:style>
-        <p:txBody>
-          <a:bodyPr rtlCol="0" anchor="ctr"/>
-          <a:lstStyle/>
-          <a:p>
-            <a:pPr algn="ctr"/>
-            <a:endParaRPr lang="en-CA"/>
-          </a:p>
-        </p:txBody>
-      </p:sp>
-      <p:pic>
-        <p:nvPicPr>
-          <p:cNvPr id="1026" name="Picture 2" descr="&quot;I made it up &quot;Source?&quot; Doctor Manhattan Jaw Neck Sleeve Gesture Human anatomy Art Waist Chest Trunk Thigh Nerve Knee Electric blue Symmetry Painting">
-            <a:extLst>
-              <a:ext uri="{FF2B5EF4-FFF2-40B4-BE49-F238E27FC236}">
-                <a16:creationId xmlns:a16="http://schemas.microsoft.com/office/drawing/2014/main" id="{D5AC2AC8-97C7-CB2D-B447-06BB5E765D13}"/>
-              </a:ext>
-            </a:extLst>
-          </p:cNvPr>
-          <p:cNvPicPr>
-            <a:picLocks noChangeAspect="1" noChangeArrowheads="1"/>
-          </p:cNvPicPr>
-          <p:nvPr/>
-        </p:nvPicPr>
-        <p:blipFill>
-          <a:blip r:embed="rId3">
-            <a:extLst>
-              <a:ext uri="{28A0092B-C50C-407E-A947-70E740481C1C}">
-                <a14:useLocalDpi xmlns:a14="http://schemas.microsoft.com/office/drawing/2010/main" val="0"/>
-              </a:ext>
-            </a:extLst>
-          </a:blip>
-          <a:srcRect/>
-          <a:stretch>
-            <a:fillRect/>
-          </a:stretch>
-        </p:blipFill>
-        <p:spPr bwMode="auto">
           <a:xfrm>
-            <a:off x="8739083" y="2994098"/>
-            <a:ext cx="2889643" cy="3599556"/>
+            <a:off x="327991" y="5317656"/>
+            <a:ext cx="2178903" cy="271485"/>
           </a:xfrm>
           <a:prstGeom prst="rect">
             <a:avLst/>
           </a:prstGeom>
-          <a:noFill/>
-          <a:extLst>
-            <a:ext uri="{909E8E84-426E-40DD-AFC4-6F175D3DCCD1}">
-              <a14:hiddenFill xmlns:a14="http://schemas.microsoft.com/office/drawing/2010/main">
-                <a:solidFill>
-                  <a:srgbClr val="FFFFFF"/>
-                </a:solidFill>
-              </a14:hiddenFill>
-            </a:ext>
-          </a:extLst>
+          <a:ln>
+            <a:noFill/>
+          </a:ln>
         </p:spPr>
-      </p:pic>
-      <p:sp>
-        <p:nvSpPr>
-          <p:cNvPr id="28" name="TextBox 27">
-            <a:extLst>
-              <a:ext uri="{FF2B5EF4-FFF2-40B4-BE49-F238E27FC236}">
-                <a16:creationId xmlns:a16="http://schemas.microsoft.com/office/drawing/2014/main" id="{CE22A8D0-30C8-9EB2-110D-7D7F32D4AAA7}"/>
-              </a:ext>
-            </a:extLst>
-          </p:cNvPr>
-          <p:cNvSpPr txBox="1"/>
+        <p:style>
+          <a:lnRef idx="2">
+            <a:schemeClr val="accent1">
+              <a:shade val="50000"/>
+            </a:schemeClr>
+          </a:lnRef>
+          <a:fillRef idx="1">
+            <a:schemeClr val="accent1"/>
+          </a:fillRef>
+          <a:effectRef idx="0">
+            <a:schemeClr val="accent1"/>
+          </a:effectRef>
+          <a:fontRef idx="minor">
+            <a:schemeClr val="lt1"/>
+          </a:fontRef>
+        </p:style>
+        <p:txBody>
+          <a:bodyPr rtlCol="0" anchor="ctr"/>
+          <a:lstStyle/>
+          <a:p>
+            <a:pPr algn="ctr"/>
+            <a:r>
+              <a:rPr lang="en-CA" dirty="0"/>
+              <a:t>LATEST INPUT</a:t>
+            </a:r>
+          </a:p>
+        </p:txBody>
+      </p:sp>
+      <p:sp>
+        <p:nvSpPr>
+          <p:cNvPr id="8" name="Rectangle 7">
+            <a:extLst>
+              <a:ext uri="{FF2B5EF4-FFF2-40B4-BE49-F238E27FC236}">
+                <a16:creationId xmlns:a16="http://schemas.microsoft.com/office/drawing/2014/main" id="{6C289FBA-EE0D-4A52-2EEF-332C5CAC7314}"/>
+              </a:ext>
+            </a:extLst>
+          </p:cNvPr>
+          <p:cNvSpPr/>
           <p:nvPr/>
         </p:nvSpPr>
         <p:spPr>
           <a:xfrm>
-            <a:off x="3964542" y="5369024"/>
-            <a:ext cx="2469843" cy="1569660"/>
+            <a:off x="327991" y="5648483"/>
+            <a:ext cx="2178903" cy="271485"/>
           </a:xfrm>
           <a:prstGeom prst="rect">
             <a:avLst/>
           </a:prstGeom>
-          <a:noFill/>
+          <a:ln>
+            <a:noFill/>
+          </a:ln>
         </p:spPr>
-        <p:txBody>
-          <a:bodyPr wrap="square" rtlCol="0">
-            <a:spAutoFit/>
-          </a:bodyPr>
-          <a:lstStyle/>
-          <a:p>
-            <a:r>
-              <a:rPr lang="en-CA" sz="9600" dirty="0"/>
-              <a:t>LIES</a:t>
-            </a:r>
-          </a:p>
-        </p:txBody>
-      </p:sp>
-      <p:pic>
-        <p:nvPicPr>
-          <p:cNvPr id="32" name="Picture 31" descr="A picture containing text, electronics&#10;&#10;Description automatically generated">
-            <a:extLst>
-              <a:ext uri="{FF2B5EF4-FFF2-40B4-BE49-F238E27FC236}">
-                <a16:creationId xmlns:a16="http://schemas.microsoft.com/office/drawing/2014/main" id="{5FC33B80-9D10-290E-666D-A88D54F47798}"/>
-              </a:ext>
-            </a:extLst>
-          </p:cNvPr>
-          <p:cNvPicPr>
-            <a:picLocks noChangeAspect="1"/>
-          </p:cNvPicPr>
+        <p:style>
+          <a:lnRef idx="2">
+            <a:schemeClr val="accent1">
+              <a:shade val="50000"/>
+            </a:schemeClr>
+          </a:lnRef>
+          <a:fillRef idx="1">
+            <a:schemeClr val="accent1"/>
+          </a:fillRef>
+          <a:effectRef idx="0">
+            <a:schemeClr val="accent1"/>
+          </a:effectRef>
+          <a:fontRef idx="minor">
+            <a:schemeClr val="lt1"/>
+          </a:fontRef>
+        </p:style>
+        <p:txBody>
+          <a:bodyPr rtlCol="0" anchor="ctr"/>
+          <a:lstStyle/>
+          <a:p>
+            <a:pPr algn="ctr"/>
+            <a:r>
+              <a:rPr lang="en-CA" dirty="0"/>
+              <a:t>SPEAKER IDENTIFIER</a:t>
+            </a:r>
+          </a:p>
+        </p:txBody>
+      </p:sp>
+      <p:sp>
+        <p:nvSpPr>
+          <p:cNvPr id="10" name="TextBox 9">
+            <a:extLst>
+              <a:ext uri="{FF2B5EF4-FFF2-40B4-BE49-F238E27FC236}">
+                <a16:creationId xmlns:a16="http://schemas.microsoft.com/office/drawing/2014/main" id="{88B71C65-FC7C-CFA4-6191-EBDEF304E515}"/>
+              </a:ext>
+            </a:extLst>
+          </p:cNvPr>
+          <p:cNvSpPr txBox="1"/>
           <p:nvPr/>
-        </p:nvPicPr>
-        <p:blipFill>
-          <a:blip r:embed="rId4">
-            <a:extLst>
-              <a:ext uri="{28A0092B-C50C-407E-A947-70E740481C1C}">
-                <a14:useLocalDpi xmlns:a14="http://schemas.microsoft.com/office/drawing/2010/main" val="0"/>
-              </a:ext>
-            </a:extLst>
-          </a:blip>
-          <a:stretch>
-            <a:fillRect/>
-          </a:stretch>
-        </p:blipFill>
+        </p:nvSpPr>
         <p:spPr>
           <a:xfrm>
-            <a:off x="25008" y="5017005"/>
-            <a:ext cx="1555676" cy="1797510"/>
+            <a:off x="2506894" y="164546"/>
+            <a:ext cx="11625652" cy="5755422"/>
           </a:xfrm>
           <a:prstGeom prst="rect">
             <a:avLst/>
           </a:prstGeom>
+          <a:solidFill>
+            <a:schemeClr val="bg2">
+              <a:lumMod val="10000"/>
+            </a:schemeClr>
+          </a:solidFill>
         </p:spPr>
-      </p:pic>
+        <p:txBody>
+          <a:bodyPr wrap="square">
+            <a:spAutoFit/>
+          </a:bodyPr>
+          <a:lstStyle/>
+          <a:p>
+            <a:r>
+              <a:rPr lang="en-US" sz="1600" b="0" dirty="0">
+                <a:solidFill>
+                  <a:srgbClr val="D4D4D4"/>
+                </a:solidFill>
+                <a:effectLst/>
+                <a:latin typeface="Consolas" panose="020B0609020204030204" pitchFamily="49" charset="0"/>
+              </a:rPr>
+              <a:t>You are an AI assistant with several tools</a:t>
+            </a:r>
+          </a:p>
+          <a:p>
+            <a:r>
+              <a:rPr lang="en-US" sz="1600" b="0" dirty="0">
+                <a:solidFill>
+                  <a:srgbClr val="D4D4D4"/>
+                </a:solidFill>
+                <a:effectLst/>
+                <a:latin typeface="Consolas" panose="020B0609020204030204" pitchFamily="49" charset="0"/>
+              </a:rPr>
+              <a:t>available to you. The tools are the following:</a:t>
+            </a:r>
+          </a:p>
+          <a:p>
+            <a:r>
+              <a:rPr lang="en-US" sz="1600" b="0" dirty="0">
+                <a:solidFill>
+                  <a:srgbClr val="D4D4D4"/>
+                </a:solidFill>
+                <a:effectLst/>
+                <a:latin typeface="Consolas" panose="020B0609020204030204" pitchFamily="49" charset="0"/>
+              </a:rPr>
+              <a:t>NOW: Print the current time.</a:t>
+            </a:r>
+          </a:p>
+          <a:p>
+            <a:r>
+              <a:rPr lang="en-US" sz="1600" b="0" dirty="0">
+                <a:solidFill>
+                  <a:srgbClr val="D4D4D4"/>
+                </a:solidFill>
+                <a:effectLst/>
+                <a:latin typeface="Consolas" panose="020B0609020204030204" pitchFamily="49" charset="0"/>
+              </a:rPr>
+              <a:t>WEEKDAY: Gets the week day </a:t>
+            </a:r>
+            <a:r>
+              <a:rPr lang="en-US" sz="1600" b="0" dirty="0">
+                <a:solidFill>
+                  <a:srgbClr val="C586C0"/>
+                </a:solidFill>
+                <a:effectLst/>
+                <a:latin typeface="Consolas" panose="020B0609020204030204" pitchFamily="49" charset="0"/>
+              </a:rPr>
+              <a:t>for</a:t>
+            </a:r>
+            <a:r>
+              <a:rPr lang="en-US" sz="1600" b="0" dirty="0">
+                <a:solidFill>
+                  <a:srgbClr val="D4D4D4"/>
+                </a:solidFill>
+                <a:effectLst/>
+                <a:latin typeface="Consolas" panose="020B0609020204030204" pitchFamily="49" charset="0"/>
+              </a:rPr>
+              <a:t> a given date.</a:t>
+            </a:r>
+          </a:p>
+          <a:p>
+            <a:r>
+              <a:rPr lang="en-US" sz="1600" b="0" dirty="0">
+                <a:solidFill>
+                  <a:srgbClr val="D4D4D4"/>
+                </a:solidFill>
+                <a:effectLst/>
+                <a:latin typeface="Consolas" panose="020B0609020204030204" pitchFamily="49" charset="0"/>
+              </a:rPr>
+              <a:t>MATH: Evaluates a math expression. You should always use this tool to evaluate math expressions.</a:t>
+            </a:r>
+          </a:p>
+          <a:p>
+            <a:r>
+              <a:rPr lang="en-US" sz="1600" b="0" dirty="0">
+                <a:solidFill>
+                  <a:srgbClr val="D4D4D4"/>
+                </a:solidFill>
+                <a:effectLst/>
+                <a:latin typeface="Consolas" panose="020B0609020204030204" pitchFamily="49" charset="0"/>
+              </a:rPr>
+              <a:t>SNAP: Rearranges windows on the screen. Takes the name of the window and the position as arguments.</a:t>
+            </a:r>
+          </a:p>
+          <a:p>
+            <a:br>
+              <a:rPr lang="en-US" sz="1600" b="0" dirty="0">
+                <a:solidFill>
+                  <a:srgbClr val="D4D4D4"/>
+                </a:solidFill>
+                <a:effectLst/>
+                <a:latin typeface="Consolas" panose="020B0609020204030204" pitchFamily="49" charset="0"/>
+              </a:rPr>
+            </a:br>
+            <a:r>
+              <a:rPr lang="en-US" sz="1600" b="0" dirty="0">
+                <a:solidFill>
+                  <a:srgbClr val="D4D4D4"/>
+                </a:solidFill>
+                <a:effectLst/>
+                <a:latin typeface="Consolas" panose="020B0609020204030204" pitchFamily="49" charset="0"/>
+              </a:rPr>
+              <a:t>DO NOT USE TOOLS WITHIN TOOLS! KEEP ALL TOOL CALLS SEPARATE FROM EACH OTHER!</a:t>
+            </a:r>
+          </a:p>
+          <a:p>
+            <a:r>
+              <a:rPr lang="en-US" sz="1600" b="0" dirty="0">
+                <a:solidFill>
+                  <a:srgbClr val="D4D4D4"/>
+                </a:solidFill>
+                <a:effectLst/>
+                <a:latin typeface="Consolas" panose="020B0609020204030204" pitchFamily="49" charset="0"/>
+              </a:rPr>
+              <a:t>YOU ARE ENCOURAGED TO USE TOOLS TO ENSURE THE ACCURACY OF YOUR RESPONSES!</a:t>
+            </a:r>
+          </a:p>
+          <a:p>
+            <a:r>
+              <a:rPr lang="en-US" sz="1600" b="0" dirty="0">
+                <a:solidFill>
+                  <a:srgbClr val="D4D4D4"/>
+                </a:solidFill>
+                <a:effectLst/>
+                <a:latin typeface="Consolas" panose="020B0609020204030204" pitchFamily="49" charset="0"/>
+              </a:rPr>
+              <a:t>YOU ARE TO EXPLAIN</a:t>
+            </a:r>
+          </a:p>
+          <a:p>
+            <a:r>
+              <a:rPr lang="en-US" sz="1600" b="0" dirty="0">
+                <a:solidFill>
+                  <a:srgbClr val="D4D4D4"/>
+                </a:solidFill>
+                <a:effectLst/>
+                <a:latin typeface="Consolas" panose="020B0609020204030204" pitchFamily="49" charset="0"/>
+              </a:rPr>
+              <a:t>YOUR REASONING AND SHOW YOUR WORK, WITH CLEAR CONNECTIONS BETWEEN CONCLUSIONS!</a:t>
+            </a:r>
+          </a:p>
+          <a:p>
+            <a:r>
+              <a:rPr lang="en-US" sz="1600" b="0" dirty="0">
+                <a:solidFill>
+                  <a:srgbClr val="D4D4D4"/>
+                </a:solidFill>
+                <a:effectLst/>
+                <a:latin typeface="Consolas" panose="020B0609020204030204" pitchFamily="49" charset="0"/>
+              </a:rPr>
+              <a:t>DO NOT PUT A LINE BREAK BEFORE A TOOL CALL!</a:t>
+            </a:r>
+          </a:p>
+          <a:p>
+            <a:br>
+              <a:rPr lang="en-US" sz="1600" b="0" dirty="0">
+                <a:solidFill>
+                  <a:srgbClr val="D4D4D4"/>
+                </a:solidFill>
+                <a:effectLst/>
+                <a:latin typeface="Consolas" panose="020B0609020204030204" pitchFamily="49" charset="0"/>
+              </a:rPr>
+            </a:br>
+            <a:endParaRPr lang="en-US" sz="1600" b="0" dirty="0">
+              <a:solidFill>
+                <a:srgbClr val="D4D4D4"/>
+              </a:solidFill>
+              <a:effectLst/>
+              <a:latin typeface="Consolas" panose="020B0609020204030204" pitchFamily="49" charset="0"/>
+            </a:endParaRPr>
+          </a:p>
+          <a:p>
+            <a:r>
+              <a:rPr lang="en-US" sz="1600" b="0" dirty="0">
+                <a:solidFill>
+                  <a:srgbClr val="D4D4D4"/>
+                </a:solidFill>
+                <a:effectLst/>
+                <a:latin typeface="Consolas" panose="020B0609020204030204" pitchFamily="49" charset="0"/>
+              </a:rPr>
+              <a:t>User: What day of the week was </a:t>
+            </a:r>
+            <a:r>
+              <a:rPr lang="en-US" sz="1600" b="0" dirty="0">
+                <a:solidFill>
+                  <a:srgbClr val="B5CEA8"/>
+                </a:solidFill>
+                <a:effectLst/>
+                <a:latin typeface="Consolas" panose="020B0609020204030204" pitchFamily="49" charset="0"/>
+              </a:rPr>
+              <a:t>2023</a:t>
+            </a:r>
+            <a:r>
+              <a:rPr lang="en-US" sz="1600" b="0" dirty="0">
+                <a:solidFill>
+                  <a:srgbClr val="D4D4D4"/>
+                </a:solidFill>
+                <a:effectLst/>
+                <a:latin typeface="Consolas" panose="020B0609020204030204" pitchFamily="49" charset="0"/>
+              </a:rPr>
+              <a:t>-</a:t>
+            </a:r>
+            <a:r>
+              <a:rPr lang="en-US" sz="1600" b="0" dirty="0">
+                <a:solidFill>
+                  <a:srgbClr val="B5CEA8"/>
+                </a:solidFill>
+                <a:effectLst/>
+                <a:latin typeface="Consolas" panose="020B0609020204030204" pitchFamily="49" charset="0"/>
+              </a:rPr>
+              <a:t>03</a:t>
+            </a:r>
+            <a:r>
+              <a:rPr lang="en-US" sz="1600" b="0" dirty="0">
+                <a:solidFill>
+                  <a:srgbClr val="D4D4D4"/>
+                </a:solidFill>
+                <a:effectLst/>
+                <a:latin typeface="Consolas" panose="020B0609020204030204" pitchFamily="49" charset="0"/>
+              </a:rPr>
+              <a:t>-</a:t>
+            </a:r>
+            <a:r>
+              <a:rPr lang="en-US" sz="1600" b="0" dirty="0">
+                <a:solidFill>
+                  <a:srgbClr val="B5CEA8"/>
+                </a:solidFill>
+                <a:effectLst/>
+                <a:latin typeface="Consolas" panose="020B0609020204030204" pitchFamily="49" charset="0"/>
+              </a:rPr>
+              <a:t>03</a:t>
+            </a:r>
+            <a:r>
+              <a:rPr lang="en-US" sz="1600" b="0" dirty="0">
+                <a:solidFill>
+                  <a:srgbClr val="D4D4D4"/>
+                </a:solidFill>
+                <a:effectLst/>
+                <a:latin typeface="Consolas" panose="020B0609020204030204" pitchFamily="49" charset="0"/>
+              </a:rPr>
+              <a:t>?</a:t>
+            </a:r>
+          </a:p>
+          <a:p>
+            <a:r>
+              <a:rPr lang="en-US" sz="1600" b="0" dirty="0">
+                <a:solidFill>
+                  <a:srgbClr val="D4D4D4"/>
+                </a:solidFill>
+                <a:effectLst/>
+                <a:latin typeface="Consolas" panose="020B0609020204030204" pitchFamily="49" charset="0"/>
+              </a:rPr>
+              <a:t>Assistant: The date </a:t>
+            </a:r>
+            <a:r>
+              <a:rPr lang="en-US" sz="1600" b="0" dirty="0">
+                <a:solidFill>
+                  <a:srgbClr val="B5CEA8"/>
+                </a:solidFill>
+                <a:effectLst/>
+                <a:latin typeface="Consolas" panose="020B0609020204030204" pitchFamily="49" charset="0"/>
+              </a:rPr>
+              <a:t>2023</a:t>
+            </a:r>
+            <a:r>
+              <a:rPr lang="en-US" sz="1600" b="0" dirty="0">
+                <a:solidFill>
+                  <a:srgbClr val="D4D4D4"/>
+                </a:solidFill>
+                <a:effectLst/>
+                <a:latin typeface="Consolas" panose="020B0609020204030204" pitchFamily="49" charset="0"/>
+              </a:rPr>
+              <a:t>-</a:t>
+            </a:r>
+            <a:r>
+              <a:rPr lang="en-US" sz="1600" b="0" dirty="0">
+                <a:solidFill>
+                  <a:srgbClr val="B5CEA8"/>
+                </a:solidFill>
+                <a:effectLst/>
+                <a:latin typeface="Consolas" panose="020B0609020204030204" pitchFamily="49" charset="0"/>
+              </a:rPr>
+              <a:t>03</a:t>
+            </a:r>
+            <a:r>
+              <a:rPr lang="en-US" sz="1600" b="0" dirty="0">
+                <a:solidFill>
+                  <a:srgbClr val="D4D4D4"/>
+                </a:solidFill>
+                <a:effectLst/>
+                <a:latin typeface="Consolas" panose="020B0609020204030204" pitchFamily="49" charset="0"/>
+              </a:rPr>
+              <a:t>-</a:t>
+            </a:r>
+            <a:r>
+              <a:rPr lang="en-US" sz="1600" b="0" dirty="0">
+                <a:solidFill>
+                  <a:srgbClr val="B5CEA8"/>
+                </a:solidFill>
+                <a:effectLst/>
+                <a:latin typeface="Consolas" panose="020B0609020204030204" pitchFamily="49" charset="0"/>
+              </a:rPr>
+              <a:t>03</a:t>
+            </a:r>
+            <a:r>
+              <a:rPr lang="en-US" sz="1600" b="0" dirty="0">
+                <a:solidFill>
+                  <a:srgbClr val="D4D4D4"/>
+                </a:solidFill>
+                <a:effectLst/>
+                <a:latin typeface="Consolas" panose="020B0609020204030204" pitchFamily="49" charset="0"/>
+              </a:rPr>
+              <a:t> is a [</a:t>
+            </a:r>
+            <a:r>
+              <a:rPr lang="en-US" sz="1600" b="0" dirty="0">
+                <a:solidFill>
+                  <a:srgbClr val="DCDCAA"/>
+                </a:solidFill>
+                <a:effectLst/>
+                <a:latin typeface="Consolas" panose="020B0609020204030204" pitchFamily="49" charset="0"/>
+              </a:rPr>
+              <a:t>WEEKDAY</a:t>
+            </a:r>
+            <a:r>
+              <a:rPr lang="en-US" sz="1600" b="0" dirty="0">
+                <a:solidFill>
+                  <a:srgbClr val="D4D4D4"/>
+                </a:solidFill>
+                <a:effectLst/>
+                <a:latin typeface="Consolas" panose="020B0609020204030204" pitchFamily="49" charset="0"/>
+              </a:rPr>
+              <a:t>(</a:t>
+            </a:r>
+            <a:r>
+              <a:rPr lang="en-US" sz="1600" b="0" dirty="0">
+                <a:solidFill>
+                  <a:srgbClr val="B5CEA8"/>
+                </a:solidFill>
+                <a:effectLst/>
+                <a:latin typeface="Consolas" panose="020B0609020204030204" pitchFamily="49" charset="0"/>
+              </a:rPr>
+              <a:t>2023</a:t>
+            </a:r>
+            <a:r>
+              <a:rPr lang="en-US" sz="1600" b="0" dirty="0">
+                <a:solidFill>
+                  <a:srgbClr val="D4D4D4"/>
+                </a:solidFill>
+                <a:effectLst/>
+                <a:latin typeface="Consolas" panose="020B0609020204030204" pitchFamily="49" charset="0"/>
+              </a:rPr>
+              <a:t>-</a:t>
+            </a:r>
+            <a:r>
+              <a:rPr lang="en-US" sz="1600" b="0" dirty="0">
+                <a:solidFill>
+                  <a:srgbClr val="B5CEA8"/>
+                </a:solidFill>
+                <a:effectLst/>
+                <a:latin typeface="Consolas" panose="020B0609020204030204" pitchFamily="49" charset="0"/>
+              </a:rPr>
+              <a:t>03</a:t>
+            </a:r>
+            <a:r>
+              <a:rPr lang="en-US" sz="1600" b="0" dirty="0">
+                <a:solidFill>
+                  <a:srgbClr val="D4D4D4"/>
+                </a:solidFill>
+                <a:effectLst/>
+                <a:latin typeface="Consolas" panose="020B0609020204030204" pitchFamily="49" charset="0"/>
+              </a:rPr>
+              <a:t>-</a:t>
+            </a:r>
+            <a:r>
+              <a:rPr lang="en-US" sz="1600" b="0" dirty="0">
+                <a:solidFill>
+                  <a:srgbClr val="B5CEA8"/>
+                </a:solidFill>
+                <a:effectLst/>
+                <a:latin typeface="Consolas" panose="020B0609020204030204" pitchFamily="49" charset="0"/>
+              </a:rPr>
+              <a:t>03</a:t>
+            </a:r>
+            <a:r>
+              <a:rPr lang="en-US" sz="1600" b="0" dirty="0">
+                <a:solidFill>
+                  <a:srgbClr val="D4D4D4"/>
+                </a:solidFill>
+                <a:effectLst/>
+                <a:latin typeface="Consolas" panose="020B0609020204030204" pitchFamily="49" charset="0"/>
+              </a:rPr>
+              <a:t>) -&gt; Thursday] Thursday.</a:t>
+            </a:r>
+          </a:p>
+          <a:p>
+            <a:endParaRPr lang="en-US" sz="1600" b="0" dirty="0">
+              <a:solidFill>
+                <a:srgbClr val="D4D4D4"/>
+              </a:solidFill>
+              <a:effectLst/>
+              <a:latin typeface="Consolas" panose="020B0609020204030204" pitchFamily="49" charset="0"/>
+            </a:endParaRPr>
+          </a:p>
+          <a:p>
+            <a:r>
+              <a:rPr lang="en-US" sz="1600" b="0" dirty="0">
+                <a:solidFill>
+                  <a:srgbClr val="D4D4D4"/>
+                </a:solidFill>
+                <a:effectLst/>
+                <a:latin typeface="Consolas" panose="020B0609020204030204" pitchFamily="49" charset="0"/>
+              </a:rPr>
+              <a:t>User: Is today a Friday?</a:t>
+            </a:r>
+          </a:p>
+          <a:p>
+            <a:r>
+              <a:rPr lang="en-US" sz="1600" b="0" dirty="0">
+                <a:solidFill>
+                  <a:srgbClr val="D4D4D4"/>
+                </a:solidFill>
+                <a:effectLst/>
+                <a:latin typeface="Consolas" panose="020B0609020204030204" pitchFamily="49" charset="0"/>
+              </a:rPr>
+              <a:t>Assistant: Today's date is [</a:t>
+            </a:r>
+            <a:r>
+              <a:rPr lang="en-US" sz="1600" b="0" dirty="0">
+                <a:solidFill>
+                  <a:srgbClr val="DCDCAA"/>
+                </a:solidFill>
+                <a:effectLst/>
+                <a:latin typeface="Consolas" panose="020B0609020204030204" pitchFamily="49" charset="0"/>
+              </a:rPr>
+              <a:t>NOW</a:t>
+            </a:r>
+            <a:r>
+              <a:rPr lang="en-US" sz="1600" b="0" dirty="0">
+                <a:solidFill>
+                  <a:srgbClr val="D4D4D4"/>
+                </a:solidFill>
+                <a:effectLst/>
+                <a:latin typeface="Consolas" panose="020B0609020204030204" pitchFamily="49" charset="0"/>
+              </a:rPr>
+              <a:t>() -&gt; </a:t>
+            </a:r>
+            <a:r>
+              <a:rPr lang="en-US" sz="1600" b="0" dirty="0">
+                <a:solidFill>
+                  <a:srgbClr val="B5CEA8"/>
+                </a:solidFill>
+                <a:effectLst/>
+                <a:latin typeface="Consolas" panose="020B0609020204030204" pitchFamily="49" charset="0"/>
+              </a:rPr>
+              <a:t>2023</a:t>
+            </a:r>
+            <a:r>
+              <a:rPr lang="en-US" sz="1600" b="0" dirty="0">
+                <a:solidFill>
+                  <a:srgbClr val="D4D4D4"/>
+                </a:solidFill>
+                <a:effectLst/>
+                <a:latin typeface="Consolas" panose="020B0609020204030204" pitchFamily="49" charset="0"/>
+              </a:rPr>
+              <a:t>-</a:t>
+            </a:r>
+            <a:r>
+              <a:rPr lang="en-US" sz="1600" b="0" dirty="0">
+                <a:solidFill>
+                  <a:srgbClr val="B5CEA8"/>
+                </a:solidFill>
+                <a:effectLst/>
+                <a:latin typeface="Consolas" panose="020B0609020204030204" pitchFamily="49" charset="0"/>
+              </a:rPr>
+              <a:t>03</a:t>
+            </a:r>
+            <a:r>
+              <a:rPr lang="en-US" sz="1600" b="0" dirty="0">
+                <a:solidFill>
+                  <a:srgbClr val="D4D4D4"/>
+                </a:solidFill>
+                <a:effectLst/>
+                <a:latin typeface="Consolas" panose="020B0609020204030204" pitchFamily="49" charset="0"/>
+              </a:rPr>
+              <a:t>-</a:t>
+            </a:r>
+            <a:r>
+              <a:rPr lang="en-US" sz="1600" b="0" dirty="0">
+                <a:solidFill>
+                  <a:srgbClr val="B5CEA8"/>
+                </a:solidFill>
+                <a:effectLst/>
+                <a:latin typeface="Consolas" panose="020B0609020204030204" pitchFamily="49" charset="0"/>
+              </a:rPr>
+              <a:t>03</a:t>
+            </a:r>
+            <a:r>
+              <a:rPr lang="en-US" sz="1600" b="0" dirty="0">
+                <a:solidFill>
+                  <a:srgbClr val="D4D4D4"/>
+                </a:solidFill>
+                <a:effectLst/>
+                <a:latin typeface="Consolas" panose="020B0609020204030204" pitchFamily="49" charset="0"/>
+              </a:rPr>
+              <a:t> </a:t>
+            </a:r>
+            <a:r>
+              <a:rPr lang="en-US" sz="1600" b="0" dirty="0">
+                <a:solidFill>
+                  <a:srgbClr val="B5CEA8"/>
+                </a:solidFill>
+                <a:effectLst/>
+                <a:latin typeface="Consolas" panose="020B0609020204030204" pitchFamily="49" charset="0"/>
+              </a:rPr>
+              <a:t>03</a:t>
+            </a:r>
+            <a:r>
+              <a:rPr lang="en-US" sz="1600" b="0" dirty="0">
+                <a:solidFill>
+                  <a:srgbClr val="D4D4D4"/>
+                </a:solidFill>
+                <a:effectLst/>
+                <a:latin typeface="Consolas" panose="020B0609020204030204" pitchFamily="49" charset="0"/>
+              </a:rPr>
+              <a:t>:</a:t>
+            </a:r>
+            <a:r>
+              <a:rPr lang="en-US" sz="1600" b="0" dirty="0">
+                <a:solidFill>
+                  <a:srgbClr val="B5CEA8"/>
+                </a:solidFill>
+                <a:effectLst/>
+                <a:latin typeface="Consolas" panose="020B0609020204030204" pitchFamily="49" charset="0"/>
+              </a:rPr>
+              <a:t>19</a:t>
+            </a:r>
+            <a:r>
+              <a:rPr lang="en-US" sz="1600" b="0" dirty="0">
+                <a:solidFill>
+                  <a:srgbClr val="D4D4D4"/>
+                </a:solidFill>
+                <a:effectLst/>
+                <a:latin typeface="Consolas" panose="020B0609020204030204" pitchFamily="49" charset="0"/>
+              </a:rPr>
+              <a:t>:</a:t>
+            </a:r>
+            <a:r>
+              <a:rPr lang="en-US" sz="1600" b="0" dirty="0">
+                <a:solidFill>
+                  <a:srgbClr val="B5CEA8"/>
+                </a:solidFill>
+                <a:effectLst/>
+                <a:latin typeface="Consolas" panose="020B0609020204030204" pitchFamily="49" charset="0"/>
+              </a:rPr>
+              <a:t>47.980140</a:t>
+            </a:r>
+            <a:r>
+              <a:rPr lang="en-US" sz="1600" b="0" dirty="0">
+                <a:solidFill>
+                  <a:srgbClr val="D4D4D4"/>
+                </a:solidFill>
+                <a:effectLst/>
+                <a:latin typeface="Consolas" panose="020B0609020204030204" pitchFamily="49" charset="0"/>
+              </a:rPr>
+              <a:t>] </a:t>
+            </a:r>
+            <a:r>
+              <a:rPr lang="en-US" sz="1600" b="0" dirty="0">
+                <a:solidFill>
+                  <a:srgbClr val="B5CEA8"/>
+                </a:solidFill>
+                <a:effectLst/>
+                <a:latin typeface="Consolas" panose="020B0609020204030204" pitchFamily="49" charset="0"/>
+              </a:rPr>
+              <a:t>2023</a:t>
+            </a:r>
+            <a:r>
+              <a:rPr lang="en-US" sz="1600" b="0" dirty="0">
+                <a:solidFill>
+                  <a:srgbClr val="D4D4D4"/>
+                </a:solidFill>
+                <a:effectLst/>
+                <a:latin typeface="Consolas" panose="020B0609020204030204" pitchFamily="49" charset="0"/>
+              </a:rPr>
+              <a:t>-</a:t>
+            </a:r>
+            <a:r>
+              <a:rPr lang="en-US" sz="1600" b="0" dirty="0">
+                <a:solidFill>
+                  <a:srgbClr val="B5CEA8"/>
+                </a:solidFill>
+                <a:effectLst/>
+                <a:latin typeface="Consolas" panose="020B0609020204030204" pitchFamily="49" charset="0"/>
+              </a:rPr>
+              <a:t>03</a:t>
+            </a:r>
+            <a:r>
+              <a:rPr lang="en-US" sz="1600" b="0" dirty="0">
+                <a:solidFill>
+                  <a:srgbClr val="D4D4D4"/>
+                </a:solidFill>
+                <a:effectLst/>
+                <a:latin typeface="Consolas" panose="020B0609020204030204" pitchFamily="49" charset="0"/>
+              </a:rPr>
+              <a:t>-</a:t>
+            </a:r>
+            <a:r>
+              <a:rPr lang="en-US" sz="1600" b="0" dirty="0">
+                <a:solidFill>
+                  <a:srgbClr val="B5CEA8"/>
+                </a:solidFill>
+                <a:effectLst/>
+                <a:latin typeface="Consolas" panose="020B0609020204030204" pitchFamily="49" charset="0"/>
+              </a:rPr>
+              <a:t>03</a:t>
+            </a:r>
+            <a:r>
+              <a:rPr lang="en-US" sz="1600" b="0" dirty="0">
+                <a:solidFill>
+                  <a:srgbClr val="D4D4D4"/>
+                </a:solidFill>
+                <a:effectLst/>
+                <a:latin typeface="Consolas" panose="020B0609020204030204" pitchFamily="49" charset="0"/>
+              </a:rPr>
+              <a:t>, which is a [</a:t>
+            </a:r>
+            <a:r>
+              <a:rPr lang="en-US" sz="1600" b="0" dirty="0">
+                <a:solidFill>
+                  <a:srgbClr val="DCDCAA"/>
+                </a:solidFill>
+                <a:effectLst/>
+                <a:latin typeface="Consolas" panose="020B0609020204030204" pitchFamily="49" charset="0"/>
+              </a:rPr>
+              <a:t>WEEKDAY</a:t>
+            </a:r>
+            <a:r>
+              <a:rPr lang="en-US" sz="1600" b="0" dirty="0">
+                <a:solidFill>
+                  <a:srgbClr val="D4D4D4"/>
+                </a:solidFill>
+                <a:effectLst/>
+                <a:latin typeface="Consolas" panose="020B0609020204030204" pitchFamily="49" charset="0"/>
+              </a:rPr>
+              <a:t>(</a:t>
+            </a:r>
+            <a:r>
+              <a:rPr lang="en-US" sz="1600" b="0" dirty="0">
+                <a:solidFill>
+                  <a:srgbClr val="B5CEA8"/>
+                </a:solidFill>
+                <a:effectLst/>
+                <a:latin typeface="Consolas" panose="020B0609020204030204" pitchFamily="49" charset="0"/>
+              </a:rPr>
+              <a:t>2023</a:t>
+            </a:r>
+            <a:r>
+              <a:rPr lang="en-US" sz="1600" b="0" dirty="0">
+                <a:solidFill>
+                  <a:srgbClr val="D4D4D4"/>
+                </a:solidFill>
+                <a:effectLst/>
+                <a:latin typeface="Consolas" panose="020B0609020204030204" pitchFamily="49" charset="0"/>
+              </a:rPr>
+              <a:t>-</a:t>
+            </a:r>
+            <a:r>
+              <a:rPr lang="en-US" sz="1600" b="0" dirty="0">
+                <a:solidFill>
+                  <a:srgbClr val="B5CEA8"/>
+                </a:solidFill>
+                <a:effectLst/>
+                <a:latin typeface="Consolas" panose="020B0609020204030204" pitchFamily="49" charset="0"/>
+              </a:rPr>
+              <a:t>03</a:t>
+            </a:r>
+            <a:r>
+              <a:rPr lang="en-US" sz="1600" b="0" dirty="0">
+                <a:solidFill>
+                  <a:srgbClr val="D4D4D4"/>
+                </a:solidFill>
+                <a:effectLst/>
+                <a:latin typeface="Consolas" panose="020B0609020204030204" pitchFamily="49" charset="0"/>
+              </a:rPr>
+              <a:t>-</a:t>
+            </a:r>
+            <a:r>
+              <a:rPr lang="en-US" sz="1600" b="0" dirty="0">
+                <a:solidFill>
+                  <a:srgbClr val="B5CEA8"/>
+                </a:solidFill>
+                <a:effectLst/>
+                <a:latin typeface="Consolas" panose="020B0609020204030204" pitchFamily="49" charset="0"/>
+              </a:rPr>
+              <a:t>03</a:t>
+            </a:r>
+            <a:r>
+              <a:rPr lang="en-US" sz="1600" b="0" dirty="0">
+                <a:solidFill>
+                  <a:srgbClr val="D4D4D4"/>
+                </a:solidFill>
+                <a:effectLst/>
+                <a:latin typeface="Consolas" panose="020B0609020204030204" pitchFamily="49" charset="0"/>
+              </a:rPr>
+              <a:t>) -&gt; Thursday] Thursday, not a Friday.</a:t>
+            </a:r>
+          </a:p>
+          <a:p>
+            <a:endParaRPr lang="en-US" sz="1600" dirty="0">
+              <a:solidFill>
+                <a:srgbClr val="D4D4D4"/>
+              </a:solidFill>
+              <a:latin typeface="Consolas" panose="020B0609020204030204" pitchFamily="49" charset="0"/>
+            </a:endParaRPr>
+          </a:p>
+          <a:p>
+            <a:r>
+              <a:rPr lang="en-US" sz="1600" b="0" dirty="0">
+                <a:solidFill>
+                  <a:srgbClr val="D4D4D4"/>
+                </a:solidFill>
+                <a:effectLst/>
+                <a:latin typeface="Consolas" panose="020B0609020204030204" pitchFamily="49" charset="0"/>
+              </a:rPr>
+              <a:t>User: What is the time?</a:t>
+            </a:r>
+          </a:p>
+          <a:p>
+            <a:r>
+              <a:rPr lang="en-US" sz="1600" dirty="0">
+                <a:solidFill>
+                  <a:srgbClr val="D4D4D4"/>
+                </a:solidFill>
+                <a:latin typeface="Consolas" panose="020B0609020204030204" pitchFamily="49" charset="0"/>
+              </a:rPr>
+              <a:t>Assistant: </a:t>
+            </a:r>
+            <a:endParaRPr lang="en-US" sz="1600" b="0" dirty="0">
+              <a:solidFill>
+                <a:srgbClr val="D4D4D4"/>
+              </a:solidFill>
+              <a:effectLst/>
+              <a:latin typeface="Consolas" panose="020B0609020204030204" pitchFamily="49" charset="0"/>
+            </a:endParaRPr>
+          </a:p>
+        </p:txBody>
+      </p:sp>
+      <p:sp>
+        <p:nvSpPr>
+          <p:cNvPr id="11" name="Title 1">
+            <a:extLst>
+              <a:ext uri="{FF2B5EF4-FFF2-40B4-BE49-F238E27FC236}">
+                <a16:creationId xmlns:a16="http://schemas.microsoft.com/office/drawing/2014/main" id="{B58603D5-DE8F-2405-28ED-A22E777E6074}"/>
+              </a:ext>
+            </a:extLst>
+          </p:cNvPr>
+          <p:cNvSpPr>
+            <a:spLocks noGrp="1"/>
+          </p:cNvSpPr>
+          <p:nvPr>
+            <p:ph type="title"/>
+          </p:nvPr>
+        </p:nvSpPr>
+        <p:spPr>
+          <a:xfrm>
+            <a:off x="7478141" y="5675145"/>
+            <a:ext cx="3953838" cy="1325563"/>
+          </a:xfrm>
+        </p:spPr>
+        <p:txBody>
+          <a:bodyPr/>
+          <a:lstStyle/>
+          <a:p>
+            <a:r>
+              <a:rPr lang="en-CA" dirty="0"/>
+              <a:t>In practice</a:t>
+            </a:r>
+          </a:p>
+        </p:txBody>
+      </p:sp>
     </p:spTree>
     <p:extLst>
       <p:ext uri="{BB962C8B-B14F-4D97-AF65-F5344CB8AC3E}">
-        <p14:creationId xmlns:p14="http://schemas.microsoft.com/office/powerpoint/2010/main" val="1333533502"/>
+        <p14:creationId xmlns:p14="http://schemas.microsoft.com/office/powerpoint/2010/main" val="2856119542"/>
       </p:ext>
     </p:extLst>
   </p:cSld>
@@ -4932,7 +6867,7 @@
 </p:sld>
 </file>
 
-<file path=ppt/slides/slide10.xml><?xml version="1.0" encoding="utf-8"?>
+<file path=ppt/slides/slide4.xml><?xml version="1.0" encoding="utf-8"?>
 <p:sld xmlns:a="http://schemas.openxmlformats.org/drawingml/2006/main" xmlns:r="http://schemas.openxmlformats.org/officeDocument/2006/relationships" xmlns:p="http://schemas.openxmlformats.org/presentationml/2006/main">
   <p:cSld>
     <p:spTree>
@@ -5365,1200 +7300,6 @@
   <p:clrMapOvr>
     <a:masterClrMapping/>
   </p:clrMapOvr>
-</p:sld>
-</file>
-
-<file path=ppt/slides/slide11.xml><?xml version="1.0" encoding="utf-8"?>
-<p:sld xmlns:a="http://schemas.openxmlformats.org/drawingml/2006/main" xmlns:r="http://schemas.openxmlformats.org/officeDocument/2006/relationships" xmlns:p="http://schemas.openxmlformats.org/presentationml/2006/main">
-  <p:cSld>
-    <p:spTree>
-      <p:nvGrpSpPr>
-        <p:cNvPr id="1" name=""/>
-        <p:cNvGrpSpPr/>
-        <p:nvPr/>
-      </p:nvGrpSpPr>
-      <p:grpSpPr>
-        <a:xfrm>
-          <a:off x="0" y="0"/>
-          <a:ext cx="0" cy="0"/>
-          <a:chOff x="0" y="0"/>
-          <a:chExt cx="0" cy="0"/>
-        </a:xfrm>
-      </p:grpSpPr>
-      <p:sp>
-        <p:nvSpPr>
-          <p:cNvPr id="4" name="Cube 3">
-            <a:extLst>
-              <a:ext uri="{FF2B5EF4-FFF2-40B4-BE49-F238E27FC236}">
-                <a16:creationId xmlns:a16="http://schemas.microsoft.com/office/drawing/2014/main" id="{D80A0131-029D-AC59-0D5D-991A3F39B2E3}"/>
-              </a:ext>
-            </a:extLst>
-          </p:cNvPr>
-          <p:cNvSpPr/>
-          <p:nvPr/>
-        </p:nvSpPr>
-        <p:spPr>
-          <a:xfrm>
-            <a:off x="9299382" y="3614947"/>
-            <a:ext cx="2498448" cy="2669480"/>
-          </a:xfrm>
-          <a:prstGeom prst="cube">
-            <a:avLst/>
-          </a:prstGeom>
-        </p:spPr>
-        <p:style>
-          <a:lnRef idx="2">
-            <a:schemeClr val="accent1">
-              <a:shade val="50000"/>
-            </a:schemeClr>
-          </a:lnRef>
-          <a:fillRef idx="1">
-            <a:schemeClr val="accent1"/>
-          </a:fillRef>
-          <a:effectRef idx="0">
-            <a:schemeClr val="accent1"/>
-          </a:effectRef>
-          <a:fontRef idx="minor">
-            <a:schemeClr val="lt1"/>
-          </a:fontRef>
-        </p:style>
-        <p:txBody>
-          <a:bodyPr rtlCol="0" anchor="ctr"/>
-          <a:lstStyle/>
-          <a:p>
-            <a:pPr algn="ctr"/>
-            <a:r>
-              <a:rPr lang="en-CA" dirty="0"/>
-              <a:t>Text prediction server</a:t>
-            </a:r>
-          </a:p>
-          <a:p>
-            <a:pPr algn="ctr"/>
-            <a:endParaRPr lang="en-CA" dirty="0"/>
-          </a:p>
-        </p:txBody>
-      </p:sp>
-      <p:sp>
-        <p:nvSpPr>
-          <p:cNvPr id="5" name="Cube 4">
-            <a:extLst>
-              <a:ext uri="{FF2B5EF4-FFF2-40B4-BE49-F238E27FC236}">
-                <a16:creationId xmlns:a16="http://schemas.microsoft.com/office/drawing/2014/main" id="{B25D756B-A45E-CFF6-C54F-1921CEFA050E}"/>
-              </a:ext>
-            </a:extLst>
-          </p:cNvPr>
-          <p:cNvSpPr/>
-          <p:nvPr/>
-        </p:nvSpPr>
-        <p:spPr>
-          <a:xfrm>
-            <a:off x="821429" y="4875439"/>
-            <a:ext cx="1798566" cy="1069213"/>
-          </a:xfrm>
-          <a:prstGeom prst="cube">
-            <a:avLst/>
-          </a:prstGeom>
-        </p:spPr>
-        <p:style>
-          <a:lnRef idx="2">
-            <a:schemeClr val="accent1">
-              <a:shade val="50000"/>
-            </a:schemeClr>
-          </a:lnRef>
-          <a:fillRef idx="1">
-            <a:schemeClr val="accent1"/>
-          </a:fillRef>
-          <a:effectRef idx="0">
-            <a:schemeClr val="accent1"/>
-          </a:effectRef>
-          <a:fontRef idx="minor">
-            <a:schemeClr val="lt1"/>
-          </a:fontRef>
-        </p:style>
-        <p:txBody>
-          <a:bodyPr rtlCol="0" anchor="ctr"/>
-          <a:lstStyle/>
-          <a:p>
-            <a:pPr algn="ctr"/>
-            <a:r>
-              <a:rPr lang="en-CA" dirty="0"/>
-              <a:t>Main server</a:t>
-            </a:r>
-          </a:p>
-        </p:txBody>
-      </p:sp>
-      <p:sp>
-        <p:nvSpPr>
-          <p:cNvPr id="6" name="Cube 5">
-            <a:extLst>
-              <a:ext uri="{FF2B5EF4-FFF2-40B4-BE49-F238E27FC236}">
-                <a16:creationId xmlns:a16="http://schemas.microsoft.com/office/drawing/2014/main" id="{827BA31B-79CA-B34C-CDF8-78E6EA38F602}"/>
-              </a:ext>
-            </a:extLst>
-          </p:cNvPr>
-          <p:cNvSpPr/>
-          <p:nvPr/>
-        </p:nvSpPr>
-        <p:spPr>
-          <a:xfrm>
-            <a:off x="5249975" y="1291018"/>
-            <a:ext cx="1798566" cy="1069213"/>
-          </a:xfrm>
-          <a:prstGeom prst="cube">
-            <a:avLst/>
-          </a:prstGeom>
-        </p:spPr>
-        <p:style>
-          <a:lnRef idx="2">
-            <a:schemeClr val="accent1">
-              <a:shade val="50000"/>
-            </a:schemeClr>
-          </a:lnRef>
-          <a:fillRef idx="1">
-            <a:schemeClr val="accent1"/>
-          </a:fillRef>
-          <a:effectRef idx="0">
-            <a:schemeClr val="accent1"/>
-          </a:effectRef>
-          <a:fontRef idx="minor">
-            <a:schemeClr val="lt1"/>
-          </a:fontRef>
-        </p:style>
-        <p:txBody>
-          <a:bodyPr rtlCol="0" anchor="ctr"/>
-          <a:lstStyle/>
-          <a:p>
-            <a:pPr algn="ctr"/>
-            <a:r>
-              <a:rPr lang="en-CA" dirty="0"/>
-              <a:t>Web browser</a:t>
-            </a:r>
-          </a:p>
-        </p:txBody>
-      </p:sp>
-      <p:sp>
-        <p:nvSpPr>
-          <p:cNvPr id="7" name="Cube 6">
-            <a:extLst>
-              <a:ext uri="{FF2B5EF4-FFF2-40B4-BE49-F238E27FC236}">
-                <a16:creationId xmlns:a16="http://schemas.microsoft.com/office/drawing/2014/main" id="{AFE879F2-05AD-EB3B-9770-AEA2093B267A}"/>
-              </a:ext>
-            </a:extLst>
-          </p:cNvPr>
-          <p:cNvSpPr/>
-          <p:nvPr/>
-        </p:nvSpPr>
-        <p:spPr>
-          <a:xfrm>
-            <a:off x="3351601" y="221805"/>
-            <a:ext cx="1798566" cy="1069213"/>
-          </a:xfrm>
-          <a:prstGeom prst="cube">
-            <a:avLst/>
-          </a:prstGeom>
-        </p:spPr>
-        <p:style>
-          <a:lnRef idx="2">
-            <a:schemeClr val="accent1">
-              <a:shade val="50000"/>
-            </a:schemeClr>
-          </a:lnRef>
-          <a:fillRef idx="1">
-            <a:schemeClr val="accent1"/>
-          </a:fillRef>
-          <a:effectRef idx="0">
-            <a:schemeClr val="accent1"/>
-          </a:effectRef>
-          <a:fontRef idx="minor">
-            <a:schemeClr val="lt1"/>
-          </a:fontRef>
-        </p:style>
-        <p:txBody>
-          <a:bodyPr rtlCol="0" anchor="ctr"/>
-          <a:lstStyle/>
-          <a:p>
-            <a:pPr algn="ctr"/>
-            <a:r>
-              <a:rPr lang="en-CA" dirty="0"/>
-              <a:t>Web browser</a:t>
-            </a:r>
-          </a:p>
-        </p:txBody>
-      </p:sp>
-      <p:sp>
-        <p:nvSpPr>
-          <p:cNvPr id="8" name="Arrow: Left-Right 7">
-            <a:extLst>
-              <a:ext uri="{FF2B5EF4-FFF2-40B4-BE49-F238E27FC236}">
-                <a16:creationId xmlns:a16="http://schemas.microsoft.com/office/drawing/2014/main" id="{22DC7A58-20D2-1463-C6ED-37099C98C21D}"/>
-              </a:ext>
-            </a:extLst>
-          </p:cNvPr>
-          <p:cNvSpPr/>
-          <p:nvPr/>
-        </p:nvSpPr>
-        <p:spPr>
-          <a:xfrm rot="18369989">
-            <a:off x="824949" y="2593558"/>
-            <a:ext cx="3826565" cy="576470"/>
-          </a:xfrm>
-          <a:prstGeom prst="leftRightArrow">
-            <a:avLst/>
-          </a:prstGeom>
-        </p:spPr>
-        <p:style>
-          <a:lnRef idx="2">
-            <a:schemeClr val="accent1">
-              <a:shade val="50000"/>
-            </a:schemeClr>
-          </a:lnRef>
-          <a:fillRef idx="1">
-            <a:schemeClr val="accent1"/>
-          </a:fillRef>
-          <a:effectRef idx="0">
-            <a:schemeClr val="accent1"/>
-          </a:effectRef>
-          <a:fontRef idx="minor">
-            <a:schemeClr val="lt1"/>
-          </a:fontRef>
-        </p:style>
-        <p:txBody>
-          <a:bodyPr rtlCol="0" anchor="ctr"/>
-          <a:lstStyle/>
-          <a:p>
-            <a:pPr algn="ctr"/>
-            <a:r>
-              <a:rPr lang="en-CA" dirty="0"/>
-              <a:t>WEBSOCKETS</a:t>
-            </a:r>
-          </a:p>
-        </p:txBody>
-      </p:sp>
-      <p:sp>
-        <p:nvSpPr>
-          <p:cNvPr id="9" name="Arrow: Left-Right 8">
-            <a:extLst>
-              <a:ext uri="{FF2B5EF4-FFF2-40B4-BE49-F238E27FC236}">
-                <a16:creationId xmlns:a16="http://schemas.microsoft.com/office/drawing/2014/main" id="{D49052F4-2EAD-6BC8-DF54-9EA08B76681D}"/>
-              </a:ext>
-            </a:extLst>
-          </p:cNvPr>
-          <p:cNvSpPr/>
-          <p:nvPr/>
-        </p:nvSpPr>
-        <p:spPr>
-          <a:xfrm rot="19273789">
-            <a:off x="2212837" y="3396077"/>
-            <a:ext cx="3826565" cy="576470"/>
-          </a:xfrm>
-          <a:prstGeom prst="leftRightArrow">
-            <a:avLst/>
-          </a:prstGeom>
-        </p:spPr>
-        <p:style>
-          <a:lnRef idx="2">
-            <a:schemeClr val="accent1">
-              <a:shade val="50000"/>
-            </a:schemeClr>
-          </a:lnRef>
-          <a:fillRef idx="1">
-            <a:schemeClr val="accent1"/>
-          </a:fillRef>
-          <a:effectRef idx="0">
-            <a:schemeClr val="accent1"/>
-          </a:effectRef>
-          <a:fontRef idx="minor">
-            <a:schemeClr val="lt1"/>
-          </a:fontRef>
-        </p:style>
-        <p:txBody>
-          <a:bodyPr rtlCol="0" anchor="ctr"/>
-          <a:lstStyle/>
-          <a:p>
-            <a:pPr algn="ctr"/>
-            <a:r>
-              <a:rPr lang="en-CA" dirty="0"/>
-              <a:t>WEBSOCKETS</a:t>
-            </a:r>
-          </a:p>
-        </p:txBody>
-      </p:sp>
-      <p:sp>
-        <p:nvSpPr>
-          <p:cNvPr id="10" name="Arrow: Left-Right 9">
-            <a:extLst>
-              <a:ext uri="{FF2B5EF4-FFF2-40B4-BE49-F238E27FC236}">
-                <a16:creationId xmlns:a16="http://schemas.microsoft.com/office/drawing/2014/main" id="{125A7606-5C9F-4DFC-9080-5367C1F4BE3B}"/>
-              </a:ext>
-            </a:extLst>
-          </p:cNvPr>
-          <p:cNvSpPr/>
-          <p:nvPr/>
-        </p:nvSpPr>
-        <p:spPr>
-          <a:xfrm>
-            <a:off x="2944821" y="5107132"/>
-            <a:ext cx="6302357" cy="576470"/>
-          </a:xfrm>
-          <a:prstGeom prst="leftRightArrow">
-            <a:avLst/>
-          </a:prstGeom>
-        </p:spPr>
-        <p:style>
-          <a:lnRef idx="2">
-            <a:schemeClr val="accent1">
-              <a:shade val="50000"/>
-            </a:schemeClr>
-          </a:lnRef>
-          <a:fillRef idx="1">
-            <a:schemeClr val="accent1"/>
-          </a:fillRef>
-          <a:effectRef idx="0">
-            <a:schemeClr val="accent1"/>
-          </a:effectRef>
-          <a:fontRef idx="minor">
-            <a:schemeClr val="lt1"/>
-          </a:fontRef>
-        </p:style>
-        <p:txBody>
-          <a:bodyPr rtlCol="0" anchor="ctr"/>
-          <a:lstStyle/>
-          <a:p>
-            <a:pPr algn="ctr"/>
-            <a:r>
-              <a:rPr lang="en-CA" dirty="0"/>
-              <a:t>WEBSOCKETS</a:t>
-            </a:r>
-          </a:p>
-        </p:txBody>
-      </p:sp>
-    </p:spTree>
-    <p:extLst>
-      <p:ext uri="{BB962C8B-B14F-4D97-AF65-F5344CB8AC3E}">
-        <p14:creationId xmlns:p14="http://schemas.microsoft.com/office/powerpoint/2010/main" val="1680359053"/>
-      </p:ext>
-    </p:extLst>
-  </p:cSld>
-  <p:clrMapOvr>
-    <a:masterClrMapping/>
-  </p:clrMapOvr>
-  <mc:AlternateContent xmlns:mc="http://schemas.openxmlformats.org/markup-compatibility/2006">
-    <mc:Choice xmlns:p159="http://schemas.microsoft.com/office/powerpoint/2015/09/main" Requires="p159">
-      <p:transition xmlns:p14="http://schemas.microsoft.com/office/powerpoint/2010/main" spd="slow" p14:dur="2000">
-        <p159:morph option="byObject"/>
-      </p:transition>
-    </mc:Choice>
-    <mc:Fallback>
-      <p:transition spd="slow">
-        <p:fade/>
-      </p:transition>
-    </mc:Fallback>
-  </mc:AlternateContent>
-</p:sld>
-</file>
-
-<file path=ppt/slides/slide12.xml><?xml version="1.0" encoding="utf-8"?>
-<p:sld xmlns:a="http://schemas.openxmlformats.org/drawingml/2006/main" xmlns:r="http://schemas.openxmlformats.org/officeDocument/2006/relationships" xmlns:p="http://schemas.openxmlformats.org/presentationml/2006/main">
-  <p:cSld>
-    <p:spTree>
-      <p:nvGrpSpPr>
-        <p:cNvPr id="1" name=""/>
-        <p:cNvGrpSpPr/>
-        <p:nvPr/>
-      </p:nvGrpSpPr>
-      <p:grpSpPr>
-        <a:xfrm>
-          <a:off x="0" y="0"/>
-          <a:ext cx="0" cy="0"/>
-          <a:chOff x="0" y="0"/>
-          <a:chExt cx="0" cy="0"/>
-        </a:xfrm>
-      </p:grpSpPr>
-      <p:sp>
-        <p:nvSpPr>
-          <p:cNvPr id="2" name="Title 1">
-            <a:extLst>
-              <a:ext uri="{FF2B5EF4-FFF2-40B4-BE49-F238E27FC236}">
-                <a16:creationId xmlns:a16="http://schemas.microsoft.com/office/drawing/2014/main" id="{EF69E201-082B-2B94-C679-033C10A5CE84}"/>
-              </a:ext>
-            </a:extLst>
-          </p:cNvPr>
-          <p:cNvSpPr>
-            <a:spLocks noGrp="1"/>
-          </p:cNvSpPr>
-          <p:nvPr>
-            <p:ph type="title"/>
-          </p:nvPr>
-        </p:nvSpPr>
-        <p:spPr/>
-        <p:txBody>
-          <a:bodyPr/>
-          <a:lstStyle/>
-          <a:p>
-            <a:r>
-              <a:rPr lang="en-CA" dirty="0"/>
-              <a:t>Next video topic, vote in the comments</a:t>
-            </a:r>
-          </a:p>
-        </p:txBody>
-      </p:sp>
-      <p:sp>
-        <p:nvSpPr>
-          <p:cNvPr id="3" name="Content Placeholder 2">
-            <a:extLst>
-              <a:ext uri="{FF2B5EF4-FFF2-40B4-BE49-F238E27FC236}">
-                <a16:creationId xmlns:a16="http://schemas.microsoft.com/office/drawing/2014/main" id="{D84DCEE8-0811-9A1B-7007-7BC622C8BC14}"/>
-              </a:ext>
-            </a:extLst>
-          </p:cNvPr>
-          <p:cNvSpPr>
-            <a:spLocks noGrp="1"/>
-          </p:cNvSpPr>
-          <p:nvPr>
-            <p:ph idx="1"/>
-          </p:nvPr>
-        </p:nvSpPr>
-        <p:spPr/>
-        <p:txBody>
-          <a:bodyPr/>
-          <a:lstStyle/>
-          <a:p>
-            <a:pPr marL="514350" indent="-514350">
-              <a:buFont typeface="+mj-lt"/>
-              <a:buAutoNum type="arabicPeriod"/>
-            </a:pPr>
-            <a:r>
-              <a:rPr lang="en-CA" dirty="0"/>
-              <a:t>The blockchain I made in C#</a:t>
-            </a:r>
-          </a:p>
-          <a:p>
-            <a:pPr marL="514350" indent="-514350">
-              <a:buFont typeface="+mj-lt"/>
-              <a:buAutoNum type="arabicPeriod"/>
-            </a:pPr>
-            <a:r>
-              <a:rPr lang="en-CA" dirty="0"/>
-              <a:t>Reinforcement learning</a:t>
-            </a:r>
-          </a:p>
-          <a:p>
-            <a:pPr marL="514350" indent="-514350">
-              <a:buFont typeface="+mj-lt"/>
-              <a:buAutoNum type="arabicPeriod"/>
-            </a:pPr>
-            <a:r>
-              <a:rPr lang="en-CA" dirty="0"/>
-              <a:t>Downloading videos</a:t>
-            </a:r>
-          </a:p>
-          <a:p>
-            <a:pPr marL="514350" indent="-514350">
-              <a:buFont typeface="+mj-lt"/>
-              <a:buAutoNum type="arabicPeriod"/>
-            </a:pPr>
-            <a:r>
-              <a:rPr lang="en-CA" dirty="0"/>
-              <a:t>Schizophrenia and deals with the devil</a:t>
-            </a:r>
-          </a:p>
-          <a:p>
-            <a:pPr marL="514350" indent="-514350">
-              <a:buFont typeface="+mj-lt"/>
-              <a:buAutoNum type="arabicPeriod"/>
-            </a:pPr>
-            <a:endParaRPr lang="en-CA" dirty="0"/>
-          </a:p>
-        </p:txBody>
-      </p:sp>
-    </p:spTree>
-    <p:extLst>
-      <p:ext uri="{BB962C8B-B14F-4D97-AF65-F5344CB8AC3E}">
-        <p14:creationId xmlns:p14="http://schemas.microsoft.com/office/powerpoint/2010/main" val="1406326780"/>
-      </p:ext>
-    </p:extLst>
-  </p:cSld>
-  <p:clrMapOvr>
-    <a:masterClrMapping/>
-  </p:clrMapOvr>
-</p:sld>
-</file>
-
-<file path=ppt/slides/slide2.xml><?xml version="1.0" encoding="utf-8"?>
-<p:sld xmlns:a="http://schemas.openxmlformats.org/drawingml/2006/main" xmlns:r="http://schemas.openxmlformats.org/officeDocument/2006/relationships" xmlns:p="http://schemas.openxmlformats.org/presentationml/2006/main">
-  <p:cSld>
-    <p:spTree>
-      <p:nvGrpSpPr>
-        <p:cNvPr id="1" name=""/>
-        <p:cNvGrpSpPr/>
-        <p:nvPr/>
-      </p:nvGrpSpPr>
-      <p:grpSpPr>
-        <a:xfrm>
-          <a:off x="0" y="0"/>
-          <a:ext cx="0" cy="0"/>
-          <a:chOff x="0" y="0"/>
-          <a:chExt cx="0" cy="0"/>
-        </a:xfrm>
-      </p:grpSpPr>
-      <p:pic>
-        <p:nvPicPr>
-          <p:cNvPr id="5" name="Content Placeholder 4">
-            <a:extLst>
-              <a:ext uri="{FF2B5EF4-FFF2-40B4-BE49-F238E27FC236}">
-                <a16:creationId xmlns:a16="http://schemas.microsoft.com/office/drawing/2014/main" id="{3D386C8A-672E-D087-5835-EA7A5BD95E5F}"/>
-              </a:ext>
-            </a:extLst>
-          </p:cNvPr>
-          <p:cNvPicPr>
-            <a:picLocks noGrp="1" noChangeAspect="1"/>
-          </p:cNvPicPr>
-          <p:nvPr>
-            <p:ph idx="1"/>
-          </p:nvPr>
-        </p:nvPicPr>
-        <p:blipFill>
-          <a:blip r:embed="rId3"/>
-          <a:stretch>
-            <a:fillRect/>
-          </a:stretch>
-        </p:blipFill>
-        <p:spPr>
-          <a:xfrm>
-            <a:off x="1621705" y="149370"/>
-            <a:ext cx="8515350" cy="2038350"/>
-          </a:xfrm>
-        </p:spPr>
-      </p:pic>
-      <p:pic>
-        <p:nvPicPr>
-          <p:cNvPr id="7" name="Picture 6">
-            <a:extLst>
-              <a:ext uri="{FF2B5EF4-FFF2-40B4-BE49-F238E27FC236}">
-                <a16:creationId xmlns:a16="http://schemas.microsoft.com/office/drawing/2014/main" id="{610278DC-8017-A282-5726-9FF51FC5A177}"/>
-              </a:ext>
-            </a:extLst>
-          </p:cNvPr>
-          <p:cNvPicPr>
-            <a:picLocks noChangeAspect="1"/>
-          </p:cNvPicPr>
-          <p:nvPr/>
-        </p:nvPicPr>
-        <p:blipFill>
-          <a:blip r:embed="rId4"/>
-          <a:stretch>
-            <a:fillRect/>
-          </a:stretch>
-        </p:blipFill>
-        <p:spPr>
-          <a:xfrm>
-            <a:off x="3731492" y="2187720"/>
-            <a:ext cx="4295775" cy="4619625"/>
-          </a:xfrm>
-          <a:prstGeom prst="rect">
-            <a:avLst/>
-          </a:prstGeom>
-        </p:spPr>
-      </p:pic>
-    </p:spTree>
-    <p:extLst>
-      <p:ext uri="{BB962C8B-B14F-4D97-AF65-F5344CB8AC3E}">
-        <p14:creationId xmlns:p14="http://schemas.microsoft.com/office/powerpoint/2010/main" val="1444955239"/>
-      </p:ext>
-    </p:extLst>
-  </p:cSld>
-  <p:clrMapOvr>
-    <a:masterClrMapping/>
-  </p:clrMapOvr>
-</p:sld>
-</file>
-
-<file path=ppt/slides/slide3.xml><?xml version="1.0" encoding="utf-8"?>
-<p:sld xmlns:a="http://schemas.openxmlformats.org/drawingml/2006/main" xmlns:r="http://schemas.openxmlformats.org/officeDocument/2006/relationships" xmlns:p="http://schemas.openxmlformats.org/presentationml/2006/main">
-  <p:cSld>
-    <p:spTree>
-      <p:nvGrpSpPr>
-        <p:cNvPr id="1" name=""/>
-        <p:cNvGrpSpPr/>
-        <p:nvPr/>
-      </p:nvGrpSpPr>
-      <p:grpSpPr>
-        <a:xfrm>
-          <a:off x="0" y="0"/>
-          <a:ext cx="0" cy="0"/>
-          <a:chOff x="0" y="0"/>
-          <a:chExt cx="0" cy="0"/>
-        </a:xfrm>
-      </p:grpSpPr>
-      <p:sp>
-        <p:nvSpPr>
-          <p:cNvPr id="4" name="Rectangle 3">
-            <a:extLst>
-              <a:ext uri="{FF2B5EF4-FFF2-40B4-BE49-F238E27FC236}">
-                <a16:creationId xmlns:a16="http://schemas.microsoft.com/office/drawing/2014/main" id="{912041A3-1AEB-E2FB-0A8A-87D8542010A6}"/>
-              </a:ext>
-            </a:extLst>
-          </p:cNvPr>
-          <p:cNvSpPr/>
-          <p:nvPr/>
-        </p:nvSpPr>
-        <p:spPr>
-          <a:xfrm>
-            <a:off x="725462" y="1735622"/>
-            <a:ext cx="1251120" cy="1057836"/>
-          </a:xfrm>
-          <a:prstGeom prst="rect">
-            <a:avLst/>
-          </a:prstGeom>
-          <a:ln w="38100"/>
-        </p:spPr>
-        <p:style>
-          <a:lnRef idx="2">
-            <a:schemeClr val="accent2">
-              <a:shade val="50000"/>
-            </a:schemeClr>
-          </a:lnRef>
-          <a:fillRef idx="1">
-            <a:schemeClr val="accent2"/>
-          </a:fillRef>
-          <a:effectRef idx="0">
-            <a:schemeClr val="accent2"/>
-          </a:effectRef>
-          <a:fontRef idx="minor">
-            <a:schemeClr val="lt1"/>
-          </a:fontRef>
-        </p:style>
-        <p:txBody>
-          <a:bodyPr rtlCol="0" anchor="ctr"/>
-          <a:lstStyle/>
-          <a:p>
-            <a:pPr algn="ctr"/>
-            <a:r>
-              <a:rPr lang="en-CA" sz="7200" dirty="0"/>
-              <a:t>I</a:t>
-            </a:r>
-          </a:p>
-        </p:txBody>
-      </p:sp>
-      <p:sp>
-        <p:nvSpPr>
-          <p:cNvPr id="5" name="Rectangle 4">
-            <a:extLst>
-              <a:ext uri="{FF2B5EF4-FFF2-40B4-BE49-F238E27FC236}">
-                <a16:creationId xmlns:a16="http://schemas.microsoft.com/office/drawing/2014/main" id="{C59C9BCF-88F3-FF82-4456-A7AF06E736CB}"/>
-              </a:ext>
-            </a:extLst>
-          </p:cNvPr>
-          <p:cNvSpPr/>
-          <p:nvPr/>
-        </p:nvSpPr>
-        <p:spPr>
-          <a:xfrm>
-            <a:off x="2147861" y="1735622"/>
-            <a:ext cx="2350247" cy="1057836"/>
-          </a:xfrm>
-          <a:prstGeom prst="rect">
-            <a:avLst/>
-          </a:prstGeom>
-          <a:ln w="38100"/>
-        </p:spPr>
-        <p:style>
-          <a:lnRef idx="2">
-            <a:schemeClr val="accent2">
-              <a:shade val="50000"/>
-            </a:schemeClr>
-          </a:lnRef>
-          <a:fillRef idx="1">
-            <a:schemeClr val="accent2"/>
-          </a:fillRef>
-          <a:effectRef idx="0">
-            <a:schemeClr val="accent2"/>
-          </a:effectRef>
-          <a:fontRef idx="minor">
-            <a:schemeClr val="lt1"/>
-          </a:fontRef>
-        </p:style>
-        <p:txBody>
-          <a:bodyPr rtlCol="0" anchor="ctr"/>
-          <a:lstStyle/>
-          <a:p>
-            <a:pPr algn="ctr"/>
-            <a:r>
-              <a:rPr lang="en-CA" sz="7200" dirty="0"/>
-              <a:t>don’t</a:t>
-            </a:r>
-          </a:p>
-        </p:txBody>
-      </p:sp>
-      <p:sp>
-        <p:nvSpPr>
-          <p:cNvPr id="6" name="Rectangle 5">
-            <a:extLst>
-              <a:ext uri="{FF2B5EF4-FFF2-40B4-BE49-F238E27FC236}">
-                <a16:creationId xmlns:a16="http://schemas.microsoft.com/office/drawing/2014/main" id="{9D1F98D6-72CE-FA13-C0CF-C974F78E9C0C}"/>
-              </a:ext>
-            </a:extLst>
-          </p:cNvPr>
-          <p:cNvSpPr/>
-          <p:nvPr/>
-        </p:nvSpPr>
-        <p:spPr>
-          <a:xfrm>
-            <a:off x="4669387" y="1735622"/>
-            <a:ext cx="2350247" cy="1057836"/>
-          </a:xfrm>
-          <a:prstGeom prst="rect">
-            <a:avLst/>
-          </a:prstGeom>
-          <a:ln w="38100"/>
-        </p:spPr>
-        <p:style>
-          <a:lnRef idx="2">
-            <a:schemeClr val="accent2">
-              <a:shade val="50000"/>
-            </a:schemeClr>
-          </a:lnRef>
-          <a:fillRef idx="1">
-            <a:schemeClr val="accent2"/>
-          </a:fillRef>
-          <a:effectRef idx="0">
-            <a:schemeClr val="accent2"/>
-          </a:effectRef>
-          <a:fontRef idx="minor">
-            <a:schemeClr val="lt1"/>
-          </a:fontRef>
-        </p:style>
-        <p:txBody>
-          <a:bodyPr rtlCol="0" anchor="ctr"/>
-          <a:lstStyle/>
-          <a:p>
-            <a:pPr algn="ctr"/>
-            <a:r>
-              <a:rPr lang="en-CA" sz="7200" dirty="0"/>
-              <a:t>know</a:t>
-            </a:r>
-          </a:p>
-        </p:txBody>
-      </p:sp>
-      <p:sp>
-        <p:nvSpPr>
-          <p:cNvPr id="7" name="Rectangle 6">
-            <a:extLst>
-              <a:ext uri="{FF2B5EF4-FFF2-40B4-BE49-F238E27FC236}">
-                <a16:creationId xmlns:a16="http://schemas.microsoft.com/office/drawing/2014/main" id="{8B0E7D2C-5804-B97D-292E-C64DF5E0AA95}"/>
-              </a:ext>
-            </a:extLst>
-          </p:cNvPr>
-          <p:cNvSpPr/>
-          <p:nvPr/>
-        </p:nvSpPr>
-        <p:spPr>
-          <a:xfrm>
-            <a:off x="7190913" y="1735622"/>
-            <a:ext cx="2350247" cy="1057836"/>
-          </a:xfrm>
-          <a:prstGeom prst="rect">
-            <a:avLst/>
-          </a:prstGeom>
-          <a:ln w="38100"/>
-        </p:spPr>
-        <p:style>
-          <a:lnRef idx="2">
-            <a:schemeClr val="accent2">
-              <a:shade val="50000"/>
-            </a:schemeClr>
-          </a:lnRef>
-          <a:fillRef idx="1">
-            <a:schemeClr val="accent2"/>
-          </a:fillRef>
-          <a:effectRef idx="0">
-            <a:schemeClr val="accent2"/>
-          </a:effectRef>
-          <a:fontRef idx="minor">
-            <a:schemeClr val="lt1"/>
-          </a:fontRef>
-        </p:style>
-        <p:txBody>
-          <a:bodyPr rtlCol="0" anchor="ctr"/>
-          <a:lstStyle/>
-          <a:p>
-            <a:pPr algn="ctr"/>
-            <a:r>
-              <a:rPr lang="en-CA" sz="7200" dirty="0"/>
-              <a:t>what</a:t>
-            </a:r>
-          </a:p>
-        </p:txBody>
-      </p:sp>
-      <p:sp>
-        <p:nvSpPr>
-          <p:cNvPr id="8" name="Rectangle 7">
-            <a:extLst>
-              <a:ext uri="{FF2B5EF4-FFF2-40B4-BE49-F238E27FC236}">
-                <a16:creationId xmlns:a16="http://schemas.microsoft.com/office/drawing/2014/main" id="{AA079197-08A9-ADAB-14FE-70EB80268531}"/>
-              </a:ext>
-            </a:extLst>
-          </p:cNvPr>
-          <p:cNvSpPr/>
-          <p:nvPr/>
-        </p:nvSpPr>
-        <p:spPr>
-          <a:xfrm>
-            <a:off x="165452" y="3217107"/>
-            <a:ext cx="1382642" cy="1057836"/>
-          </a:xfrm>
-          <a:prstGeom prst="rect">
-            <a:avLst/>
-          </a:prstGeom>
-          <a:ln w="38100"/>
-        </p:spPr>
-        <p:style>
-          <a:lnRef idx="2">
-            <a:schemeClr val="accent2">
-              <a:shade val="50000"/>
-            </a:schemeClr>
-          </a:lnRef>
-          <a:fillRef idx="1">
-            <a:schemeClr val="accent2"/>
-          </a:fillRef>
-          <a:effectRef idx="0">
-            <a:schemeClr val="accent2"/>
-          </a:effectRef>
-          <a:fontRef idx="minor">
-            <a:schemeClr val="lt1"/>
-          </a:fontRef>
-        </p:style>
-        <p:txBody>
-          <a:bodyPr rtlCol="0" anchor="ctr"/>
-          <a:lstStyle/>
-          <a:p>
-            <a:pPr algn="ctr"/>
-            <a:r>
-              <a:rPr lang="en-CA" sz="7200" dirty="0"/>
-              <a:t>to</a:t>
-            </a:r>
-          </a:p>
-        </p:txBody>
-      </p:sp>
-      <p:sp>
-        <p:nvSpPr>
-          <p:cNvPr id="9" name="Rectangle 8">
-            <a:extLst>
-              <a:ext uri="{FF2B5EF4-FFF2-40B4-BE49-F238E27FC236}">
-                <a16:creationId xmlns:a16="http://schemas.microsoft.com/office/drawing/2014/main" id="{760F0DE9-889A-8DF9-3E89-483F00A92587}"/>
-              </a:ext>
-            </a:extLst>
-          </p:cNvPr>
-          <p:cNvSpPr/>
-          <p:nvPr/>
-        </p:nvSpPr>
-        <p:spPr>
-          <a:xfrm>
-            <a:off x="1948069" y="3217107"/>
-            <a:ext cx="1618235" cy="1057836"/>
-          </a:xfrm>
-          <a:prstGeom prst="rect">
-            <a:avLst/>
-          </a:prstGeom>
-          <a:ln w="38100"/>
-        </p:spPr>
-        <p:style>
-          <a:lnRef idx="2">
-            <a:schemeClr val="accent2">
-              <a:shade val="50000"/>
-            </a:schemeClr>
-          </a:lnRef>
-          <a:fillRef idx="1">
-            <a:schemeClr val="accent2"/>
-          </a:fillRef>
-          <a:effectRef idx="0">
-            <a:schemeClr val="accent2"/>
-          </a:effectRef>
-          <a:fontRef idx="minor">
-            <a:schemeClr val="lt1"/>
-          </a:fontRef>
-        </p:style>
-        <p:txBody>
-          <a:bodyPr rtlCol="0" anchor="ctr"/>
-          <a:lstStyle/>
-          <a:p>
-            <a:pPr algn="ctr"/>
-            <a:r>
-              <a:rPr lang="en-CA" sz="7200" dirty="0"/>
-              <a:t>use</a:t>
-            </a:r>
-          </a:p>
-        </p:txBody>
-      </p:sp>
-      <p:sp>
-        <p:nvSpPr>
-          <p:cNvPr id="10" name="Rectangle 9">
-            <a:extLst>
-              <a:ext uri="{FF2B5EF4-FFF2-40B4-BE49-F238E27FC236}">
-                <a16:creationId xmlns:a16="http://schemas.microsoft.com/office/drawing/2014/main" id="{9BE9085D-5577-BA20-8BA7-36565ADD6E2B}"/>
-              </a:ext>
-            </a:extLst>
-          </p:cNvPr>
-          <p:cNvSpPr/>
-          <p:nvPr/>
-        </p:nvSpPr>
-        <p:spPr>
-          <a:xfrm>
-            <a:off x="3989303" y="3217107"/>
-            <a:ext cx="1618235" cy="1057836"/>
-          </a:xfrm>
-          <a:prstGeom prst="rect">
-            <a:avLst/>
-          </a:prstGeom>
-          <a:ln w="38100"/>
-        </p:spPr>
-        <p:style>
-          <a:lnRef idx="2">
-            <a:schemeClr val="accent2">
-              <a:shade val="50000"/>
-            </a:schemeClr>
-          </a:lnRef>
-          <a:fillRef idx="1">
-            <a:schemeClr val="accent2"/>
-          </a:fillRef>
-          <a:effectRef idx="0">
-            <a:schemeClr val="accent2"/>
-          </a:effectRef>
-          <a:fontRef idx="minor">
-            <a:schemeClr val="lt1"/>
-          </a:fontRef>
-        </p:style>
-        <p:txBody>
-          <a:bodyPr rtlCol="0" anchor="ctr"/>
-          <a:lstStyle/>
-          <a:p>
-            <a:pPr algn="ctr"/>
-            <a:r>
-              <a:rPr lang="en-CA" sz="7200" dirty="0"/>
-              <a:t>as</a:t>
-            </a:r>
-          </a:p>
-        </p:txBody>
-      </p:sp>
-      <p:sp>
-        <p:nvSpPr>
-          <p:cNvPr id="11" name="Rectangle 10">
-            <a:extLst>
-              <a:ext uri="{FF2B5EF4-FFF2-40B4-BE49-F238E27FC236}">
-                <a16:creationId xmlns:a16="http://schemas.microsoft.com/office/drawing/2014/main" id="{8126F089-234A-3CDB-3C98-559BA4BC5B1A}"/>
-              </a:ext>
-            </a:extLst>
-          </p:cNvPr>
-          <p:cNvSpPr/>
-          <p:nvPr/>
-        </p:nvSpPr>
-        <p:spPr>
-          <a:xfrm>
-            <a:off x="6063269" y="3217107"/>
-            <a:ext cx="1273193" cy="1057836"/>
-          </a:xfrm>
-          <a:prstGeom prst="rect">
-            <a:avLst/>
-          </a:prstGeom>
-          <a:ln w="38100"/>
-        </p:spPr>
-        <p:style>
-          <a:lnRef idx="2">
-            <a:schemeClr val="accent2">
-              <a:shade val="50000"/>
-            </a:schemeClr>
-          </a:lnRef>
-          <a:fillRef idx="1">
-            <a:schemeClr val="accent2"/>
-          </a:fillRef>
-          <a:effectRef idx="0">
-            <a:schemeClr val="accent2"/>
-          </a:effectRef>
-          <a:fontRef idx="minor">
-            <a:schemeClr val="lt1"/>
-          </a:fontRef>
-        </p:style>
-        <p:txBody>
-          <a:bodyPr rtlCol="0" anchor="ctr"/>
-          <a:lstStyle/>
-          <a:p>
-            <a:pPr algn="ctr"/>
-            <a:r>
-              <a:rPr lang="en-CA" sz="7200" dirty="0"/>
-              <a:t>an</a:t>
-            </a:r>
-          </a:p>
-        </p:txBody>
-      </p:sp>
-      <p:sp>
-        <p:nvSpPr>
-          <p:cNvPr id="12" name="Rectangle 11">
-            <a:extLst>
-              <a:ext uri="{FF2B5EF4-FFF2-40B4-BE49-F238E27FC236}">
-                <a16:creationId xmlns:a16="http://schemas.microsoft.com/office/drawing/2014/main" id="{0BD05076-CA8D-1A29-A6A7-2A3DB69F7FD4}"/>
-              </a:ext>
-            </a:extLst>
-          </p:cNvPr>
-          <p:cNvSpPr/>
-          <p:nvPr/>
-        </p:nvSpPr>
-        <p:spPr>
-          <a:xfrm>
-            <a:off x="7771999" y="3230010"/>
-            <a:ext cx="3472065" cy="1057836"/>
-          </a:xfrm>
-          <a:prstGeom prst="rect">
-            <a:avLst/>
-          </a:prstGeom>
-          <a:ln w="38100"/>
-        </p:spPr>
-        <p:style>
-          <a:lnRef idx="2">
-            <a:schemeClr val="accent2">
-              <a:shade val="50000"/>
-            </a:schemeClr>
-          </a:lnRef>
-          <a:fillRef idx="1">
-            <a:schemeClr val="accent2"/>
-          </a:fillRef>
-          <a:effectRef idx="0">
-            <a:schemeClr val="accent2"/>
-          </a:effectRef>
-          <a:fontRef idx="minor">
-            <a:schemeClr val="lt1"/>
-          </a:fontRef>
-        </p:style>
-        <p:txBody>
-          <a:bodyPr rtlCol="0" anchor="ctr"/>
-          <a:lstStyle/>
-          <a:p>
-            <a:pPr algn="ctr"/>
-            <a:r>
-              <a:rPr lang="en-CA" sz="7200" dirty="0"/>
-              <a:t>example</a:t>
-            </a:r>
-          </a:p>
-        </p:txBody>
-      </p:sp>
-      <p:sp>
-        <p:nvSpPr>
-          <p:cNvPr id="13" name="Rectangle 12">
-            <a:extLst>
-              <a:ext uri="{FF2B5EF4-FFF2-40B4-BE49-F238E27FC236}">
-                <a16:creationId xmlns:a16="http://schemas.microsoft.com/office/drawing/2014/main" id="{0EC32984-A575-CBD1-9B8C-3DDCCFEFF091}"/>
-              </a:ext>
-            </a:extLst>
-          </p:cNvPr>
-          <p:cNvSpPr/>
-          <p:nvPr/>
-        </p:nvSpPr>
-        <p:spPr>
-          <a:xfrm>
-            <a:off x="11390047" y="3217107"/>
-            <a:ext cx="636501" cy="1057836"/>
-          </a:xfrm>
-          <a:prstGeom prst="rect">
-            <a:avLst/>
-          </a:prstGeom>
-          <a:ln w="38100"/>
-        </p:spPr>
-        <p:style>
-          <a:lnRef idx="2">
-            <a:schemeClr val="accent2">
-              <a:shade val="50000"/>
-            </a:schemeClr>
-          </a:lnRef>
-          <a:fillRef idx="1">
-            <a:schemeClr val="accent2"/>
-          </a:fillRef>
-          <a:effectRef idx="0">
-            <a:schemeClr val="accent2"/>
-          </a:effectRef>
-          <a:fontRef idx="minor">
-            <a:schemeClr val="lt1"/>
-          </a:fontRef>
-        </p:style>
-        <p:txBody>
-          <a:bodyPr rtlCol="0" anchor="ctr"/>
-          <a:lstStyle/>
-          <a:p>
-            <a:pPr algn="ctr"/>
-            <a:r>
-              <a:rPr lang="en-CA" sz="7200" dirty="0"/>
-              <a:t>.</a:t>
-            </a:r>
-          </a:p>
-        </p:txBody>
-      </p:sp>
-      <p:sp>
-        <p:nvSpPr>
-          <p:cNvPr id="14" name="Rectangle 13">
-            <a:extLst>
-              <a:ext uri="{FF2B5EF4-FFF2-40B4-BE49-F238E27FC236}">
-                <a16:creationId xmlns:a16="http://schemas.microsoft.com/office/drawing/2014/main" id="{D4778053-BF2B-5DE5-443C-EBBCDA7F8EC9}"/>
-              </a:ext>
-            </a:extLst>
-          </p:cNvPr>
-          <p:cNvSpPr/>
-          <p:nvPr/>
-        </p:nvSpPr>
-        <p:spPr>
-          <a:xfrm>
-            <a:off x="175898" y="119259"/>
-            <a:ext cx="11711302" cy="1057836"/>
-          </a:xfrm>
-          <a:prstGeom prst="rect">
-            <a:avLst/>
-          </a:prstGeom>
-          <a:solidFill>
-            <a:schemeClr val="accent1"/>
-          </a:solidFill>
-          <a:ln w="38100">
-            <a:solidFill>
-              <a:schemeClr val="accent1">
-                <a:lumMod val="75000"/>
-              </a:schemeClr>
-            </a:solidFill>
-          </a:ln>
-        </p:spPr>
-        <p:style>
-          <a:lnRef idx="2">
-            <a:schemeClr val="accent2">
-              <a:shade val="50000"/>
-            </a:schemeClr>
-          </a:lnRef>
-          <a:fillRef idx="1">
-            <a:schemeClr val="accent2"/>
-          </a:fillRef>
-          <a:effectRef idx="0">
-            <a:schemeClr val="accent2"/>
-          </a:effectRef>
-          <a:fontRef idx="minor">
-            <a:schemeClr val="lt1"/>
-          </a:fontRef>
-        </p:style>
-        <p:txBody>
-          <a:bodyPr rtlCol="0" anchor="ctr"/>
-          <a:lstStyle/>
-          <a:p>
-            <a:pPr algn="ctr"/>
-            <a:r>
-              <a:rPr lang="en-CA" sz="3600" dirty="0"/>
-              <a:t>Please write the sentence “I don’t know what to use as an example.” verbatim and nothing else.</a:t>
-            </a:r>
-          </a:p>
-        </p:txBody>
-      </p:sp>
-    </p:spTree>
-    <p:extLst>
-      <p:ext uri="{BB962C8B-B14F-4D97-AF65-F5344CB8AC3E}">
-        <p14:creationId xmlns:p14="http://schemas.microsoft.com/office/powerpoint/2010/main" val="2865548133"/>
-      </p:ext>
-    </p:extLst>
-  </p:cSld>
-  <p:clrMapOvr>
-    <a:masterClrMapping/>
-  </p:clrMapOvr>
   <p:timing>
     <p:tnLst>
       <p:par>
@@ -6571,9 +7312,6 @@
                     <p:cTn id="3" fill="hold">
                       <p:stCondLst>
                         <p:cond delay="indefinite"/>
-                        <p:cond evt="onBegin" delay="0">
-                          <p:tn val="2"/>
-                        </p:cond>
                       </p:stCondLst>
                       <p:childTnLst>
                         <p:par>
@@ -6583,9 +7321,9 @@
                             </p:stCondLst>
                             <p:childTnLst>
                               <p:par>
-                                <p:cTn id="5" presetID="1" presetClass="entr" presetSubtype="0" fill="hold" grpId="0" nodeType="afterEffect">
+                                <p:cTn id="5" presetID="1" presetClass="entr" presetSubtype="0" fill="hold" nodeType="clickEffect">
                                   <p:stCondLst>
-                                    <p:cond delay="200"/>
+                                    <p:cond delay="0"/>
                                   </p:stCondLst>
                                   <p:childTnLst>
                                     <p:set>
@@ -6596,7 +7334,7 @@
                                           </p:stCondLst>
                                         </p:cTn>
                                         <p:tgtEl>
-                                          <p:spTgt spid="5"/>
+                                          <p:spTgt spid="12"/>
                                         </p:tgtEl>
                                         <p:attrNameLst>
                                           <p:attrName>style.visibility</p:attrName>
@@ -6609,168 +7347,15 @@
                                   </p:childTnLst>
                                 </p:cTn>
                               </p:par>
-                            </p:childTnLst>
-                          </p:cTn>
-                        </p:par>
-                        <p:par>
-                          <p:cTn id="7" fill="hold">
-                            <p:stCondLst>
-                              <p:cond delay="200"/>
-                            </p:stCondLst>
-                            <p:childTnLst>
                               <p:par>
-                                <p:cTn id="8" presetID="1" presetClass="entr" presetSubtype="0" fill="hold" grpId="0" nodeType="afterEffect">
+                                <p:cTn id="7" presetID="1" presetClass="entr" presetSubtype="0" fill="hold" nodeType="withEffect">
                                   <p:stCondLst>
-                                    <p:cond delay="200"/>
+                                    <p:cond delay="0"/>
                                   </p:stCondLst>
                                   <p:childTnLst>
                                     <p:set>
                                       <p:cBhvr>
-                                        <p:cTn id="9" dur="1" fill="hold">
-                                          <p:stCondLst>
-                                            <p:cond delay="0"/>
-                                          </p:stCondLst>
-                                        </p:cTn>
-                                        <p:tgtEl>
-                                          <p:spTgt spid="6"/>
-                                        </p:tgtEl>
-                                        <p:attrNameLst>
-                                          <p:attrName>style.visibility</p:attrName>
-                                        </p:attrNameLst>
-                                      </p:cBhvr>
-                                      <p:to>
-                                        <p:strVal val="visible"/>
-                                      </p:to>
-                                    </p:set>
-                                  </p:childTnLst>
-                                </p:cTn>
-                              </p:par>
-                            </p:childTnLst>
-                          </p:cTn>
-                        </p:par>
-                        <p:par>
-                          <p:cTn id="10" fill="hold">
-                            <p:stCondLst>
-                              <p:cond delay="400"/>
-                            </p:stCondLst>
-                            <p:childTnLst>
-                              <p:par>
-                                <p:cTn id="11" presetID="1" presetClass="entr" presetSubtype="0" fill="hold" grpId="0" nodeType="afterEffect">
-                                  <p:stCondLst>
-                                    <p:cond delay="200"/>
-                                  </p:stCondLst>
-                                  <p:childTnLst>
-                                    <p:set>
-                                      <p:cBhvr>
-                                        <p:cTn id="12" dur="1" fill="hold">
-                                          <p:stCondLst>
-                                            <p:cond delay="0"/>
-                                          </p:stCondLst>
-                                        </p:cTn>
-                                        <p:tgtEl>
-                                          <p:spTgt spid="7"/>
-                                        </p:tgtEl>
-                                        <p:attrNameLst>
-                                          <p:attrName>style.visibility</p:attrName>
-                                        </p:attrNameLst>
-                                      </p:cBhvr>
-                                      <p:to>
-                                        <p:strVal val="visible"/>
-                                      </p:to>
-                                    </p:set>
-                                  </p:childTnLst>
-                                </p:cTn>
-                              </p:par>
-                            </p:childTnLst>
-                          </p:cTn>
-                        </p:par>
-                        <p:par>
-                          <p:cTn id="13" fill="hold">
-                            <p:stCondLst>
-                              <p:cond delay="600"/>
-                            </p:stCondLst>
-                            <p:childTnLst>
-                              <p:par>
-                                <p:cTn id="14" presetID="1" presetClass="entr" presetSubtype="0" fill="hold" grpId="0" nodeType="afterEffect">
-                                  <p:stCondLst>
-                                    <p:cond delay="200"/>
-                                  </p:stCondLst>
-                                  <p:childTnLst>
-                                    <p:set>
-                                      <p:cBhvr>
-                                        <p:cTn id="15" dur="1" fill="hold">
-                                          <p:stCondLst>
-                                            <p:cond delay="0"/>
-                                          </p:stCondLst>
-                                        </p:cTn>
-                                        <p:tgtEl>
-                                          <p:spTgt spid="8"/>
-                                        </p:tgtEl>
-                                        <p:attrNameLst>
-                                          <p:attrName>style.visibility</p:attrName>
-                                        </p:attrNameLst>
-                                      </p:cBhvr>
-                                      <p:to>
-                                        <p:strVal val="visible"/>
-                                      </p:to>
-                                    </p:set>
-                                  </p:childTnLst>
-                                </p:cTn>
-                              </p:par>
-                            </p:childTnLst>
-                          </p:cTn>
-                        </p:par>
-                        <p:par>
-                          <p:cTn id="16" fill="hold">
-                            <p:stCondLst>
-                              <p:cond delay="800"/>
-                            </p:stCondLst>
-                            <p:childTnLst>
-                              <p:par>
-                                <p:cTn id="17" presetID="1" presetClass="entr" presetSubtype="0" fill="hold" grpId="0" nodeType="afterEffect">
-                                  <p:stCondLst>
-                                    <p:cond delay="200"/>
-                                  </p:stCondLst>
-                                  <p:childTnLst>
-                                    <p:set>
-                                      <p:cBhvr>
-                                        <p:cTn id="18" dur="1" fill="hold">
-                                          <p:stCondLst>
-                                            <p:cond delay="0"/>
-                                          </p:stCondLst>
-                                        </p:cTn>
-                                        <p:tgtEl>
-                                          <p:spTgt spid="9"/>
-                                        </p:tgtEl>
-                                        <p:attrNameLst>
-                                          <p:attrName>style.visibility</p:attrName>
-                                        </p:attrNameLst>
-                                      </p:cBhvr>
-                                      <p:to>
-                                        <p:strVal val="visible"/>
-                                      </p:to>
-                                    </p:set>
-                                  </p:childTnLst>
-                                </p:cTn>
-                              </p:par>
-                            </p:childTnLst>
-                          </p:cTn>
-                        </p:par>
-                        <p:par>
-                          <p:cTn id="19" fill="hold">
-                            <p:stCondLst>
-                              <p:cond delay="1000"/>
-                            </p:stCondLst>
-                            <p:childTnLst>
-                              <p:par>
-                                <p:cTn id="20" presetID="1" presetClass="entr" presetSubtype="0" fill="hold" grpId="0" nodeType="afterEffect">
-                                  <p:stCondLst>
-                                    <p:cond delay="200"/>
-                                  </p:stCondLst>
-                                  <p:childTnLst>
-                                    <p:set>
-                                      <p:cBhvr>
-                                        <p:cTn id="21" dur="1" fill="hold">
+                                        <p:cTn id="8" dur="1" fill="hold">
                                           <p:stCondLst>
                                             <p:cond delay="0"/>
                                           </p:stCondLst>
@@ -6792,27 +7377,36 @@
                             </p:childTnLst>
                           </p:cTn>
                         </p:par>
+                      </p:childTnLst>
+                    </p:cTn>
+                  </p:par>
+                  <p:par>
+                    <p:cTn id="9" fill="hold">
+                      <p:stCondLst>
+                        <p:cond delay="indefinite"/>
+                      </p:stCondLst>
+                      <p:childTnLst>
                         <p:par>
-                          <p:cTn id="22" fill="hold">
+                          <p:cTn id="10" fill="hold">
                             <p:stCondLst>
-                              <p:cond delay="1200"/>
+                              <p:cond delay="0"/>
                             </p:stCondLst>
                             <p:childTnLst>
                               <p:par>
-                                <p:cTn id="23" presetID="1" presetClass="entr" presetSubtype="0" fill="hold" grpId="0" nodeType="afterEffect">
+                                <p:cTn id="11" presetID="1" presetClass="entr" presetSubtype="0" fill="hold" grpId="0" nodeType="clickEffect">
                                   <p:stCondLst>
-                                    <p:cond delay="200"/>
+                                    <p:cond delay="0"/>
                                   </p:stCondLst>
                                   <p:childTnLst>
                                     <p:set>
                                       <p:cBhvr>
-                                        <p:cTn id="24" dur="1" fill="hold">
+                                        <p:cTn id="12" dur="1" fill="hold">
                                           <p:stCondLst>
                                             <p:cond delay="0"/>
                                           </p:stCondLst>
                                         </p:cTn>
                                         <p:tgtEl>
-                                          <p:spTgt spid="11"/>
+                                          <p:spTgt spid="19"/>
                                         </p:tgtEl>
                                         <p:attrNameLst>
                                           <p:attrName>style.visibility</p:attrName>
@@ -6825,102 +7419,21 @@
                                   </p:childTnLst>
                                 </p:cTn>
                               </p:par>
-                            </p:childTnLst>
-                          </p:cTn>
-                        </p:par>
-                        <p:par>
-                          <p:cTn id="25" fill="hold">
-                            <p:stCondLst>
-                              <p:cond delay="1400"/>
-                            </p:stCondLst>
-                            <p:childTnLst>
                               <p:par>
-                                <p:cTn id="26" presetID="1" presetClass="entr" presetSubtype="0" fill="hold" grpId="0" nodeType="afterEffect">
+                                <p:cTn id="13" presetID="1" presetClass="entr" presetSubtype="0" fill="hold" grpId="0" nodeType="withEffect">
                                   <p:stCondLst>
-                                    <p:cond delay="200"/>
+                                    <p:cond delay="0"/>
                                   </p:stCondLst>
                                   <p:childTnLst>
                                     <p:set>
                                       <p:cBhvr>
-                                        <p:cTn id="27" dur="1" fill="hold">
+                                        <p:cTn id="14" dur="1" fill="hold">
                                           <p:stCondLst>
                                             <p:cond delay="0"/>
                                           </p:stCondLst>
                                         </p:cTn>
                                         <p:tgtEl>
-                                          <p:spTgt spid="12"/>
-                                        </p:tgtEl>
-                                        <p:attrNameLst>
-                                          <p:attrName>style.visibility</p:attrName>
-                                        </p:attrNameLst>
-                                      </p:cBhvr>
-                                      <p:to>
-                                        <p:strVal val="visible"/>
-                                      </p:to>
-                                    </p:set>
-                                  </p:childTnLst>
-                                </p:cTn>
-                              </p:par>
-                            </p:childTnLst>
-                          </p:cTn>
-                        </p:par>
-                        <p:par>
-                          <p:cTn id="28" fill="hold">
-                            <p:stCondLst>
-                              <p:cond delay="1600"/>
-                            </p:stCondLst>
-                            <p:childTnLst>
-                              <p:par>
-                                <p:cTn id="29" presetID="1" presetClass="entr" presetSubtype="0" fill="hold" grpId="0" nodeType="afterEffect">
-                                  <p:stCondLst>
-                                    <p:cond delay="200"/>
-                                  </p:stCondLst>
-                                  <p:childTnLst>
-                                    <p:set>
-                                      <p:cBhvr>
-                                        <p:cTn id="30" dur="1" fill="hold">
-                                          <p:stCondLst>
-                                            <p:cond delay="0"/>
-                                          </p:stCondLst>
-                                        </p:cTn>
-                                        <p:tgtEl>
-                                          <p:spTgt spid="13"/>
-                                        </p:tgtEl>
-                                        <p:attrNameLst>
-                                          <p:attrName>style.visibility</p:attrName>
-                                        </p:attrNameLst>
-                                      </p:cBhvr>
-                                      <p:to>
-                                        <p:strVal val="visible"/>
-                                      </p:to>
-                                    </p:set>
-                                  </p:childTnLst>
-                                </p:cTn>
-                              </p:par>
-                            </p:childTnLst>
-                          </p:cTn>
-                        </p:par>
-                        <p:par>
-                          <p:cTn id="31" fill="hold">
-                            <p:stCondLst>
-                              <p:cond delay="1800"/>
-                            </p:stCondLst>
-                            <p:childTnLst>
-                              <p:par>
-                                <p:cTn id="32" presetID="1" presetClass="entr" presetSubtype="0" fill="hold" grpId="0" nodeType="afterEffect">
-                                  <p:stCondLst>
-                                    <p:cond delay="3000"/>
-                                  </p:stCondLst>
-                                  <p:childTnLst>
-                                    <p:set>
-                                      <p:cBhvr>
-                                        <p:cTn id="33" dur="1" fill="hold">
-                                          <p:stCondLst>
-                                            <p:cond delay="0"/>
-                                          </p:stCondLst>
-                                        </p:cTn>
-                                        <p:tgtEl>
-                                          <p:spTgt spid="14"/>
+                                          <p:spTgt spid="18"/>
                                         </p:tgtEl>
                                         <p:attrNameLst>
                                           <p:attrName>style.visibility</p:attrName>
@@ -6961,2957 +7474,14 @@
       </p:par>
     </p:tnLst>
     <p:bldLst>
-      <p:bldP spid="5" grpId="0" animBg="1"/>
-      <p:bldP spid="6" grpId="0" animBg="1"/>
-      <p:bldP spid="7" grpId="0" animBg="1"/>
-      <p:bldP spid="8" grpId="0" animBg="1"/>
-      <p:bldP spid="9" grpId="0" animBg="1"/>
-      <p:bldP spid="10" grpId="0" animBg="1"/>
-      <p:bldP spid="11" grpId="0" animBg="1"/>
-      <p:bldP spid="12" grpId="0" animBg="1"/>
-      <p:bldP spid="13" grpId="0" animBg="1"/>
-      <p:bldP spid="14" grpId="0" animBg="1"/>
-    </p:bldLst>
-  </p:timing>
-</p:sld>
-</file>
-
-<file path=ppt/slides/slide4.xml><?xml version="1.0" encoding="utf-8"?>
-<p:sld xmlns:a="http://schemas.openxmlformats.org/drawingml/2006/main" xmlns:r="http://schemas.openxmlformats.org/officeDocument/2006/relationships" xmlns:p="http://schemas.openxmlformats.org/presentationml/2006/main">
-  <p:cSld>
-    <p:spTree>
-      <p:nvGrpSpPr>
-        <p:cNvPr id="1" name=""/>
-        <p:cNvGrpSpPr/>
-        <p:nvPr/>
-      </p:nvGrpSpPr>
-      <p:grpSpPr>
-        <a:xfrm>
-          <a:off x="0" y="0"/>
-          <a:ext cx="0" cy="0"/>
-          <a:chOff x="0" y="0"/>
-          <a:chExt cx="0" cy="0"/>
-        </a:xfrm>
-      </p:grpSpPr>
-      <p:sp>
-        <p:nvSpPr>
-          <p:cNvPr id="33" name="Star: 5 Points 32">
-            <a:extLst>
-              <a:ext uri="{FF2B5EF4-FFF2-40B4-BE49-F238E27FC236}">
-                <a16:creationId xmlns:a16="http://schemas.microsoft.com/office/drawing/2014/main" id="{41A7232C-2348-C0B3-5B0D-D339164E8B23}"/>
-              </a:ext>
-            </a:extLst>
-          </p:cNvPr>
-          <p:cNvSpPr/>
-          <p:nvPr/>
-        </p:nvSpPr>
-        <p:spPr>
-          <a:xfrm>
-            <a:off x="3350752" y="2104042"/>
-            <a:ext cx="1909482" cy="1757083"/>
-          </a:xfrm>
-          <a:prstGeom prst="star5">
-            <a:avLst/>
-          </a:prstGeom>
-        </p:spPr>
-        <p:style>
-          <a:lnRef idx="2">
-            <a:schemeClr val="accent4">
-              <a:shade val="50000"/>
-            </a:schemeClr>
-          </a:lnRef>
-          <a:fillRef idx="1">
-            <a:schemeClr val="accent4"/>
-          </a:fillRef>
-          <a:effectRef idx="0">
-            <a:schemeClr val="accent4"/>
-          </a:effectRef>
-          <a:fontRef idx="minor">
-            <a:schemeClr val="lt1"/>
-          </a:fontRef>
-        </p:style>
-        <p:txBody>
-          <a:bodyPr rtlCol="0" anchor="ctr"/>
-          <a:lstStyle/>
-          <a:p>
-            <a:pPr algn="ctr"/>
-            <a:endParaRPr lang="en-CA"/>
-          </a:p>
-        </p:txBody>
-      </p:sp>
-      <p:sp>
-        <p:nvSpPr>
-          <p:cNvPr id="8" name="Rectangle 7">
-            <a:extLst>
-              <a:ext uri="{FF2B5EF4-FFF2-40B4-BE49-F238E27FC236}">
-                <a16:creationId xmlns:a16="http://schemas.microsoft.com/office/drawing/2014/main" id="{91456AED-6181-E881-1F0E-6A7C5F7210E3}"/>
-              </a:ext>
-            </a:extLst>
-          </p:cNvPr>
-          <p:cNvSpPr/>
-          <p:nvPr/>
-        </p:nvSpPr>
-        <p:spPr>
-          <a:xfrm>
-            <a:off x="98611" y="152399"/>
-            <a:ext cx="5836024" cy="767322"/>
-          </a:xfrm>
-          <a:prstGeom prst="rect">
-            <a:avLst/>
-          </a:prstGeom>
-          <a:ln w="38100"/>
-        </p:spPr>
-        <p:style>
-          <a:lnRef idx="2">
-            <a:schemeClr val="accent1">
-              <a:shade val="50000"/>
-            </a:schemeClr>
-          </a:lnRef>
-          <a:fillRef idx="1">
-            <a:schemeClr val="accent1"/>
-          </a:fillRef>
-          <a:effectRef idx="0">
-            <a:schemeClr val="accent1"/>
-          </a:effectRef>
-          <a:fontRef idx="minor">
-            <a:schemeClr val="lt1"/>
-          </a:fontRef>
-        </p:style>
-        <p:txBody>
-          <a:bodyPr rtlCol="0" anchor="ctr"/>
-          <a:lstStyle/>
-          <a:p>
-            <a:pPr algn="ctr"/>
-            <a:r>
-              <a:rPr lang="en-CA" sz="6000" dirty="0"/>
-              <a:t>“What time is it?”</a:t>
-            </a:r>
-          </a:p>
-        </p:txBody>
-      </p:sp>
-      <p:sp>
-        <p:nvSpPr>
-          <p:cNvPr id="11" name="Rectangle 10">
-            <a:extLst>
-              <a:ext uri="{FF2B5EF4-FFF2-40B4-BE49-F238E27FC236}">
-                <a16:creationId xmlns:a16="http://schemas.microsoft.com/office/drawing/2014/main" id="{E82ABF47-24EA-E24F-49FC-A1B5D5D43F2C}"/>
-              </a:ext>
-            </a:extLst>
-          </p:cNvPr>
-          <p:cNvSpPr/>
-          <p:nvPr/>
-        </p:nvSpPr>
-        <p:spPr>
-          <a:xfrm>
-            <a:off x="5792517" y="2982584"/>
-            <a:ext cx="3688658" cy="446416"/>
-          </a:xfrm>
-          <a:prstGeom prst="rect">
-            <a:avLst/>
-          </a:prstGeom>
-          <a:ln w="57150"/>
-        </p:spPr>
-        <p:style>
-          <a:lnRef idx="1">
-            <a:schemeClr val="dk1"/>
-          </a:lnRef>
-          <a:fillRef idx="2">
-            <a:schemeClr val="dk1"/>
-          </a:fillRef>
-          <a:effectRef idx="1">
-            <a:schemeClr val="dk1"/>
-          </a:effectRef>
-          <a:fontRef idx="minor">
-            <a:schemeClr val="dk1"/>
-          </a:fontRef>
-        </p:style>
-        <p:txBody>
-          <a:bodyPr rtlCol="0" anchor="ctr"/>
-          <a:lstStyle/>
-          <a:p>
-            <a:pPr algn="ctr"/>
-            <a:r>
-              <a:rPr lang="en-CA" sz="2800" dirty="0"/>
-              <a:t>2023-03-06 7:04 PM</a:t>
-            </a:r>
-          </a:p>
-        </p:txBody>
-      </p:sp>
-      <p:sp>
-        <p:nvSpPr>
-          <p:cNvPr id="13" name="Rectangle 12">
-            <a:extLst>
-              <a:ext uri="{FF2B5EF4-FFF2-40B4-BE49-F238E27FC236}">
-                <a16:creationId xmlns:a16="http://schemas.microsoft.com/office/drawing/2014/main" id="{B498BDFE-8D2E-BD66-16FC-167D71C14F41}"/>
-              </a:ext>
-            </a:extLst>
-          </p:cNvPr>
-          <p:cNvSpPr/>
-          <p:nvPr/>
-        </p:nvSpPr>
-        <p:spPr>
-          <a:xfrm>
-            <a:off x="9627688" y="2982584"/>
-            <a:ext cx="401136" cy="446416"/>
-          </a:xfrm>
-          <a:prstGeom prst="rect">
-            <a:avLst/>
-          </a:prstGeom>
-          <a:ln w="38100"/>
-        </p:spPr>
-        <p:style>
-          <a:lnRef idx="2">
-            <a:schemeClr val="accent2">
-              <a:shade val="50000"/>
-            </a:schemeClr>
-          </a:lnRef>
-          <a:fillRef idx="1">
-            <a:schemeClr val="accent2"/>
-          </a:fillRef>
-          <a:effectRef idx="0">
-            <a:schemeClr val="accent2"/>
-          </a:effectRef>
-          <a:fontRef idx="minor">
-            <a:schemeClr val="lt1"/>
-          </a:fontRef>
-        </p:style>
-        <p:txBody>
-          <a:bodyPr rtlCol="0" anchor="ctr"/>
-          <a:lstStyle/>
-          <a:p>
-            <a:pPr algn="ctr"/>
-            <a:r>
-              <a:rPr lang="en-CA" sz="2800" dirty="0"/>
-              <a:t>]</a:t>
-            </a:r>
-          </a:p>
-        </p:txBody>
-      </p:sp>
-      <p:sp>
-        <p:nvSpPr>
-          <p:cNvPr id="14" name="Rectangle 13">
-            <a:extLst>
-              <a:ext uri="{FF2B5EF4-FFF2-40B4-BE49-F238E27FC236}">
-                <a16:creationId xmlns:a16="http://schemas.microsoft.com/office/drawing/2014/main" id="{554C134F-29C4-F388-79A6-6F2DFDC9D729}"/>
-              </a:ext>
-            </a:extLst>
-          </p:cNvPr>
-          <p:cNvSpPr/>
-          <p:nvPr/>
-        </p:nvSpPr>
-        <p:spPr>
-          <a:xfrm>
-            <a:off x="493059" y="2982584"/>
-            <a:ext cx="2981405" cy="446416"/>
-          </a:xfrm>
-          <a:prstGeom prst="rect">
-            <a:avLst/>
-          </a:prstGeom>
-          <a:ln w="38100"/>
-        </p:spPr>
-        <p:style>
-          <a:lnRef idx="2">
-            <a:schemeClr val="accent2">
-              <a:shade val="50000"/>
-            </a:schemeClr>
-          </a:lnRef>
-          <a:fillRef idx="1">
-            <a:schemeClr val="accent2"/>
-          </a:fillRef>
-          <a:effectRef idx="0">
-            <a:schemeClr val="accent2"/>
-          </a:effectRef>
-          <a:fontRef idx="minor">
-            <a:schemeClr val="lt1"/>
-          </a:fontRef>
-        </p:style>
-        <p:txBody>
-          <a:bodyPr rtlCol="0" anchor="ctr"/>
-          <a:lstStyle/>
-          <a:p>
-            <a:pPr algn="ctr"/>
-            <a:r>
-              <a:rPr lang="en-CA" sz="2800" dirty="0"/>
-              <a:t>The current time is</a:t>
-            </a:r>
-          </a:p>
-        </p:txBody>
-      </p:sp>
-      <p:sp>
-        <p:nvSpPr>
-          <p:cNvPr id="15" name="Rectangle 14">
-            <a:extLst>
-              <a:ext uri="{FF2B5EF4-FFF2-40B4-BE49-F238E27FC236}">
-                <a16:creationId xmlns:a16="http://schemas.microsoft.com/office/drawing/2014/main" id="{53871CBF-8BD0-0464-708D-6843FCA1467F}"/>
-              </a:ext>
-            </a:extLst>
-          </p:cNvPr>
-          <p:cNvSpPr/>
-          <p:nvPr/>
-        </p:nvSpPr>
-        <p:spPr>
-          <a:xfrm>
-            <a:off x="10175337" y="2982584"/>
-            <a:ext cx="1909482" cy="446416"/>
-          </a:xfrm>
-          <a:prstGeom prst="rect">
-            <a:avLst/>
-          </a:prstGeom>
-          <a:ln w="38100"/>
-        </p:spPr>
-        <p:style>
-          <a:lnRef idx="2">
-            <a:schemeClr val="accent2">
-              <a:shade val="50000"/>
-            </a:schemeClr>
-          </a:lnRef>
-          <a:fillRef idx="1">
-            <a:schemeClr val="accent2"/>
-          </a:fillRef>
-          <a:effectRef idx="0">
-            <a:schemeClr val="accent2"/>
-          </a:effectRef>
-          <a:fontRef idx="minor">
-            <a:schemeClr val="lt1"/>
-          </a:fontRef>
-        </p:style>
-        <p:txBody>
-          <a:bodyPr rtlCol="0" anchor="ctr"/>
-          <a:lstStyle/>
-          <a:p>
-            <a:pPr algn="ctr"/>
-            <a:r>
-              <a:rPr lang="en-CA" sz="2800" dirty="0"/>
-              <a:t>7:04 PM.</a:t>
-            </a:r>
-          </a:p>
-        </p:txBody>
-      </p:sp>
-      <p:sp>
-        <p:nvSpPr>
-          <p:cNvPr id="25" name="Rectangle 24">
-            <a:extLst>
-              <a:ext uri="{FF2B5EF4-FFF2-40B4-BE49-F238E27FC236}">
-                <a16:creationId xmlns:a16="http://schemas.microsoft.com/office/drawing/2014/main" id="{8C9B74DB-BE49-4F28-F802-9E026D3DB05C}"/>
-              </a:ext>
-            </a:extLst>
-          </p:cNvPr>
-          <p:cNvSpPr/>
-          <p:nvPr/>
-        </p:nvSpPr>
-        <p:spPr>
-          <a:xfrm>
-            <a:off x="3607332" y="2982584"/>
-            <a:ext cx="1359115" cy="446416"/>
-          </a:xfrm>
-          <a:prstGeom prst="rect">
-            <a:avLst/>
-          </a:prstGeom>
-          <a:ln w="38100"/>
-        </p:spPr>
-        <p:style>
-          <a:lnRef idx="2">
-            <a:schemeClr val="accent2">
-              <a:shade val="50000"/>
-            </a:schemeClr>
-          </a:lnRef>
-          <a:fillRef idx="1">
-            <a:schemeClr val="accent2"/>
-          </a:fillRef>
-          <a:effectRef idx="0">
-            <a:schemeClr val="accent2"/>
-          </a:effectRef>
-          <a:fontRef idx="minor">
-            <a:schemeClr val="lt1"/>
-          </a:fontRef>
-        </p:style>
-        <p:txBody>
-          <a:bodyPr rtlCol="0" anchor="ctr"/>
-          <a:lstStyle/>
-          <a:p>
-            <a:pPr algn="ctr"/>
-            <a:r>
-              <a:rPr lang="en-CA" sz="2800" dirty="0"/>
-              <a:t>[NOW()</a:t>
-            </a:r>
-          </a:p>
-        </p:txBody>
-      </p:sp>
-      <p:sp>
-        <p:nvSpPr>
-          <p:cNvPr id="26" name="Rectangle 25">
-            <a:extLst>
-              <a:ext uri="{FF2B5EF4-FFF2-40B4-BE49-F238E27FC236}">
-                <a16:creationId xmlns:a16="http://schemas.microsoft.com/office/drawing/2014/main" id="{32F447AB-1E40-3DD2-90B7-D18132F6652E}"/>
-              </a:ext>
-            </a:extLst>
-          </p:cNvPr>
-          <p:cNvSpPr/>
-          <p:nvPr/>
-        </p:nvSpPr>
-        <p:spPr>
-          <a:xfrm>
-            <a:off x="5099315" y="2982584"/>
-            <a:ext cx="546689" cy="446416"/>
-          </a:xfrm>
-          <a:prstGeom prst="rect">
-            <a:avLst/>
-          </a:prstGeom>
-          <a:ln w="38100"/>
-        </p:spPr>
-        <p:style>
-          <a:lnRef idx="2">
-            <a:schemeClr val="accent2">
-              <a:shade val="50000"/>
-            </a:schemeClr>
-          </a:lnRef>
-          <a:fillRef idx="1">
-            <a:schemeClr val="accent2"/>
-          </a:fillRef>
-          <a:effectRef idx="0">
-            <a:schemeClr val="accent2"/>
-          </a:effectRef>
-          <a:fontRef idx="minor">
-            <a:schemeClr val="lt1"/>
-          </a:fontRef>
-        </p:style>
-        <p:txBody>
-          <a:bodyPr rtlCol="0" anchor="ctr"/>
-          <a:lstStyle/>
-          <a:p>
-            <a:pPr algn="ctr"/>
-            <a:r>
-              <a:rPr lang="en-CA" sz="2800" dirty="0"/>
-              <a:t>-&gt;</a:t>
-            </a:r>
-          </a:p>
-        </p:txBody>
-      </p:sp>
-      <p:sp>
-        <p:nvSpPr>
-          <p:cNvPr id="30" name="Callout: Up Arrow 29">
-            <a:extLst>
-              <a:ext uri="{FF2B5EF4-FFF2-40B4-BE49-F238E27FC236}">
-                <a16:creationId xmlns:a16="http://schemas.microsoft.com/office/drawing/2014/main" id="{987DDAFC-E3BB-30A3-5D05-41106BFDD3F3}"/>
-              </a:ext>
-            </a:extLst>
-          </p:cNvPr>
-          <p:cNvSpPr/>
-          <p:nvPr/>
-        </p:nvSpPr>
-        <p:spPr>
-          <a:xfrm>
-            <a:off x="6705600" y="3472632"/>
-            <a:ext cx="2202315" cy="1499768"/>
-          </a:xfrm>
-          <a:prstGeom prst="upArrowCallout">
-            <a:avLst/>
-          </a:prstGeom>
-          <a:solidFill>
-            <a:srgbClr val="7030A0"/>
-          </a:solidFill>
-          <a:ln w="38100">
-            <a:solidFill>
-              <a:srgbClr val="8F2F8F"/>
-            </a:solidFill>
-          </a:ln>
-        </p:spPr>
-        <p:style>
-          <a:lnRef idx="2">
-            <a:schemeClr val="accent1">
-              <a:shade val="50000"/>
-            </a:schemeClr>
-          </a:lnRef>
-          <a:fillRef idx="1">
-            <a:schemeClr val="accent1"/>
-          </a:fillRef>
-          <a:effectRef idx="0">
-            <a:schemeClr val="accent1"/>
-          </a:effectRef>
-          <a:fontRef idx="minor">
-            <a:schemeClr val="lt1"/>
-          </a:fontRef>
-        </p:style>
-        <p:txBody>
-          <a:bodyPr rtlCol="0" anchor="ctr"/>
-          <a:lstStyle/>
-          <a:p>
-            <a:pPr algn="ctr"/>
-            <a:r>
-              <a:rPr lang="en-CA" dirty="0"/>
-              <a:t>Function return value gives more context to help the AI respond.</a:t>
-            </a:r>
-          </a:p>
-        </p:txBody>
-      </p:sp>
-      <p:sp>
-        <p:nvSpPr>
-          <p:cNvPr id="31" name="Callout: Up Arrow 30">
-            <a:extLst>
-              <a:ext uri="{FF2B5EF4-FFF2-40B4-BE49-F238E27FC236}">
-                <a16:creationId xmlns:a16="http://schemas.microsoft.com/office/drawing/2014/main" id="{6AA65A81-7B0B-1C13-DC67-7517ED4514F4}"/>
-              </a:ext>
-            </a:extLst>
-          </p:cNvPr>
-          <p:cNvSpPr/>
-          <p:nvPr/>
-        </p:nvSpPr>
-        <p:spPr>
-          <a:xfrm>
-            <a:off x="4521971" y="3523444"/>
-            <a:ext cx="1701375" cy="1398144"/>
-          </a:xfrm>
-          <a:prstGeom prst="upArrowCallout">
-            <a:avLst/>
-          </a:prstGeom>
-          <a:solidFill>
-            <a:srgbClr val="7030A0"/>
-          </a:solidFill>
-          <a:ln w="38100">
-            <a:solidFill>
-              <a:srgbClr val="8F2F8F"/>
-            </a:solidFill>
-          </a:ln>
-        </p:spPr>
-        <p:style>
-          <a:lnRef idx="2">
-            <a:schemeClr val="accent1">
-              <a:shade val="50000"/>
-            </a:schemeClr>
-          </a:lnRef>
-          <a:fillRef idx="1">
-            <a:schemeClr val="accent1"/>
-          </a:fillRef>
-          <a:effectRef idx="0">
-            <a:schemeClr val="accent1"/>
-          </a:effectRef>
-          <a:fontRef idx="minor">
-            <a:schemeClr val="lt1"/>
-          </a:fontRef>
-        </p:style>
-        <p:txBody>
-          <a:bodyPr rtlCol="0" anchor="ctr"/>
-          <a:lstStyle/>
-          <a:p>
-            <a:pPr algn="ctr"/>
-            <a:r>
-              <a:rPr lang="en-CA" dirty="0"/>
-              <a:t>Stop token, call the function</a:t>
-            </a:r>
-          </a:p>
-        </p:txBody>
-      </p:sp>
-      <p:sp>
-        <p:nvSpPr>
-          <p:cNvPr id="32" name="TextBox 31">
-            <a:extLst>
-              <a:ext uri="{FF2B5EF4-FFF2-40B4-BE49-F238E27FC236}">
-                <a16:creationId xmlns:a16="http://schemas.microsoft.com/office/drawing/2014/main" id="{455FE0E5-2BC0-BA8D-7A1D-1BC04F90A3B6}"/>
-              </a:ext>
-            </a:extLst>
-          </p:cNvPr>
-          <p:cNvSpPr txBox="1"/>
-          <p:nvPr/>
-        </p:nvSpPr>
-        <p:spPr>
-          <a:xfrm>
-            <a:off x="2796987" y="5381558"/>
-            <a:ext cx="6947647" cy="369332"/>
-          </a:xfrm>
-          <a:prstGeom prst="rect">
-            <a:avLst/>
-          </a:prstGeom>
-          <a:noFill/>
-        </p:spPr>
-        <p:txBody>
-          <a:bodyPr wrap="square" rtlCol="0">
-            <a:spAutoFit/>
-          </a:bodyPr>
-          <a:lstStyle/>
-          <a:p>
-            <a:r>
-              <a:rPr lang="en-CA" dirty="0"/>
-              <a:t>Benefits of this approach: keeps execution closer to where it is used</a:t>
-            </a:r>
-          </a:p>
-        </p:txBody>
-      </p:sp>
-    </p:spTree>
-    <p:extLst>
-      <p:ext uri="{BB962C8B-B14F-4D97-AF65-F5344CB8AC3E}">
-        <p14:creationId xmlns:p14="http://schemas.microsoft.com/office/powerpoint/2010/main" val="810911778"/>
-      </p:ext>
-    </p:extLst>
-  </p:cSld>
-  <p:clrMapOvr>
-    <a:masterClrMapping/>
-  </p:clrMapOvr>
-  <p:timing>
-    <p:tnLst>
-      <p:par>
-        <p:cTn id="1" dur="indefinite" restart="never" nodeType="tmRoot">
-          <p:childTnLst>
-            <p:seq concurrent="1" nextAc="seek">
-              <p:cTn id="2" dur="indefinite" nodeType="mainSeq">
-                <p:childTnLst>
-                  <p:par>
-                    <p:cTn id="3" fill="hold">
-                      <p:stCondLst>
-                        <p:cond delay="indefinite"/>
-                        <p:cond evt="onBegin" delay="0">
-                          <p:tn val="2"/>
-                        </p:cond>
-                      </p:stCondLst>
-                      <p:childTnLst>
-                        <p:par>
-                          <p:cTn id="4" fill="hold">
-                            <p:stCondLst>
-                              <p:cond delay="0"/>
-                            </p:stCondLst>
-                            <p:childTnLst>
-                              <p:par>
-                                <p:cTn id="5" presetID="8" presetClass="emph" presetSubtype="0" fill="hold" grpId="0" nodeType="withEffect">
-                                  <p:stCondLst>
-                                    <p:cond delay="0"/>
-                                  </p:stCondLst>
-                                  <p:childTnLst>
-                                    <p:animRot by="21600000">
-                                      <p:cBhvr>
-                                        <p:cTn id="6" dur="2000" fill="hold"/>
-                                        <p:tgtEl>
-                                          <p:spTgt spid="33"/>
-                                        </p:tgtEl>
-                                        <p:attrNameLst>
-                                          <p:attrName>r</p:attrName>
-                                        </p:attrNameLst>
-                                      </p:cBhvr>
-                                    </p:animRot>
-                                  </p:childTnLst>
-                                </p:cTn>
-                              </p:par>
-                            </p:childTnLst>
-                          </p:cTn>
-                        </p:par>
-                      </p:childTnLst>
-                    </p:cTn>
-                  </p:par>
-                </p:childTnLst>
-              </p:cTn>
-              <p:prevCondLst>
-                <p:cond evt="onPrev" delay="0">
-                  <p:tgtEl>
-                    <p:sldTgt/>
-                  </p:tgtEl>
-                </p:cond>
-              </p:prevCondLst>
-              <p:nextCondLst>
-                <p:cond evt="onNext" delay="0">
-                  <p:tgtEl>
-                    <p:sldTgt/>
-                  </p:tgtEl>
-                </p:cond>
-              </p:nextCondLst>
-            </p:seq>
-          </p:childTnLst>
-        </p:cTn>
-      </p:par>
-    </p:tnLst>
-    <p:bldLst>
-      <p:bldP spid="33" grpId="0" animBg="1"/>
+      <p:bldP spid="18" grpId="0" animBg="1"/>
+      <p:bldP spid="19" grpId="0" animBg="1"/>
     </p:bldLst>
   </p:timing>
 </p:sld>
 </file>
 
 <file path=ppt/slides/slide5.xml><?xml version="1.0" encoding="utf-8"?>
-<p:sld xmlns:a="http://schemas.openxmlformats.org/drawingml/2006/main" xmlns:r="http://schemas.openxmlformats.org/officeDocument/2006/relationships" xmlns:p="http://schemas.openxmlformats.org/presentationml/2006/main">
-  <p:cSld>
-    <p:spTree>
-      <p:nvGrpSpPr>
-        <p:cNvPr id="1" name=""/>
-        <p:cNvGrpSpPr/>
-        <p:nvPr/>
-      </p:nvGrpSpPr>
-      <p:grpSpPr>
-        <a:xfrm>
-          <a:off x="0" y="0"/>
-          <a:ext cx="0" cy="0"/>
-          <a:chOff x="0" y="0"/>
-          <a:chExt cx="0" cy="0"/>
-        </a:xfrm>
-      </p:grpSpPr>
-      <p:pic>
-        <p:nvPicPr>
-          <p:cNvPr id="2050" name="Picture 2" descr="y'all'd've | Whomst | Know Your Meme">
-            <a:extLst>
-              <a:ext uri="{FF2B5EF4-FFF2-40B4-BE49-F238E27FC236}">
-                <a16:creationId xmlns:a16="http://schemas.microsoft.com/office/drawing/2014/main" id="{8B8AE942-5C36-9EDC-6F61-34A6C52D2988}"/>
-              </a:ext>
-            </a:extLst>
-          </p:cNvPr>
-          <p:cNvPicPr>
-            <a:picLocks noChangeAspect="1" noChangeArrowheads="1"/>
-          </p:cNvPicPr>
-          <p:nvPr/>
-        </p:nvPicPr>
-        <p:blipFill>
-          <a:blip r:embed="rId3">
-            <a:extLst>
-              <a:ext uri="{28A0092B-C50C-407E-A947-70E740481C1C}">
-                <a14:useLocalDpi xmlns:a14="http://schemas.microsoft.com/office/drawing/2010/main" val="0"/>
-              </a:ext>
-            </a:extLst>
-          </a:blip>
-          <a:srcRect/>
-          <a:stretch>
-            <a:fillRect/>
-          </a:stretch>
-        </p:blipFill>
-        <p:spPr bwMode="auto">
-          <a:xfrm>
-            <a:off x="6537183" y="2447514"/>
-            <a:ext cx="3282682" cy="3902363"/>
-          </a:xfrm>
-          <a:prstGeom prst="rect">
-            <a:avLst/>
-          </a:prstGeom>
-          <a:noFill/>
-          <a:extLst>
-            <a:ext uri="{909E8E84-426E-40DD-AFC4-6F175D3DCCD1}">
-              <a14:hiddenFill xmlns:a14="http://schemas.microsoft.com/office/drawing/2010/main">
-                <a:solidFill>
-                  <a:srgbClr val="FFFFFF"/>
-                </a:solidFill>
-              </a14:hiddenFill>
-            </a:ext>
-          </a:extLst>
-        </p:spPr>
-      </p:pic>
-      <p:pic>
-        <p:nvPicPr>
-          <p:cNvPr id="7" name="Picture 6">
-            <a:extLst>
-              <a:ext uri="{FF2B5EF4-FFF2-40B4-BE49-F238E27FC236}">
-                <a16:creationId xmlns:a16="http://schemas.microsoft.com/office/drawing/2014/main" id="{DCF7CCAB-F2D0-7EB6-3F73-D22FF7883BDB}"/>
-              </a:ext>
-            </a:extLst>
-          </p:cNvPr>
-          <p:cNvPicPr>
-            <a:picLocks noChangeAspect="1"/>
-          </p:cNvPicPr>
-          <p:nvPr/>
-        </p:nvPicPr>
-        <p:blipFill>
-          <a:blip r:embed="rId4"/>
-          <a:stretch>
-            <a:fillRect/>
-          </a:stretch>
-        </p:blipFill>
-        <p:spPr>
-          <a:xfrm>
-            <a:off x="6537183" y="508123"/>
-            <a:ext cx="3619500" cy="657225"/>
-          </a:xfrm>
-          <a:prstGeom prst="rect">
-            <a:avLst/>
-          </a:prstGeom>
-        </p:spPr>
-      </p:pic>
-      <p:pic>
-        <p:nvPicPr>
-          <p:cNvPr id="9" name="Picture 8">
-            <a:extLst>
-              <a:ext uri="{FF2B5EF4-FFF2-40B4-BE49-F238E27FC236}">
-                <a16:creationId xmlns:a16="http://schemas.microsoft.com/office/drawing/2014/main" id="{612B09FE-6991-F72A-BF1B-749944D7802F}"/>
-              </a:ext>
-            </a:extLst>
-          </p:cNvPr>
-          <p:cNvPicPr>
-            <a:picLocks noChangeAspect="1"/>
-          </p:cNvPicPr>
-          <p:nvPr/>
-        </p:nvPicPr>
-        <p:blipFill>
-          <a:blip r:embed="rId5"/>
-          <a:stretch>
-            <a:fillRect/>
-          </a:stretch>
-        </p:blipFill>
-        <p:spPr>
-          <a:xfrm>
-            <a:off x="162646" y="376237"/>
-            <a:ext cx="6029325" cy="6105525"/>
-          </a:xfrm>
-          <a:prstGeom prst="rect">
-            <a:avLst/>
-          </a:prstGeom>
-        </p:spPr>
-      </p:pic>
-    </p:spTree>
-    <p:extLst>
-      <p:ext uri="{BB962C8B-B14F-4D97-AF65-F5344CB8AC3E}">
-        <p14:creationId xmlns:p14="http://schemas.microsoft.com/office/powerpoint/2010/main" val="2762688502"/>
-      </p:ext>
-    </p:extLst>
-  </p:cSld>
-  <p:clrMapOvr>
-    <a:masterClrMapping/>
-  </p:clrMapOvr>
-  <p:timing>
-    <p:tnLst>
-      <p:par>
-        <p:cTn id="1" dur="indefinite" restart="never" nodeType="tmRoot">
-          <p:childTnLst>
-            <p:seq concurrent="1" nextAc="seek">
-              <p:cTn id="2" dur="indefinite" nodeType="mainSeq">
-                <p:childTnLst>
-                  <p:par>
-                    <p:cTn id="3" fill="hold">
-                      <p:stCondLst>
-                        <p:cond delay="indefinite"/>
-                      </p:stCondLst>
-                      <p:childTnLst>
-                        <p:par>
-                          <p:cTn id="4" fill="hold">
-                            <p:stCondLst>
-                              <p:cond delay="0"/>
-                            </p:stCondLst>
-                            <p:childTnLst>
-                              <p:par>
-                                <p:cTn id="5" presetID="1" presetClass="entr" presetSubtype="0" fill="hold" nodeType="clickEffect">
-                                  <p:stCondLst>
-                                    <p:cond delay="0"/>
-                                  </p:stCondLst>
-                                  <p:childTnLst>
-                                    <p:set>
-                                      <p:cBhvr>
-                                        <p:cTn id="6" dur="1" fill="hold">
-                                          <p:stCondLst>
-                                            <p:cond delay="0"/>
-                                          </p:stCondLst>
-                                        </p:cTn>
-                                        <p:tgtEl>
-                                          <p:spTgt spid="2050"/>
-                                        </p:tgtEl>
-                                        <p:attrNameLst>
-                                          <p:attrName>style.visibility</p:attrName>
-                                        </p:attrNameLst>
-                                      </p:cBhvr>
-                                      <p:to>
-                                        <p:strVal val="visible"/>
-                                      </p:to>
-                                    </p:set>
-                                  </p:childTnLst>
-                                </p:cTn>
-                              </p:par>
-                            </p:childTnLst>
-                          </p:cTn>
-                        </p:par>
-                      </p:childTnLst>
-                    </p:cTn>
-                  </p:par>
-                </p:childTnLst>
-              </p:cTn>
-              <p:prevCondLst>
-                <p:cond evt="onPrev" delay="0">
-                  <p:tgtEl>
-                    <p:sldTgt/>
-                  </p:tgtEl>
-                </p:cond>
-              </p:prevCondLst>
-              <p:nextCondLst>
-                <p:cond evt="onNext" delay="0">
-                  <p:tgtEl>
-                    <p:sldTgt/>
-                  </p:tgtEl>
-                </p:cond>
-              </p:nextCondLst>
-            </p:seq>
-          </p:childTnLst>
-        </p:cTn>
-      </p:par>
-    </p:tnLst>
-  </p:timing>
-</p:sld>
-</file>
-
-<file path=ppt/slides/slide6.xml><?xml version="1.0" encoding="utf-8"?>
-<p:sld xmlns:a="http://schemas.openxmlformats.org/drawingml/2006/main" xmlns:r="http://schemas.openxmlformats.org/officeDocument/2006/relationships" xmlns:p="http://schemas.openxmlformats.org/presentationml/2006/main">
-  <p:cSld>
-    <p:spTree>
-      <p:nvGrpSpPr>
-        <p:cNvPr id="1" name=""/>
-        <p:cNvGrpSpPr/>
-        <p:nvPr/>
-      </p:nvGrpSpPr>
-      <p:grpSpPr>
-        <a:xfrm>
-          <a:off x="0" y="0"/>
-          <a:ext cx="0" cy="0"/>
-          <a:chOff x="0" y="0"/>
-          <a:chExt cx="0" cy="0"/>
-        </a:xfrm>
-      </p:grpSpPr>
-      <p:sp>
-        <p:nvSpPr>
-          <p:cNvPr id="8" name="Rectangle 7">
-            <a:extLst>
-              <a:ext uri="{FF2B5EF4-FFF2-40B4-BE49-F238E27FC236}">
-                <a16:creationId xmlns:a16="http://schemas.microsoft.com/office/drawing/2014/main" id="{91456AED-6181-E881-1F0E-6A7C5F7210E3}"/>
-              </a:ext>
-            </a:extLst>
-          </p:cNvPr>
-          <p:cNvSpPr/>
-          <p:nvPr/>
-        </p:nvSpPr>
-        <p:spPr>
-          <a:xfrm>
-            <a:off x="98611" y="152399"/>
-            <a:ext cx="5396753" cy="767322"/>
-          </a:xfrm>
-          <a:prstGeom prst="rect">
-            <a:avLst/>
-          </a:prstGeom>
-          <a:ln w="38100"/>
-        </p:spPr>
-        <p:style>
-          <a:lnRef idx="2">
-            <a:schemeClr val="accent1">
-              <a:shade val="50000"/>
-            </a:schemeClr>
-          </a:lnRef>
-          <a:fillRef idx="1">
-            <a:schemeClr val="accent1"/>
-          </a:fillRef>
-          <a:effectRef idx="0">
-            <a:schemeClr val="accent1"/>
-          </a:effectRef>
-          <a:fontRef idx="minor">
-            <a:schemeClr val="lt1"/>
-          </a:fontRef>
-        </p:style>
-        <p:txBody>
-          <a:bodyPr rtlCol="0" anchor="ctr"/>
-          <a:lstStyle/>
-          <a:p>
-            <a:pPr algn="ctr"/>
-            <a:r>
-              <a:rPr lang="en-CA" sz="6000" dirty="0"/>
-              <a:t>What time is it?</a:t>
-            </a:r>
-          </a:p>
-        </p:txBody>
-      </p:sp>
-      <p:sp>
-        <p:nvSpPr>
-          <p:cNvPr id="9" name="Rectangle 8">
-            <a:extLst>
-              <a:ext uri="{FF2B5EF4-FFF2-40B4-BE49-F238E27FC236}">
-                <a16:creationId xmlns:a16="http://schemas.microsoft.com/office/drawing/2014/main" id="{E33361B2-B7E2-FD3D-B953-26C17B08F370}"/>
-              </a:ext>
-            </a:extLst>
-          </p:cNvPr>
-          <p:cNvSpPr/>
-          <p:nvPr/>
-        </p:nvSpPr>
-        <p:spPr>
-          <a:xfrm>
-            <a:off x="98611" y="1228163"/>
-            <a:ext cx="3375853" cy="446416"/>
-          </a:xfrm>
-          <a:prstGeom prst="rect">
-            <a:avLst/>
-          </a:prstGeom>
-          <a:ln w="38100"/>
-        </p:spPr>
-        <p:style>
-          <a:lnRef idx="2">
-            <a:schemeClr val="accent2">
-              <a:shade val="50000"/>
-            </a:schemeClr>
-          </a:lnRef>
-          <a:fillRef idx="1">
-            <a:schemeClr val="accent2"/>
-          </a:fillRef>
-          <a:effectRef idx="0">
-            <a:schemeClr val="accent2"/>
-          </a:effectRef>
-          <a:fontRef idx="minor">
-            <a:schemeClr val="lt1"/>
-          </a:fontRef>
-        </p:style>
-        <p:txBody>
-          <a:bodyPr rtlCol="0" anchor="ctr"/>
-          <a:lstStyle/>
-          <a:p>
-            <a:pPr algn="ctr"/>
-            <a:r>
-              <a:rPr lang="en-CA" sz="2800" dirty="0"/>
-              <a:t>The current time is</a:t>
-            </a:r>
-          </a:p>
-        </p:txBody>
-      </p:sp>
-      <p:sp>
-        <p:nvSpPr>
-          <p:cNvPr id="10" name="Rectangle 9">
-            <a:extLst>
-              <a:ext uri="{FF2B5EF4-FFF2-40B4-BE49-F238E27FC236}">
-                <a16:creationId xmlns:a16="http://schemas.microsoft.com/office/drawing/2014/main" id="{221BDE15-A36B-50F6-4BDF-B3D4C4976567}"/>
-              </a:ext>
-            </a:extLst>
-          </p:cNvPr>
-          <p:cNvSpPr/>
-          <p:nvPr/>
-        </p:nvSpPr>
-        <p:spPr>
-          <a:xfrm>
-            <a:off x="3607332" y="1228163"/>
-            <a:ext cx="1359115" cy="446416"/>
-          </a:xfrm>
-          <a:prstGeom prst="rect">
-            <a:avLst/>
-          </a:prstGeom>
-          <a:ln w="38100"/>
-        </p:spPr>
-        <p:style>
-          <a:lnRef idx="2">
-            <a:schemeClr val="accent2">
-              <a:shade val="50000"/>
-            </a:schemeClr>
-          </a:lnRef>
-          <a:fillRef idx="1">
-            <a:schemeClr val="accent2"/>
-          </a:fillRef>
-          <a:effectRef idx="0">
-            <a:schemeClr val="accent2"/>
-          </a:effectRef>
-          <a:fontRef idx="minor">
-            <a:schemeClr val="lt1"/>
-          </a:fontRef>
-        </p:style>
-        <p:txBody>
-          <a:bodyPr rtlCol="0" anchor="ctr"/>
-          <a:lstStyle/>
-          <a:p>
-            <a:pPr algn="ctr"/>
-            <a:r>
-              <a:rPr lang="en-CA" sz="2800" dirty="0"/>
-              <a:t>[NOW()</a:t>
-            </a:r>
-          </a:p>
-        </p:txBody>
-      </p:sp>
-      <p:sp>
-        <p:nvSpPr>
-          <p:cNvPr id="11" name="Rectangle 10">
-            <a:extLst>
-              <a:ext uri="{FF2B5EF4-FFF2-40B4-BE49-F238E27FC236}">
-                <a16:creationId xmlns:a16="http://schemas.microsoft.com/office/drawing/2014/main" id="{E82ABF47-24EA-E24F-49FC-A1B5D5D43F2C}"/>
-              </a:ext>
-            </a:extLst>
-          </p:cNvPr>
-          <p:cNvSpPr/>
-          <p:nvPr/>
-        </p:nvSpPr>
-        <p:spPr>
-          <a:xfrm>
-            <a:off x="5792517" y="1228163"/>
-            <a:ext cx="3688658" cy="446416"/>
-          </a:xfrm>
-          <a:prstGeom prst="rect">
-            <a:avLst/>
-          </a:prstGeom>
-          <a:ln w="57150"/>
-        </p:spPr>
-        <p:style>
-          <a:lnRef idx="1">
-            <a:schemeClr val="dk1"/>
-          </a:lnRef>
-          <a:fillRef idx="2">
-            <a:schemeClr val="dk1"/>
-          </a:fillRef>
-          <a:effectRef idx="1">
-            <a:schemeClr val="dk1"/>
-          </a:effectRef>
-          <a:fontRef idx="minor">
-            <a:schemeClr val="dk1"/>
-          </a:fontRef>
-        </p:style>
-        <p:txBody>
-          <a:bodyPr rtlCol="0" anchor="ctr"/>
-          <a:lstStyle/>
-          <a:p>
-            <a:pPr algn="ctr"/>
-            <a:r>
-              <a:rPr lang="en-CA" sz="2800" dirty="0"/>
-              <a:t>2023-03-06 7:04 PM</a:t>
-            </a:r>
-          </a:p>
-        </p:txBody>
-      </p:sp>
-      <p:sp>
-        <p:nvSpPr>
-          <p:cNvPr id="12" name="Rectangle 11">
-            <a:extLst>
-              <a:ext uri="{FF2B5EF4-FFF2-40B4-BE49-F238E27FC236}">
-                <a16:creationId xmlns:a16="http://schemas.microsoft.com/office/drawing/2014/main" id="{75C4361F-61E0-0629-9F4B-BC69D1013C3A}"/>
-              </a:ext>
-            </a:extLst>
-          </p:cNvPr>
-          <p:cNvSpPr/>
-          <p:nvPr/>
-        </p:nvSpPr>
-        <p:spPr>
-          <a:xfrm>
-            <a:off x="10148047" y="1228163"/>
-            <a:ext cx="1909482" cy="446416"/>
-          </a:xfrm>
-          <a:prstGeom prst="rect">
-            <a:avLst/>
-          </a:prstGeom>
-          <a:ln w="38100"/>
-        </p:spPr>
-        <p:style>
-          <a:lnRef idx="2">
-            <a:schemeClr val="accent2">
-              <a:shade val="50000"/>
-            </a:schemeClr>
-          </a:lnRef>
-          <a:fillRef idx="1">
-            <a:schemeClr val="accent2"/>
-          </a:fillRef>
-          <a:effectRef idx="0">
-            <a:schemeClr val="accent2"/>
-          </a:effectRef>
-          <a:fontRef idx="minor">
-            <a:schemeClr val="lt1"/>
-          </a:fontRef>
-        </p:style>
-        <p:txBody>
-          <a:bodyPr rtlCol="0" anchor="ctr"/>
-          <a:lstStyle/>
-          <a:p>
-            <a:pPr algn="ctr"/>
-            <a:r>
-              <a:rPr lang="en-CA" sz="2800" dirty="0"/>
-              <a:t>7:04 PM.</a:t>
-            </a:r>
-          </a:p>
-        </p:txBody>
-      </p:sp>
-      <p:sp>
-        <p:nvSpPr>
-          <p:cNvPr id="13" name="Rectangle 12">
-            <a:extLst>
-              <a:ext uri="{FF2B5EF4-FFF2-40B4-BE49-F238E27FC236}">
-                <a16:creationId xmlns:a16="http://schemas.microsoft.com/office/drawing/2014/main" id="{B498BDFE-8D2E-BD66-16FC-167D71C14F41}"/>
-              </a:ext>
-            </a:extLst>
-          </p:cNvPr>
-          <p:cNvSpPr/>
-          <p:nvPr/>
-        </p:nvSpPr>
-        <p:spPr>
-          <a:xfrm>
-            <a:off x="9614043" y="1228163"/>
-            <a:ext cx="401136" cy="446416"/>
-          </a:xfrm>
-          <a:prstGeom prst="rect">
-            <a:avLst/>
-          </a:prstGeom>
-          <a:ln w="38100"/>
-        </p:spPr>
-        <p:style>
-          <a:lnRef idx="2">
-            <a:schemeClr val="accent2">
-              <a:shade val="50000"/>
-            </a:schemeClr>
-          </a:lnRef>
-          <a:fillRef idx="1">
-            <a:schemeClr val="accent2"/>
-          </a:fillRef>
-          <a:effectRef idx="0">
-            <a:schemeClr val="accent2"/>
-          </a:effectRef>
-          <a:fontRef idx="minor">
-            <a:schemeClr val="lt1"/>
-          </a:fontRef>
-        </p:style>
-        <p:txBody>
-          <a:bodyPr rtlCol="0" anchor="ctr"/>
-          <a:lstStyle/>
-          <a:p>
-            <a:pPr algn="ctr"/>
-            <a:r>
-              <a:rPr lang="en-CA" sz="2800" dirty="0"/>
-              <a:t>]</a:t>
-            </a:r>
-          </a:p>
-        </p:txBody>
-      </p:sp>
-      <p:sp>
-        <p:nvSpPr>
-          <p:cNvPr id="14" name="Rectangle 13">
-            <a:extLst>
-              <a:ext uri="{FF2B5EF4-FFF2-40B4-BE49-F238E27FC236}">
-                <a16:creationId xmlns:a16="http://schemas.microsoft.com/office/drawing/2014/main" id="{554C134F-29C4-F388-79A6-6F2DFDC9D729}"/>
-              </a:ext>
-            </a:extLst>
-          </p:cNvPr>
-          <p:cNvSpPr/>
-          <p:nvPr/>
-        </p:nvSpPr>
-        <p:spPr>
-          <a:xfrm>
-            <a:off x="3101788" y="3652209"/>
-            <a:ext cx="3375853" cy="446416"/>
-          </a:xfrm>
-          <a:prstGeom prst="rect">
-            <a:avLst/>
-          </a:prstGeom>
-          <a:ln w="38100"/>
-        </p:spPr>
-        <p:style>
-          <a:lnRef idx="2">
-            <a:schemeClr val="accent2">
-              <a:shade val="50000"/>
-            </a:schemeClr>
-          </a:lnRef>
-          <a:fillRef idx="1">
-            <a:schemeClr val="accent2"/>
-          </a:fillRef>
-          <a:effectRef idx="0">
-            <a:schemeClr val="accent2"/>
-          </a:effectRef>
-          <a:fontRef idx="minor">
-            <a:schemeClr val="lt1"/>
-          </a:fontRef>
-        </p:style>
-        <p:txBody>
-          <a:bodyPr rtlCol="0" anchor="ctr"/>
-          <a:lstStyle/>
-          <a:p>
-            <a:pPr algn="ctr"/>
-            <a:r>
-              <a:rPr lang="en-CA" sz="2800" dirty="0"/>
-              <a:t>The current time is</a:t>
-            </a:r>
-          </a:p>
-        </p:txBody>
-      </p:sp>
-      <p:sp>
-        <p:nvSpPr>
-          <p:cNvPr id="15" name="Rectangle 14">
-            <a:extLst>
-              <a:ext uri="{FF2B5EF4-FFF2-40B4-BE49-F238E27FC236}">
-                <a16:creationId xmlns:a16="http://schemas.microsoft.com/office/drawing/2014/main" id="{53871CBF-8BD0-0464-708D-6843FCA1467F}"/>
-              </a:ext>
-            </a:extLst>
-          </p:cNvPr>
-          <p:cNvSpPr/>
-          <p:nvPr/>
-        </p:nvSpPr>
-        <p:spPr>
-          <a:xfrm>
-            <a:off x="6606989" y="3652209"/>
-            <a:ext cx="1909482" cy="446416"/>
-          </a:xfrm>
-          <a:prstGeom prst="rect">
-            <a:avLst/>
-          </a:prstGeom>
-          <a:ln w="38100"/>
-        </p:spPr>
-        <p:style>
-          <a:lnRef idx="2">
-            <a:schemeClr val="accent2">
-              <a:shade val="50000"/>
-            </a:schemeClr>
-          </a:lnRef>
-          <a:fillRef idx="1">
-            <a:schemeClr val="accent2"/>
-          </a:fillRef>
-          <a:effectRef idx="0">
-            <a:schemeClr val="accent2"/>
-          </a:effectRef>
-          <a:fontRef idx="minor">
-            <a:schemeClr val="lt1"/>
-          </a:fontRef>
-        </p:style>
-        <p:txBody>
-          <a:bodyPr rtlCol="0" anchor="ctr"/>
-          <a:lstStyle/>
-          <a:p>
-            <a:pPr algn="ctr"/>
-            <a:r>
-              <a:rPr lang="en-CA" sz="2800" dirty="0"/>
-              <a:t>7:04 PM.</a:t>
-            </a:r>
-          </a:p>
-        </p:txBody>
-      </p:sp>
-      <p:sp>
-        <p:nvSpPr>
-          <p:cNvPr id="3" name="Arrow: Down 2">
-            <a:extLst>
-              <a:ext uri="{FF2B5EF4-FFF2-40B4-BE49-F238E27FC236}">
-                <a16:creationId xmlns:a16="http://schemas.microsoft.com/office/drawing/2014/main" id="{6B69CDA6-ECDF-0044-3EA4-899F3B5C7399}"/>
-              </a:ext>
-            </a:extLst>
-          </p:cNvPr>
-          <p:cNvSpPr/>
-          <p:nvPr/>
-        </p:nvSpPr>
-        <p:spPr>
-          <a:xfrm>
-            <a:off x="5495364" y="2259106"/>
-            <a:ext cx="681318" cy="946685"/>
-          </a:xfrm>
-          <a:prstGeom prst="downArrow">
-            <a:avLst/>
-          </a:prstGeom>
-        </p:spPr>
-        <p:style>
-          <a:lnRef idx="2">
-            <a:schemeClr val="dk1">
-              <a:shade val="50000"/>
-            </a:schemeClr>
-          </a:lnRef>
-          <a:fillRef idx="1">
-            <a:schemeClr val="dk1"/>
-          </a:fillRef>
-          <a:effectRef idx="0">
-            <a:schemeClr val="dk1"/>
-          </a:effectRef>
-          <a:fontRef idx="minor">
-            <a:schemeClr val="lt1"/>
-          </a:fontRef>
-        </p:style>
-        <p:txBody>
-          <a:bodyPr rtlCol="0" anchor="ctr"/>
-          <a:lstStyle/>
-          <a:p>
-            <a:pPr algn="ctr"/>
-            <a:endParaRPr lang="en-CA"/>
-          </a:p>
-        </p:txBody>
-      </p:sp>
-      <p:sp>
-        <p:nvSpPr>
-          <p:cNvPr id="5" name="Rectangle 4">
-            <a:extLst>
-              <a:ext uri="{FF2B5EF4-FFF2-40B4-BE49-F238E27FC236}">
-                <a16:creationId xmlns:a16="http://schemas.microsoft.com/office/drawing/2014/main" id="{3EA0104C-7CDB-3A79-DA6F-50940724A6A2}"/>
-              </a:ext>
-            </a:extLst>
-          </p:cNvPr>
-          <p:cNvSpPr/>
-          <p:nvPr/>
-        </p:nvSpPr>
-        <p:spPr>
-          <a:xfrm>
-            <a:off x="5099315" y="1228163"/>
-            <a:ext cx="546689" cy="446416"/>
-          </a:xfrm>
-          <a:prstGeom prst="rect">
-            <a:avLst/>
-          </a:prstGeom>
-          <a:ln w="38100"/>
-        </p:spPr>
-        <p:style>
-          <a:lnRef idx="2">
-            <a:schemeClr val="accent2">
-              <a:shade val="50000"/>
-            </a:schemeClr>
-          </a:lnRef>
-          <a:fillRef idx="1">
-            <a:schemeClr val="accent2"/>
-          </a:fillRef>
-          <a:effectRef idx="0">
-            <a:schemeClr val="accent2"/>
-          </a:effectRef>
-          <a:fontRef idx="minor">
-            <a:schemeClr val="lt1"/>
-          </a:fontRef>
-        </p:style>
-        <p:txBody>
-          <a:bodyPr rtlCol="0" anchor="ctr"/>
-          <a:lstStyle/>
-          <a:p>
-            <a:pPr algn="ctr"/>
-            <a:r>
-              <a:rPr lang="en-CA" sz="2800" dirty="0"/>
-              <a:t>-&gt;</a:t>
-            </a:r>
-          </a:p>
-        </p:txBody>
-      </p:sp>
-      <p:sp>
-        <p:nvSpPr>
-          <p:cNvPr id="6" name="TextBox 5">
-            <a:extLst>
-              <a:ext uri="{FF2B5EF4-FFF2-40B4-BE49-F238E27FC236}">
-                <a16:creationId xmlns:a16="http://schemas.microsoft.com/office/drawing/2014/main" id="{4F443241-FFE3-2B00-9C29-EF58356726CB}"/>
-              </a:ext>
-            </a:extLst>
-          </p:cNvPr>
-          <p:cNvSpPr txBox="1"/>
-          <p:nvPr/>
-        </p:nvSpPr>
-        <p:spPr>
-          <a:xfrm>
-            <a:off x="3700682" y="3244334"/>
-            <a:ext cx="6113929" cy="369332"/>
-          </a:xfrm>
-          <a:prstGeom prst="rect">
-            <a:avLst/>
-          </a:prstGeom>
-          <a:noFill/>
-        </p:spPr>
-        <p:txBody>
-          <a:bodyPr wrap="square" rtlCol="0">
-            <a:spAutoFit/>
-          </a:bodyPr>
-          <a:lstStyle/>
-          <a:p>
-            <a:r>
-              <a:rPr lang="en-CA" dirty="0"/>
-              <a:t>Treat it as markup and hide the function calls</a:t>
-            </a:r>
-          </a:p>
-        </p:txBody>
-      </p:sp>
-      <p:sp>
-        <p:nvSpPr>
-          <p:cNvPr id="7" name="TextBox 6">
-            <a:extLst>
-              <a:ext uri="{FF2B5EF4-FFF2-40B4-BE49-F238E27FC236}">
-                <a16:creationId xmlns:a16="http://schemas.microsoft.com/office/drawing/2014/main" id="{F12457E1-BDD3-87F6-9110-1999782AB09D}"/>
-              </a:ext>
-            </a:extLst>
-          </p:cNvPr>
-          <p:cNvSpPr txBox="1"/>
-          <p:nvPr/>
-        </p:nvSpPr>
-        <p:spPr>
-          <a:xfrm>
-            <a:off x="3153834" y="4590880"/>
-            <a:ext cx="6113929" cy="369332"/>
-          </a:xfrm>
-          <a:prstGeom prst="rect">
-            <a:avLst/>
-          </a:prstGeom>
-          <a:noFill/>
-        </p:spPr>
-        <p:txBody>
-          <a:bodyPr wrap="square" rtlCol="0">
-            <a:spAutoFit/>
-          </a:bodyPr>
-          <a:lstStyle/>
-          <a:p>
-            <a:r>
-              <a:rPr lang="en-CA" dirty="0"/>
-              <a:t>Seeing the function calls is neat </a:t>
-            </a:r>
-            <a:r>
-              <a:rPr lang="en-CA" dirty="0" err="1"/>
-              <a:t>tho</a:t>
-            </a:r>
-            <a:r>
-              <a:rPr lang="en-CA" dirty="0"/>
-              <a:t>, so maybe a symbol?</a:t>
-            </a:r>
-          </a:p>
-        </p:txBody>
-      </p:sp>
-      <p:sp>
-        <p:nvSpPr>
-          <p:cNvPr id="16" name="Rectangle 15">
-            <a:extLst>
-              <a:ext uri="{FF2B5EF4-FFF2-40B4-BE49-F238E27FC236}">
-                <a16:creationId xmlns:a16="http://schemas.microsoft.com/office/drawing/2014/main" id="{C5771A80-E751-CC42-7983-AA70B88037C1}"/>
-              </a:ext>
-            </a:extLst>
-          </p:cNvPr>
-          <p:cNvSpPr/>
-          <p:nvPr/>
-        </p:nvSpPr>
-        <p:spPr>
-          <a:xfrm>
-            <a:off x="2388009" y="5137841"/>
-            <a:ext cx="3375853" cy="446416"/>
-          </a:xfrm>
-          <a:prstGeom prst="rect">
-            <a:avLst/>
-          </a:prstGeom>
-          <a:ln w="38100"/>
-        </p:spPr>
-        <p:style>
-          <a:lnRef idx="2">
-            <a:schemeClr val="accent2">
-              <a:shade val="50000"/>
-            </a:schemeClr>
-          </a:lnRef>
-          <a:fillRef idx="1">
-            <a:schemeClr val="accent2"/>
-          </a:fillRef>
-          <a:effectRef idx="0">
-            <a:schemeClr val="accent2"/>
-          </a:effectRef>
-          <a:fontRef idx="minor">
-            <a:schemeClr val="lt1"/>
-          </a:fontRef>
-        </p:style>
-        <p:txBody>
-          <a:bodyPr rtlCol="0" anchor="ctr"/>
-          <a:lstStyle/>
-          <a:p>
-            <a:pPr algn="ctr"/>
-            <a:r>
-              <a:rPr lang="en-CA" sz="2800" dirty="0"/>
-              <a:t>The current time is</a:t>
-            </a:r>
-          </a:p>
-        </p:txBody>
-      </p:sp>
-      <p:sp>
-        <p:nvSpPr>
-          <p:cNvPr id="17" name="Rectangle 16">
-            <a:extLst>
-              <a:ext uri="{FF2B5EF4-FFF2-40B4-BE49-F238E27FC236}">
-                <a16:creationId xmlns:a16="http://schemas.microsoft.com/office/drawing/2014/main" id="{5CA58DE2-275C-AA3A-F261-1E13B98A1932}"/>
-              </a:ext>
-            </a:extLst>
-          </p:cNvPr>
-          <p:cNvSpPr/>
-          <p:nvPr/>
-        </p:nvSpPr>
-        <p:spPr>
-          <a:xfrm>
-            <a:off x="6682105" y="5117067"/>
-            <a:ext cx="1909482" cy="446416"/>
-          </a:xfrm>
-          <a:prstGeom prst="rect">
-            <a:avLst/>
-          </a:prstGeom>
-          <a:ln w="38100"/>
-        </p:spPr>
-        <p:style>
-          <a:lnRef idx="2">
-            <a:schemeClr val="accent2">
-              <a:shade val="50000"/>
-            </a:schemeClr>
-          </a:lnRef>
-          <a:fillRef idx="1">
-            <a:schemeClr val="accent2"/>
-          </a:fillRef>
-          <a:effectRef idx="0">
-            <a:schemeClr val="accent2"/>
-          </a:effectRef>
-          <a:fontRef idx="minor">
-            <a:schemeClr val="lt1"/>
-          </a:fontRef>
-        </p:style>
-        <p:txBody>
-          <a:bodyPr rtlCol="0" anchor="ctr"/>
-          <a:lstStyle/>
-          <a:p>
-            <a:pPr algn="ctr"/>
-            <a:r>
-              <a:rPr lang="en-CA" sz="2800" dirty="0"/>
-              <a:t>7:04 PM.</a:t>
-            </a:r>
-          </a:p>
-        </p:txBody>
-      </p:sp>
-      <p:sp>
-        <p:nvSpPr>
-          <p:cNvPr id="18" name="Rectangle 17">
-            <a:extLst>
-              <a:ext uri="{FF2B5EF4-FFF2-40B4-BE49-F238E27FC236}">
-                <a16:creationId xmlns:a16="http://schemas.microsoft.com/office/drawing/2014/main" id="{73EFD9C9-9FEC-E408-0655-B1495063B3EE}"/>
-              </a:ext>
-            </a:extLst>
-          </p:cNvPr>
-          <p:cNvSpPr/>
-          <p:nvPr/>
-        </p:nvSpPr>
-        <p:spPr>
-          <a:xfrm>
-            <a:off x="5889812" y="5137841"/>
-            <a:ext cx="639875" cy="446416"/>
-          </a:xfrm>
-          <a:prstGeom prst="rect">
-            <a:avLst/>
-          </a:prstGeom>
-          <a:ln w="38100"/>
-        </p:spPr>
-        <p:style>
-          <a:lnRef idx="2">
-            <a:schemeClr val="accent2">
-              <a:shade val="50000"/>
-            </a:schemeClr>
-          </a:lnRef>
-          <a:fillRef idx="1">
-            <a:schemeClr val="accent2"/>
-          </a:fillRef>
-          <a:effectRef idx="0">
-            <a:schemeClr val="accent2"/>
-          </a:effectRef>
-          <a:fontRef idx="minor">
-            <a:schemeClr val="lt1"/>
-          </a:fontRef>
-        </p:style>
-        <p:txBody>
-          <a:bodyPr rtlCol="0" anchor="ctr"/>
-          <a:lstStyle/>
-          <a:p>
-            <a:pPr algn="ctr"/>
-            <a:r>
-              <a:rPr lang="el-GR" sz="2800" b="1" i="0" dirty="0">
-                <a:solidFill>
-                  <a:srgbClr val="202122"/>
-                </a:solidFill>
-                <a:effectLst/>
-                <a:latin typeface="Arial" panose="020B0604020202020204" pitchFamily="34" charset="0"/>
-              </a:rPr>
-              <a:t>λ</a:t>
-            </a:r>
-            <a:endParaRPr lang="en-CA" sz="2800" dirty="0"/>
-          </a:p>
-        </p:txBody>
-      </p:sp>
-    </p:spTree>
-    <p:extLst>
-      <p:ext uri="{BB962C8B-B14F-4D97-AF65-F5344CB8AC3E}">
-        <p14:creationId xmlns:p14="http://schemas.microsoft.com/office/powerpoint/2010/main" val="1775596558"/>
-      </p:ext>
-    </p:extLst>
-  </p:cSld>
-  <p:clrMapOvr>
-    <a:masterClrMapping/>
-  </p:clrMapOvr>
-</p:sld>
-</file>
-
-<file path=ppt/slides/slide7.xml><?xml version="1.0" encoding="utf-8"?>
-<p:sld xmlns:a="http://schemas.openxmlformats.org/drawingml/2006/main" xmlns:r="http://schemas.openxmlformats.org/officeDocument/2006/relationships" xmlns:p="http://schemas.openxmlformats.org/presentationml/2006/main">
-  <p:cSld>
-    <p:spTree>
-      <p:nvGrpSpPr>
-        <p:cNvPr id="1" name=""/>
-        <p:cNvGrpSpPr/>
-        <p:nvPr/>
-      </p:nvGrpSpPr>
-      <p:grpSpPr>
-        <a:xfrm>
-          <a:off x="0" y="0"/>
-          <a:ext cx="0" cy="0"/>
-          <a:chOff x="0" y="0"/>
-          <a:chExt cx="0" cy="0"/>
-        </a:xfrm>
-      </p:grpSpPr>
-      <p:sp>
-        <p:nvSpPr>
-          <p:cNvPr id="4" name="Rectangle 3">
-            <a:extLst>
-              <a:ext uri="{FF2B5EF4-FFF2-40B4-BE49-F238E27FC236}">
-                <a16:creationId xmlns:a16="http://schemas.microsoft.com/office/drawing/2014/main" id="{AF0F2078-C433-C55E-DE48-B662AE1CD0FA}"/>
-              </a:ext>
-            </a:extLst>
-          </p:cNvPr>
-          <p:cNvSpPr/>
-          <p:nvPr/>
-        </p:nvSpPr>
-        <p:spPr>
-          <a:xfrm>
-            <a:off x="3260035" y="1709528"/>
-            <a:ext cx="5098774" cy="1023736"/>
-          </a:xfrm>
-          <a:prstGeom prst="rect">
-            <a:avLst/>
-          </a:prstGeom>
-        </p:spPr>
-        <p:style>
-          <a:lnRef idx="2">
-            <a:schemeClr val="accent1">
-              <a:shade val="50000"/>
-            </a:schemeClr>
-          </a:lnRef>
-          <a:fillRef idx="1">
-            <a:schemeClr val="accent1"/>
-          </a:fillRef>
-          <a:effectRef idx="0">
-            <a:schemeClr val="accent1"/>
-          </a:effectRef>
-          <a:fontRef idx="minor">
-            <a:schemeClr val="lt1"/>
-          </a:fontRef>
-        </p:style>
-        <p:txBody>
-          <a:bodyPr rtlCol="0" anchor="ctr"/>
-          <a:lstStyle/>
-          <a:p>
-            <a:pPr algn="ctr"/>
-            <a:r>
-              <a:rPr lang="en-CA" dirty="0"/>
-              <a:t>HEADER WITH EXAMPLES</a:t>
-            </a:r>
-          </a:p>
-        </p:txBody>
-      </p:sp>
-      <p:sp>
-        <p:nvSpPr>
-          <p:cNvPr id="6" name="Rectangle 5">
-            <a:extLst>
-              <a:ext uri="{FF2B5EF4-FFF2-40B4-BE49-F238E27FC236}">
-                <a16:creationId xmlns:a16="http://schemas.microsoft.com/office/drawing/2014/main" id="{C3D07866-855B-B578-D12E-400BDBEB9FDD}"/>
-              </a:ext>
-            </a:extLst>
-          </p:cNvPr>
-          <p:cNvSpPr/>
-          <p:nvPr/>
-        </p:nvSpPr>
-        <p:spPr>
-          <a:xfrm>
-            <a:off x="3260035" y="2991675"/>
-            <a:ext cx="5098774" cy="1023736"/>
-          </a:xfrm>
-          <a:prstGeom prst="rect">
-            <a:avLst/>
-          </a:prstGeom>
-        </p:spPr>
-        <p:style>
-          <a:lnRef idx="2">
-            <a:schemeClr val="accent1">
-              <a:shade val="50000"/>
-            </a:schemeClr>
-          </a:lnRef>
-          <a:fillRef idx="1">
-            <a:schemeClr val="accent1"/>
-          </a:fillRef>
-          <a:effectRef idx="0">
-            <a:schemeClr val="accent1"/>
-          </a:effectRef>
-          <a:fontRef idx="minor">
-            <a:schemeClr val="lt1"/>
-          </a:fontRef>
-        </p:style>
-        <p:txBody>
-          <a:bodyPr rtlCol="0" anchor="ctr"/>
-          <a:lstStyle/>
-          <a:p>
-            <a:pPr algn="ctr"/>
-            <a:r>
-              <a:rPr lang="en-CA" dirty="0"/>
-              <a:t>CONVERSATION HISTORY</a:t>
-            </a:r>
-          </a:p>
-        </p:txBody>
-      </p:sp>
-      <p:sp>
-        <p:nvSpPr>
-          <p:cNvPr id="7" name="Rectangle 6">
-            <a:extLst>
-              <a:ext uri="{FF2B5EF4-FFF2-40B4-BE49-F238E27FC236}">
-                <a16:creationId xmlns:a16="http://schemas.microsoft.com/office/drawing/2014/main" id="{EE917F46-25E1-4E23-C885-FBE98283426E}"/>
-              </a:ext>
-            </a:extLst>
-          </p:cNvPr>
-          <p:cNvSpPr/>
-          <p:nvPr/>
-        </p:nvSpPr>
-        <p:spPr>
-          <a:xfrm>
-            <a:off x="3260035" y="4273822"/>
-            <a:ext cx="5098774" cy="1023736"/>
-          </a:xfrm>
-          <a:prstGeom prst="rect">
-            <a:avLst/>
-          </a:prstGeom>
-        </p:spPr>
-        <p:style>
-          <a:lnRef idx="2">
-            <a:schemeClr val="accent1">
-              <a:shade val="50000"/>
-            </a:schemeClr>
-          </a:lnRef>
-          <a:fillRef idx="1">
-            <a:schemeClr val="accent1"/>
-          </a:fillRef>
-          <a:effectRef idx="0">
-            <a:schemeClr val="accent1"/>
-          </a:effectRef>
-          <a:fontRef idx="minor">
-            <a:schemeClr val="lt1"/>
-          </a:fontRef>
-        </p:style>
-        <p:txBody>
-          <a:bodyPr rtlCol="0" anchor="ctr"/>
-          <a:lstStyle/>
-          <a:p>
-            <a:pPr algn="ctr"/>
-            <a:r>
-              <a:rPr lang="en-CA" dirty="0"/>
-              <a:t>LATEST INPUT</a:t>
-            </a:r>
-          </a:p>
-        </p:txBody>
-      </p:sp>
-      <p:sp>
-        <p:nvSpPr>
-          <p:cNvPr id="8" name="Rectangle 7">
-            <a:extLst>
-              <a:ext uri="{FF2B5EF4-FFF2-40B4-BE49-F238E27FC236}">
-                <a16:creationId xmlns:a16="http://schemas.microsoft.com/office/drawing/2014/main" id="{6C289FBA-EE0D-4A52-2EEF-332C5CAC7314}"/>
-              </a:ext>
-            </a:extLst>
-          </p:cNvPr>
-          <p:cNvSpPr/>
-          <p:nvPr/>
-        </p:nvSpPr>
-        <p:spPr>
-          <a:xfrm>
-            <a:off x="3260035" y="5555969"/>
-            <a:ext cx="5098774" cy="1023736"/>
-          </a:xfrm>
-          <a:prstGeom prst="rect">
-            <a:avLst/>
-          </a:prstGeom>
-        </p:spPr>
-        <p:style>
-          <a:lnRef idx="2">
-            <a:schemeClr val="accent1">
-              <a:shade val="50000"/>
-            </a:schemeClr>
-          </a:lnRef>
-          <a:fillRef idx="1">
-            <a:schemeClr val="accent1"/>
-          </a:fillRef>
-          <a:effectRef idx="0">
-            <a:schemeClr val="accent1"/>
-          </a:effectRef>
-          <a:fontRef idx="minor">
-            <a:schemeClr val="lt1"/>
-          </a:fontRef>
-        </p:style>
-        <p:txBody>
-          <a:bodyPr rtlCol="0" anchor="ctr"/>
-          <a:lstStyle/>
-          <a:p>
-            <a:pPr algn="ctr"/>
-            <a:r>
-              <a:rPr lang="en-CA" dirty="0"/>
-              <a:t>SPEAKER IDENTIFIER</a:t>
-            </a:r>
-          </a:p>
-        </p:txBody>
-      </p:sp>
-      <p:sp>
-        <p:nvSpPr>
-          <p:cNvPr id="5" name="Title 1">
-            <a:extLst>
-              <a:ext uri="{FF2B5EF4-FFF2-40B4-BE49-F238E27FC236}">
-                <a16:creationId xmlns:a16="http://schemas.microsoft.com/office/drawing/2014/main" id="{D06A40E9-D929-1267-9C8D-69E538E23853}"/>
-              </a:ext>
-            </a:extLst>
-          </p:cNvPr>
-          <p:cNvSpPr>
-            <a:spLocks noGrp="1"/>
-          </p:cNvSpPr>
-          <p:nvPr>
-            <p:ph type="title"/>
-          </p:nvPr>
-        </p:nvSpPr>
-        <p:spPr>
-          <a:xfrm>
-            <a:off x="838200" y="365125"/>
-            <a:ext cx="10515600" cy="1325563"/>
-          </a:xfrm>
-        </p:spPr>
-        <p:txBody>
-          <a:bodyPr/>
-          <a:lstStyle/>
-          <a:p>
-            <a:r>
-              <a:rPr lang="en-CA" dirty="0"/>
-              <a:t>In practice</a:t>
-            </a:r>
-          </a:p>
-        </p:txBody>
-      </p:sp>
-    </p:spTree>
-    <p:extLst>
-      <p:ext uri="{BB962C8B-B14F-4D97-AF65-F5344CB8AC3E}">
-        <p14:creationId xmlns:p14="http://schemas.microsoft.com/office/powerpoint/2010/main" val="288405670"/>
-      </p:ext>
-    </p:extLst>
-  </p:cSld>
-  <p:clrMapOvr>
-    <a:masterClrMapping/>
-  </p:clrMapOvr>
-</p:sld>
-</file>
-
-<file path=ppt/slides/slide8.xml><?xml version="1.0" encoding="utf-8"?>
-<p:sld xmlns:a="http://schemas.openxmlformats.org/drawingml/2006/main" xmlns:r="http://schemas.openxmlformats.org/officeDocument/2006/relationships" xmlns:p="http://schemas.openxmlformats.org/presentationml/2006/main">
-  <p:cSld>
-    <p:spTree>
-      <p:nvGrpSpPr>
-        <p:cNvPr id="1" name=""/>
-        <p:cNvGrpSpPr/>
-        <p:nvPr/>
-      </p:nvGrpSpPr>
-      <p:grpSpPr>
-        <a:xfrm>
-          <a:off x="0" y="0"/>
-          <a:ext cx="0" cy="0"/>
-          <a:chOff x="0" y="0"/>
-          <a:chExt cx="0" cy="0"/>
-        </a:xfrm>
-      </p:grpSpPr>
-      <p:sp>
-        <p:nvSpPr>
-          <p:cNvPr id="4" name="Rectangle 3">
-            <a:extLst>
-              <a:ext uri="{FF2B5EF4-FFF2-40B4-BE49-F238E27FC236}">
-                <a16:creationId xmlns:a16="http://schemas.microsoft.com/office/drawing/2014/main" id="{AF0F2078-C433-C55E-DE48-B662AE1CD0FA}"/>
-              </a:ext>
-            </a:extLst>
-          </p:cNvPr>
-          <p:cNvSpPr/>
-          <p:nvPr/>
-        </p:nvSpPr>
-        <p:spPr>
-          <a:xfrm>
-            <a:off x="327991" y="68783"/>
-            <a:ext cx="5098774" cy="4011230"/>
-          </a:xfrm>
-          <a:prstGeom prst="rect">
-            <a:avLst/>
-          </a:prstGeom>
-        </p:spPr>
-        <p:style>
-          <a:lnRef idx="2">
-            <a:schemeClr val="accent1">
-              <a:shade val="50000"/>
-            </a:schemeClr>
-          </a:lnRef>
-          <a:fillRef idx="1">
-            <a:schemeClr val="accent1"/>
-          </a:fillRef>
-          <a:effectRef idx="0">
-            <a:schemeClr val="accent1"/>
-          </a:effectRef>
-          <a:fontRef idx="minor">
-            <a:schemeClr val="lt1"/>
-          </a:fontRef>
-        </p:style>
-        <p:txBody>
-          <a:bodyPr rtlCol="0" anchor="ctr"/>
-          <a:lstStyle/>
-          <a:p>
-            <a:pPr algn="ctr"/>
-            <a:r>
-              <a:rPr lang="en-CA" dirty="0"/>
-              <a:t>HEADER WITH EXAMPLES</a:t>
-            </a:r>
-          </a:p>
-        </p:txBody>
-      </p:sp>
-      <p:sp>
-        <p:nvSpPr>
-          <p:cNvPr id="6" name="Rectangle 5">
-            <a:extLst>
-              <a:ext uri="{FF2B5EF4-FFF2-40B4-BE49-F238E27FC236}">
-                <a16:creationId xmlns:a16="http://schemas.microsoft.com/office/drawing/2014/main" id="{C3D07866-855B-B578-D12E-400BDBEB9FDD}"/>
-              </a:ext>
-            </a:extLst>
-          </p:cNvPr>
-          <p:cNvSpPr/>
-          <p:nvPr/>
-        </p:nvSpPr>
-        <p:spPr>
-          <a:xfrm>
-            <a:off x="327991" y="4294598"/>
-            <a:ext cx="5098774" cy="938354"/>
-          </a:xfrm>
-          <a:prstGeom prst="rect">
-            <a:avLst/>
-          </a:prstGeom>
-        </p:spPr>
-        <p:style>
-          <a:lnRef idx="2">
-            <a:schemeClr val="accent1">
-              <a:shade val="50000"/>
-            </a:schemeClr>
-          </a:lnRef>
-          <a:fillRef idx="1">
-            <a:schemeClr val="accent1"/>
-          </a:fillRef>
-          <a:effectRef idx="0">
-            <a:schemeClr val="accent1"/>
-          </a:effectRef>
-          <a:fontRef idx="minor">
-            <a:schemeClr val="lt1"/>
-          </a:fontRef>
-        </p:style>
-        <p:txBody>
-          <a:bodyPr rtlCol="0" anchor="ctr"/>
-          <a:lstStyle/>
-          <a:p>
-            <a:pPr algn="ctr"/>
-            <a:r>
-              <a:rPr lang="en-CA" dirty="0"/>
-              <a:t>CONVERSATION HISTORY</a:t>
-            </a:r>
-          </a:p>
-        </p:txBody>
-      </p:sp>
-      <p:sp>
-        <p:nvSpPr>
-          <p:cNvPr id="7" name="Rectangle 6">
-            <a:extLst>
-              <a:ext uri="{FF2B5EF4-FFF2-40B4-BE49-F238E27FC236}">
-                <a16:creationId xmlns:a16="http://schemas.microsoft.com/office/drawing/2014/main" id="{EE917F46-25E1-4E23-C885-FBE98283426E}"/>
-              </a:ext>
-            </a:extLst>
-          </p:cNvPr>
-          <p:cNvSpPr/>
-          <p:nvPr/>
-        </p:nvSpPr>
-        <p:spPr>
-          <a:xfrm>
-            <a:off x="327991" y="5317656"/>
-            <a:ext cx="5098774" cy="271485"/>
-          </a:xfrm>
-          <a:prstGeom prst="rect">
-            <a:avLst/>
-          </a:prstGeom>
-        </p:spPr>
-        <p:style>
-          <a:lnRef idx="2">
-            <a:schemeClr val="accent1">
-              <a:shade val="50000"/>
-            </a:schemeClr>
-          </a:lnRef>
-          <a:fillRef idx="1">
-            <a:schemeClr val="accent1"/>
-          </a:fillRef>
-          <a:effectRef idx="0">
-            <a:schemeClr val="accent1"/>
-          </a:effectRef>
-          <a:fontRef idx="minor">
-            <a:schemeClr val="lt1"/>
-          </a:fontRef>
-        </p:style>
-        <p:txBody>
-          <a:bodyPr rtlCol="0" anchor="ctr"/>
-          <a:lstStyle/>
-          <a:p>
-            <a:pPr algn="ctr"/>
-            <a:r>
-              <a:rPr lang="en-CA" dirty="0"/>
-              <a:t>LATEST INPUT</a:t>
-            </a:r>
-          </a:p>
-        </p:txBody>
-      </p:sp>
-      <p:sp>
-        <p:nvSpPr>
-          <p:cNvPr id="8" name="Rectangle 7">
-            <a:extLst>
-              <a:ext uri="{FF2B5EF4-FFF2-40B4-BE49-F238E27FC236}">
-                <a16:creationId xmlns:a16="http://schemas.microsoft.com/office/drawing/2014/main" id="{6C289FBA-EE0D-4A52-2EEF-332C5CAC7314}"/>
-              </a:ext>
-            </a:extLst>
-          </p:cNvPr>
-          <p:cNvSpPr/>
-          <p:nvPr/>
-        </p:nvSpPr>
-        <p:spPr>
-          <a:xfrm>
-            <a:off x="327991" y="5648483"/>
-            <a:ext cx="5098774" cy="271485"/>
-          </a:xfrm>
-          <a:prstGeom prst="rect">
-            <a:avLst/>
-          </a:prstGeom>
-        </p:spPr>
-        <p:style>
-          <a:lnRef idx="2">
-            <a:schemeClr val="accent1">
-              <a:shade val="50000"/>
-            </a:schemeClr>
-          </a:lnRef>
-          <a:fillRef idx="1">
-            <a:schemeClr val="accent1"/>
-          </a:fillRef>
-          <a:effectRef idx="0">
-            <a:schemeClr val="accent1"/>
-          </a:effectRef>
-          <a:fontRef idx="minor">
-            <a:schemeClr val="lt1"/>
-          </a:fontRef>
-        </p:style>
-        <p:txBody>
-          <a:bodyPr rtlCol="0" anchor="ctr"/>
-          <a:lstStyle/>
-          <a:p>
-            <a:pPr algn="ctr"/>
-            <a:r>
-              <a:rPr lang="en-CA" dirty="0"/>
-              <a:t>SPEAKER IDENTIFIER</a:t>
-            </a:r>
-          </a:p>
-        </p:txBody>
-      </p:sp>
-      <p:sp>
-        <p:nvSpPr>
-          <p:cNvPr id="10" name="TextBox 9">
-            <a:extLst>
-              <a:ext uri="{FF2B5EF4-FFF2-40B4-BE49-F238E27FC236}">
-                <a16:creationId xmlns:a16="http://schemas.microsoft.com/office/drawing/2014/main" id="{88B71C65-FC7C-CFA4-6191-EBDEF304E515}"/>
-              </a:ext>
-            </a:extLst>
-          </p:cNvPr>
-          <p:cNvSpPr txBox="1"/>
-          <p:nvPr/>
-        </p:nvSpPr>
-        <p:spPr>
-          <a:xfrm>
-            <a:off x="5619153" y="119093"/>
-            <a:ext cx="11625652" cy="5755422"/>
-          </a:xfrm>
-          <a:prstGeom prst="rect">
-            <a:avLst/>
-          </a:prstGeom>
-          <a:solidFill>
-            <a:schemeClr val="bg2">
-              <a:lumMod val="10000"/>
-            </a:schemeClr>
-          </a:solidFill>
-        </p:spPr>
-        <p:txBody>
-          <a:bodyPr wrap="square">
-            <a:spAutoFit/>
-          </a:bodyPr>
-          <a:lstStyle/>
-          <a:p>
-            <a:r>
-              <a:rPr lang="en-US" sz="1600" b="0" dirty="0">
-                <a:solidFill>
-                  <a:srgbClr val="D4D4D4"/>
-                </a:solidFill>
-                <a:effectLst/>
-                <a:latin typeface="Consolas" panose="020B0609020204030204" pitchFamily="49" charset="0"/>
-              </a:rPr>
-              <a:t>You are an AI assistant with several tools</a:t>
-            </a:r>
-          </a:p>
-          <a:p>
-            <a:r>
-              <a:rPr lang="en-US" sz="1600" b="0" dirty="0">
-                <a:solidFill>
-                  <a:srgbClr val="D4D4D4"/>
-                </a:solidFill>
-                <a:effectLst/>
-                <a:latin typeface="Consolas" panose="020B0609020204030204" pitchFamily="49" charset="0"/>
-              </a:rPr>
-              <a:t>available to you. The tools are the following:</a:t>
-            </a:r>
-          </a:p>
-          <a:p>
-            <a:r>
-              <a:rPr lang="en-US" sz="1600" b="0" dirty="0">
-                <a:solidFill>
-                  <a:srgbClr val="D4D4D4"/>
-                </a:solidFill>
-                <a:effectLst/>
-                <a:latin typeface="Consolas" panose="020B0609020204030204" pitchFamily="49" charset="0"/>
-              </a:rPr>
-              <a:t>NOW: Print the current time.</a:t>
-            </a:r>
-          </a:p>
-          <a:p>
-            <a:r>
-              <a:rPr lang="en-US" sz="1600" b="0" dirty="0">
-                <a:solidFill>
-                  <a:srgbClr val="D4D4D4"/>
-                </a:solidFill>
-                <a:effectLst/>
-                <a:latin typeface="Consolas" panose="020B0609020204030204" pitchFamily="49" charset="0"/>
-              </a:rPr>
-              <a:t>WEEKDAY: Gets the week day </a:t>
-            </a:r>
-            <a:r>
-              <a:rPr lang="en-US" sz="1600" b="0" dirty="0">
-                <a:solidFill>
-                  <a:srgbClr val="C586C0"/>
-                </a:solidFill>
-                <a:effectLst/>
-                <a:latin typeface="Consolas" panose="020B0609020204030204" pitchFamily="49" charset="0"/>
-              </a:rPr>
-              <a:t>for</a:t>
-            </a:r>
-            <a:r>
-              <a:rPr lang="en-US" sz="1600" b="0" dirty="0">
-                <a:solidFill>
-                  <a:srgbClr val="D4D4D4"/>
-                </a:solidFill>
-                <a:effectLst/>
-                <a:latin typeface="Consolas" panose="020B0609020204030204" pitchFamily="49" charset="0"/>
-              </a:rPr>
-              <a:t> a given date.</a:t>
-            </a:r>
-          </a:p>
-          <a:p>
-            <a:r>
-              <a:rPr lang="en-US" sz="1600" b="0" dirty="0">
-                <a:solidFill>
-                  <a:srgbClr val="D4D4D4"/>
-                </a:solidFill>
-                <a:effectLst/>
-                <a:latin typeface="Consolas" panose="020B0609020204030204" pitchFamily="49" charset="0"/>
-              </a:rPr>
-              <a:t>MATH: Evaluates a math expression. You should always use this tool to evaluate math expressions.</a:t>
-            </a:r>
-          </a:p>
-          <a:p>
-            <a:r>
-              <a:rPr lang="en-US" sz="1600" b="0" dirty="0">
-                <a:solidFill>
-                  <a:srgbClr val="D4D4D4"/>
-                </a:solidFill>
-                <a:effectLst/>
-                <a:latin typeface="Consolas" panose="020B0609020204030204" pitchFamily="49" charset="0"/>
-              </a:rPr>
-              <a:t>SNAP: Rearranges windows on the screen. Takes the name of the window and the position as arguments.</a:t>
-            </a:r>
-          </a:p>
-          <a:p>
-            <a:br>
-              <a:rPr lang="en-US" sz="1600" b="0" dirty="0">
-                <a:solidFill>
-                  <a:srgbClr val="D4D4D4"/>
-                </a:solidFill>
-                <a:effectLst/>
-                <a:latin typeface="Consolas" panose="020B0609020204030204" pitchFamily="49" charset="0"/>
-              </a:rPr>
-            </a:br>
-            <a:r>
-              <a:rPr lang="en-US" sz="1600" b="0" dirty="0">
-                <a:solidFill>
-                  <a:srgbClr val="D4D4D4"/>
-                </a:solidFill>
-                <a:effectLst/>
-                <a:latin typeface="Consolas" panose="020B0609020204030204" pitchFamily="49" charset="0"/>
-              </a:rPr>
-              <a:t>DO NOT USE TOOLS WITHIN TOOLS! KEEP ALL TOOL CALLS SEPARATE FROM EACH OTHER!</a:t>
-            </a:r>
-          </a:p>
-          <a:p>
-            <a:r>
-              <a:rPr lang="en-US" sz="1600" b="0" dirty="0">
-                <a:solidFill>
-                  <a:srgbClr val="D4D4D4"/>
-                </a:solidFill>
-                <a:effectLst/>
-                <a:latin typeface="Consolas" panose="020B0609020204030204" pitchFamily="49" charset="0"/>
-              </a:rPr>
-              <a:t>YOU ARE ENCOURAGED TO USE TOOLS TO ENSURE THE ACCURACY OF YOUR RESPONSES!</a:t>
-            </a:r>
-          </a:p>
-          <a:p>
-            <a:r>
-              <a:rPr lang="en-US" sz="1600" b="0" dirty="0">
-                <a:solidFill>
-                  <a:srgbClr val="D4D4D4"/>
-                </a:solidFill>
-                <a:effectLst/>
-                <a:latin typeface="Consolas" panose="020B0609020204030204" pitchFamily="49" charset="0"/>
-              </a:rPr>
-              <a:t>YOU ARE TO EXPLAIN</a:t>
-            </a:r>
-          </a:p>
-          <a:p>
-            <a:r>
-              <a:rPr lang="en-US" sz="1600" b="0" dirty="0">
-                <a:solidFill>
-                  <a:srgbClr val="D4D4D4"/>
-                </a:solidFill>
-                <a:effectLst/>
-                <a:latin typeface="Consolas" panose="020B0609020204030204" pitchFamily="49" charset="0"/>
-              </a:rPr>
-              <a:t>YOUR REASONING AND SHOW YOUR WORK, WITH CLEAR CONNECTIONS BETWEEN CONCLUSIONS!</a:t>
-            </a:r>
-          </a:p>
-          <a:p>
-            <a:r>
-              <a:rPr lang="en-US" sz="1600" b="0" dirty="0">
-                <a:solidFill>
-                  <a:srgbClr val="D4D4D4"/>
-                </a:solidFill>
-                <a:effectLst/>
-                <a:latin typeface="Consolas" panose="020B0609020204030204" pitchFamily="49" charset="0"/>
-              </a:rPr>
-              <a:t>DO NOT PUT A LINE BREAK BEFORE A TOOL CALL!</a:t>
-            </a:r>
-          </a:p>
-          <a:p>
-            <a:br>
-              <a:rPr lang="en-US" sz="1600" b="0" dirty="0">
-                <a:solidFill>
-                  <a:srgbClr val="D4D4D4"/>
-                </a:solidFill>
-                <a:effectLst/>
-                <a:latin typeface="Consolas" panose="020B0609020204030204" pitchFamily="49" charset="0"/>
-              </a:rPr>
-            </a:br>
-            <a:endParaRPr lang="en-US" sz="1600" b="0" dirty="0">
-              <a:solidFill>
-                <a:srgbClr val="D4D4D4"/>
-              </a:solidFill>
-              <a:effectLst/>
-              <a:latin typeface="Consolas" panose="020B0609020204030204" pitchFamily="49" charset="0"/>
-            </a:endParaRPr>
-          </a:p>
-          <a:p>
-            <a:r>
-              <a:rPr lang="en-US" sz="1600" b="0" dirty="0">
-                <a:solidFill>
-                  <a:srgbClr val="D4D4D4"/>
-                </a:solidFill>
-                <a:effectLst/>
-                <a:latin typeface="Consolas" panose="020B0609020204030204" pitchFamily="49" charset="0"/>
-              </a:rPr>
-              <a:t>User: What day of the week was </a:t>
-            </a:r>
-            <a:r>
-              <a:rPr lang="en-US" sz="1600" b="0" dirty="0">
-                <a:solidFill>
-                  <a:srgbClr val="B5CEA8"/>
-                </a:solidFill>
-                <a:effectLst/>
-                <a:latin typeface="Consolas" panose="020B0609020204030204" pitchFamily="49" charset="0"/>
-              </a:rPr>
-              <a:t>2023</a:t>
-            </a:r>
-            <a:r>
-              <a:rPr lang="en-US" sz="1600" b="0" dirty="0">
-                <a:solidFill>
-                  <a:srgbClr val="D4D4D4"/>
-                </a:solidFill>
-                <a:effectLst/>
-                <a:latin typeface="Consolas" panose="020B0609020204030204" pitchFamily="49" charset="0"/>
-              </a:rPr>
-              <a:t>-</a:t>
-            </a:r>
-            <a:r>
-              <a:rPr lang="en-US" sz="1600" b="0" dirty="0">
-                <a:solidFill>
-                  <a:srgbClr val="B5CEA8"/>
-                </a:solidFill>
-                <a:effectLst/>
-                <a:latin typeface="Consolas" panose="020B0609020204030204" pitchFamily="49" charset="0"/>
-              </a:rPr>
-              <a:t>03</a:t>
-            </a:r>
-            <a:r>
-              <a:rPr lang="en-US" sz="1600" b="0" dirty="0">
-                <a:solidFill>
-                  <a:srgbClr val="D4D4D4"/>
-                </a:solidFill>
-                <a:effectLst/>
-                <a:latin typeface="Consolas" panose="020B0609020204030204" pitchFamily="49" charset="0"/>
-              </a:rPr>
-              <a:t>-</a:t>
-            </a:r>
-            <a:r>
-              <a:rPr lang="en-US" sz="1600" b="0" dirty="0">
-                <a:solidFill>
-                  <a:srgbClr val="B5CEA8"/>
-                </a:solidFill>
-                <a:effectLst/>
-                <a:latin typeface="Consolas" panose="020B0609020204030204" pitchFamily="49" charset="0"/>
-              </a:rPr>
-              <a:t>03</a:t>
-            </a:r>
-            <a:r>
-              <a:rPr lang="en-US" sz="1600" b="0" dirty="0">
-                <a:solidFill>
-                  <a:srgbClr val="D4D4D4"/>
-                </a:solidFill>
-                <a:effectLst/>
-                <a:latin typeface="Consolas" panose="020B0609020204030204" pitchFamily="49" charset="0"/>
-              </a:rPr>
-              <a:t>?</a:t>
-            </a:r>
-          </a:p>
-          <a:p>
-            <a:r>
-              <a:rPr lang="en-US" sz="1600" b="0" dirty="0">
-                <a:solidFill>
-                  <a:srgbClr val="D4D4D4"/>
-                </a:solidFill>
-                <a:effectLst/>
-                <a:latin typeface="Consolas" panose="020B0609020204030204" pitchFamily="49" charset="0"/>
-              </a:rPr>
-              <a:t>Assistant: The date </a:t>
-            </a:r>
-            <a:r>
-              <a:rPr lang="en-US" sz="1600" b="0" dirty="0">
-                <a:solidFill>
-                  <a:srgbClr val="B5CEA8"/>
-                </a:solidFill>
-                <a:effectLst/>
-                <a:latin typeface="Consolas" panose="020B0609020204030204" pitchFamily="49" charset="0"/>
-              </a:rPr>
-              <a:t>2023</a:t>
-            </a:r>
-            <a:r>
-              <a:rPr lang="en-US" sz="1600" b="0" dirty="0">
-                <a:solidFill>
-                  <a:srgbClr val="D4D4D4"/>
-                </a:solidFill>
-                <a:effectLst/>
-                <a:latin typeface="Consolas" panose="020B0609020204030204" pitchFamily="49" charset="0"/>
-              </a:rPr>
-              <a:t>-</a:t>
-            </a:r>
-            <a:r>
-              <a:rPr lang="en-US" sz="1600" b="0" dirty="0">
-                <a:solidFill>
-                  <a:srgbClr val="B5CEA8"/>
-                </a:solidFill>
-                <a:effectLst/>
-                <a:latin typeface="Consolas" panose="020B0609020204030204" pitchFamily="49" charset="0"/>
-              </a:rPr>
-              <a:t>03</a:t>
-            </a:r>
-            <a:r>
-              <a:rPr lang="en-US" sz="1600" b="0" dirty="0">
-                <a:solidFill>
-                  <a:srgbClr val="D4D4D4"/>
-                </a:solidFill>
-                <a:effectLst/>
-                <a:latin typeface="Consolas" panose="020B0609020204030204" pitchFamily="49" charset="0"/>
-              </a:rPr>
-              <a:t>-</a:t>
-            </a:r>
-            <a:r>
-              <a:rPr lang="en-US" sz="1600" b="0" dirty="0">
-                <a:solidFill>
-                  <a:srgbClr val="B5CEA8"/>
-                </a:solidFill>
-                <a:effectLst/>
-                <a:latin typeface="Consolas" panose="020B0609020204030204" pitchFamily="49" charset="0"/>
-              </a:rPr>
-              <a:t>03</a:t>
-            </a:r>
-            <a:r>
-              <a:rPr lang="en-US" sz="1600" b="0" dirty="0">
-                <a:solidFill>
-                  <a:srgbClr val="D4D4D4"/>
-                </a:solidFill>
-                <a:effectLst/>
-                <a:latin typeface="Consolas" panose="020B0609020204030204" pitchFamily="49" charset="0"/>
-              </a:rPr>
-              <a:t> is a [</a:t>
-            </a:r>
-            <a:r>
-              <a:rPr lang="en-US" sz="1600" b="0" dirty="0">
-                <a:solidFill>
-                  <a:srgbClr val="DCDCAA"/>
-                </a:solidFill>
-                <a:effectLst/>
-                <a:latin typeface="Consolas" panose="020B0609020204030204" pitchFamily="49" charset="0"/>
-              </a:rPr>
-              <a:t>WEEKDAY</a:t>
-            </a:r>
-            <a:r>
-              <a:rPr lang="en-US" sz="1600" b="0" dirty="0">
-                <a:solidFill>
-                  <a:srgbClr val="D4D4D4"/>
-                </a:solidFill>
-                <a:effectLst/>
-                <a:latin typeface="Consolas" panose="020B0609020204030204" pitchFamily="49" charset="0"/>
-              </a:rPr>
-              <a:t>(</a:t>
-            </a:r>
-            <a:r>
-              <a:rPr lang="en-US" sz="1600" b="0" dirty="0">
-                <a:solidFill>
-                  <a:srgbClr val="B5CEA8"/>
-                </a:solidFill>
-                <a:effectLst/>
-                <a:latin typeface="Consolas" panose="020B0609020204030204" pitchFamily="49" charset="0"/>
-              </a:rPr>
-              <a:t>2023</a:t>
-            </a:r>
-            <a:r>
-              <a:rPr lang="en-US" sz="1600" b="0" dirty="0">
-                <a:solidFill>
-                  <a:srgbClr val="D4D4D4"/>
-                </a:solidFill>
-                <a:effectLst/>
-                <a:latin typeface="Consolas" panose="020B0609020204030204" pitchFamily="49" charset="0"/>
-              </a:rPr>
-              <a:t>-</a:t>
-            </a:r>
-            <a:r>
-              <a:rPr lang="en-US" sz="1600" b="0" dirty="0">
-                <a:solidFill>
-                  <a:srgbClr val="B5CEA8"/>
-                </a:solidFill>
-                <a:effectLst/>
-                <a:latin typeface="Consolas" panose="020B0609020204030204" pitchFamily="49" charset="0"/>
-              </a:rPr>
-              <a:t>03</a:t>
-            </a:r>
-            <a:r>
-              <a:rPr lang="en-US" sz="1600" b="0" dirty="0">
-                <a:solidFill>
-                  <a:srgbClr val="D4D4D4"/>
-                </a:solidFill>
-                <a:effectLst/>
-                <a:latin typeface="Consolas" panose="020B0609020204030204" pitchFamily="49" charset="0"/>
-              </a:rPr>
-              <a:t>-</a:t>
-            </a:r>
-            <a:r>
-              <a:rPr lang="en-US" sz="1600" b="0" dirty="0">
-                <a:solidFill>
-                  <a:srgbClr val="B5CEA8"/>
-                </a:solidFill>
-                <a:effectLst/>
-                <a:latin typeface="Consolas" panose="020B0609020204030204" pitchFamily="49" charset="0"/>
-              </a:rPr>
-              <a:t>03</a:t>
-            </a:r>
-            <a:r>
-              <a:rPr lang="en-US" sz="1600" b="0" dirty="0">
-                <a:solidFill>
-                  <a:srgbClr val="D4D4D4"/>
-                </a:solidFill>
-                <a:effectLst/>
-                <a:latin typeface="Consolas" panose="020B0609020204030204" pitchFamily="49" charset="0"/>
-              </a:rPr>
-              <a:t>) -&gt; Thursday] Thursday.</a:t>
-            </a:r>
-          </a:p>
-          <a:p>
-            <a:endParaRPr lang="en-US" sz="1600" b="0" dirty="0">
-              <a:solidFill>
-                <a:srgbClr val="D4D4D4"/>
-              </a:solidFill>
-              <a:effectLst/>
-              <a:latin typeface="Consolas" panose="020B0609020204030204" pitchFamily="49" charset="0"/>
-            </a:endParaRPr>
-          </a:p>
-          <a:p>
-            <a:r>
-              <a:rPr lang="en-US" sz="1600" b="0" dirty="0">
-                <a:solidFill>
-                  <a:srgbClr val="D4D4D4"/>
-                </a:solidFill>
-                <a:effectLst/>
-                <a:latin typeface="Consolas" panose="020B0609020204030204" pitchFamily="49" charset="0"/>
-              </a:rPr>
-              <a:t>User: Is today a Friday?</a:t>
-            </a:r>
-          </a:p>
-          <a:p>
-            <a:r>
-              <a:rPr lang="en-US" sz="1600" b="0" dirty="0">
-                <a:solidFill>
-                  <a:srgbClr val="D4D4D4"/>
-                </a:solidFill>
-                <a:effectLst/>
-                <a:latin typeface="Consolas" panose="020B0609020204030204" pitchFamily="49" charset="0"/>
-              </a:rPr>
-              <a:t>Assistant: Today's date is [</a:t>
-            </a:r>
-            <a:r>
-              <a:rPr lang="en-US" sz="1600" b="0" dirty="0">
-                <a:solidFill>
-                  <a:srgbClr val="DCDCAA"/>
-                </a:solidFill>
-                <a:effectLst/>
-                <a:latin typeface="Consolas" panose="020B0609020204030204" pitchFamily="49" charset="0"/>
-              </a:rPr>
-              <a:t>NOW</a:t>
-            </a:r>
-            <a:r>
-              <a:rPr lang="en-US" sz="1600" b="0" dirty="0">
-                <a:solidFill>
-                  <a:srgbClr val="D4D4D4"/>
-                </a:solidFill>
-                <a:effectLst/>
-                <a:latin typeface="Consolas" panose="020B0609020204030204" pitchFamily="49" charset="0"/>
-              </a:rPr>
-              <a:t>() -&gt; </a:t>
-            </a:r>
-            <a:r>
-              <a:rPr lang="en-US" sz="1600" b="0" dirty="0">
-                <a:solidFill>
-                  <a:srgbClr val="B5CEA8"/>
-                </a:solidFill>
-                <a:effectLst/>
-                <a:latin typeface="Consolas" panose="020B0609020204030204" pitchFamily="49" charset="0"/>
-              </a:rPr>
-              <a:t>2023</a:t>
-            </a:r>
-            <a:r>
-              <a:rPr lang="en-US" sz="1600" b="0" dirty="0">
-                <a:solidFill>
-                  <a:srgbClr val="D4D4D4"/>
-                </a:solidFill>
-                <a:effectLst/>
-                <a:latin typeface="Consolas" panose="020B0609020204030204" pitchFamily="49" charset="0"/>
-              </a:rPr>
-              <a:t>-</a:t>
-            </a:r>
-            <a:r>
-              <a:rPr lang="en-US" sz="1600" b="0" dirty="0">
-                <a:solidFill>
-                  <a:srgbClr val="B5CEA8"/>
-                </a:solidFill>
-                <a:effectLst/>
-                <a:latin typeface="Consolas" panose="020B0609020204030204" pitchFamily="49" charset="0"/>
-              </a:rPr>
-              <a:t>03</a:t>
-            </a:r>
-            <a:r>
-              <a:rPr lang="en-US" sz="1600" b="0" dirty="0">
-                <a:solidFill>
-                  <a:srgbClr val="D4D4D4"/>
-                </a:solidFill>
-                <a:effectLst/>
-                <a:latin typeface="Consolas" panose="020B0609020204030204" pitchFamily="49" charset="0"/>
-              </a:rPr>
-              <a:t>-</a:t>
-            </a:r>
-            <a:r>
-              <a:rPr lang="en-US" sz="1600" b="0" dirty="0">
-                <a:solidFill>
-                  <a:srgbClr val="B5CEA8"/>
-                </a:solidFill>
-                <a:effectLst/>
-                <a:latin typeface="Consolas" panose="020B0609020204030204" pitchFamily="49" charset="0"/>
-              </a:rPr>
-              <a:t>03</a:t>
-            </a:r>
-            <a:r>
-              <a:rPr lang="en-US" sz="1600" b="0" dirty="0">
-                <a:solidFill>
-                  <a:srgbClr val="D4D4D4"/>
-                </a:solidFill>
-                <a:effectLst/>
-                <a:latin typeface="Consolas" panose="020B0609020204030204" pitchFamily="49" charset="0"/>
-              </a:rPr>
-              <a:t> </a:t>
-            </a:r>
-            <a:r>
-              <a:rPr lang="en-US" sz="1600" b="0" dirty="0">
-                <a:solidFill>
-                  <a:srgbClr val="B5CEA8"/>
-                </a:solidFill>
-                <a:effectLst/>
-                <a:latin typeface="Consolas" panose="020B0609020204030204" pitchFamily="49" charset="0"/>
-              </a:rPr>
-              <a:t>03</a:t>
-            </a:r>
-            <a:r>
-              <a:rPr lang="en-US" sz="1600" b="0" dirty="0">
-                <a:solidFill>
-                  <a:srgbClr val="D4D4D4"/>
-                </a:solidFill>
-                <a:effectLst/>
-                <a:latin typeface="Consolas" panose="020B0609020204030204" pitchFamily="49" charset="0"/>
-              </a:rPr>
-              <a:t>:</a:t>
-            </a:r>
-            <a:r>
-              <a:rPr lang="en-US" sz="1600" b="0" dirty="0">
-                <a:solidFill>
-                  <a:srgbClr val="B5CEA8"/>
-                </a:solidFill>
-                <a:effectLst/>
-                <a:latin typeface="Consolas" panose="020B0609020204030204" pitchFamily="49" charset="0"/>
-              </a:rPr>
-              <a:t>19</a:t>
-            </a:r>
-            <a:r>
-              <a:rPr lang="en-US" sz="1600" b="0" dirty="0">
-                <a:solidFill>
-                  <a:srgbClr val="D4D4D4"/>
-                </a:solidFill>
-                <a:effectLst/>
-                <a:latin typeface="Consolas" panose="020B0609020204030204" pitchFamily="49" charset="0"/>
-              </a:rPr>
-              <a:t>:</a:t>
-            </a:r>
-            <a:r>
-              <a:rPr lang="en-US" sz="1600" b="0" dirty="0">
-                <a:solidFill>
-                  <a:srgbClr val="B5CEA8"/>
-                </a:solidFill>
-                <a:effectLst/>
-                <a:latin typeface="Consolas" panose="020B0609020204030204" pitchFamily="49" charset="0"/>
-              </a:rPr>
-              <a:t>47.980140</a:t>
-            </a:r>
-            <a:r>
-              <a:rPr lang="en-US" sz="1600" b="0" dirty="0">
-                <a:solidFill>
-                  <a:srgbClr val="D4D4D4"/>
-                </a:solidFill>
-                <a:effectLst/>
-                <a:latin typeface="Consolas" panose="020B0609020204030204" pitchFamily="49" charset="0"/>
-              </a:rPr>
-              <a:t>] </a:t>
-            </a:r>
-            <a:r>
-              <a:rPr lang="en-US" sz="1600" b="0" dirty="0">
-                <a:solidFill>
-                  <a:srgbClr val="B5CEA8"/>
-                </a:solidFill>
-                <a:effectLst/>
-                <a:latin typeface="Consolas" panose="020B0609020204030204" pitchFamily="49" charset="0"/>
-              </a:rPr>
-              <a:t>2023</a:t>
-            </a:r>
-            <a:r>
-              <a:rPr lang="en-US" sz="1600" b="0" dirty="0">
-                <a:solidFill>
-                  <a:srgbClr val="D4D4D4"/>
-                </a:solidFill>
-                <a:effectLst/>
-                <a:latin typeface="Consolas" panose="020B0609020204030204" pitchFamily="49" charset="0"/>
-              </a:rPr>
-              <a:t>-</a:t>
-            </a:r>
-            <a:r>
-              <a:rPr lang="en-US" sz="1600" b="0" dirty="0">
-                <a:solidFill>
-                  <a:srgbClr val="B5CEA8"/>
-                </a:solidFill>
-                <a:effectLst/>
-                <a:latin typeface="Consolas" panose="020B0609020204030204" pitchFamily="49" charset="0"/>
-              </a:rPr>
-              <a:t>03</a:t>
-            </a:r>
-            <a:r>
-              <a:rPr lang="en-US" sz="1600" b="0" dirty="0">
-                <a:solidFill>
-                  <a:srgbClr val="D4D4D4"/>
-                </a:solidFill>
-                <a:effectLst/>
-                <a:latin typeface="Consolas" panose="020B0609020204030204" pitchFamily="49" charset="0"/>
-              </a:rPr>
-              <a:t>-</a:t>
-            </a:r>
-            <a:r>
-              <a:rPr lang="en-US" sz="1600" b="0" dirty="0">
-                <a:solidFill>
-                  <a:srgbClr val="B5CEA8"/>
-                </a:solidFill>
-                <a:effectLst/>
-                <a:latin typeface="Consolas" panose="020B0609020204030204" pitchFamily="49" charset="0"/>
-              </a:rPr>
-              <a:t>03</a:t>
-            </a:r>
-            <a:r>
-              <a:rPr lang="en-US" sz="1600" b="0" dirty="0">
-                <a:solidFill>
-                  <a:srgbClr val="D4D4D4"/>
-                </a:solidFill>
-                <a:effectLst/>
-                <a:latin typeface="Consolas" panose="020B0609020204030204" pitchFamily="49" charset="0"/>
-              </a:rPr>
-              <a:t>, which is a [</a:t>
-            </a:r>
-            <a:r>
-              <a:rPr lang="en-US" sz="1600" b="0" dirty="0">
-                <a:solidFill>
-                  <a:srgbClr val="DCDCAA"/>
-                </a:solidFill>
-                <a:effectLst/>
-                <a:latin typeface="Consolas" panose="020B0609020204030204" pitchFamily="49" charset="0"/>
-              </a:rPr>
-              <a:t>WEEKDAY</a:t>
-            </a:r>
-            <a:r>
-              <a:rPr lang="en-US" sz="1600" b="0" dirty="0">
-                <a:solidFill>
-                  <a:srgbClr val="D4D4D4"/>
-                </a:solidFill>
-                <a:effectLst/>
-                <a:latin typeface="Consolas" panose="020B0609020204030204" pitchFamily="49" charset="0"/>
-              </a:rPr>
-              <a:t>(</a:t>
-            </a:r>
-            <a:r>
-              <a:rPr lang="en-US" sz="1600" b="0" dirty="0">
-                <a:solidFill>
-                  <a:srgbClr val="B5CEA8"/>
-                </a:solidFill>
-                <a:effectLst/>
-                <a:latin typeface="Consolas" panose="020B0609020204030204" pitchFamily="49" charset="0"/>
-              </a:rPr>
-              <a:t>2023</a:t>
-            </a:r>
-            <a:r>
-              <a:rPr lang="en-US" sz="1600" b="0" dirty="0">
-                <a:solidFill>
-                  <a:srgbClr val="D4D4D4"/>
-                </a:solidFill>
-                <a:effectLst/>
-                <a:latin typeface="Consolas" panose="020B0609020204030204" pitchFamily="49" charset="0"/>
-              </a:rPr>
-              <a:t>-</a:t>
-            </a:r>
-            <a:r>
-              <a:rPr lang="en-US" sz="1600" b="0" dirty="0">
-                <a:solidFill>
-                  <a:srgbClr val="B5CEA8"/>
-                </a:solidFill>
-                <a:effectLst/>
-                <a:latin typeface="Consolas" panose="020B0609020204030204" pitchFamily="49" charset="0"/>
-              </a:rPr>
-              <a:t>03</a:t>
-            </a:r>
-            <a:r>
-              <a:rPr lang="en-US" sz="1600" b="0" dirty="0">
-                <a:solidFill>
-                  <a:srgbClr val="D4D4D4"/>
-                </a:solidFill>
-                <a:effectLst/>
-                <a:latin typeface="Consolas" panose="020B0609020204030204" pitchFamily="49" charset="0"/>
-              </a:rPr>
-              <a:t>-</a:t>
-            </a:r>
-            <a:r>
-              <a:rPr lang="en-US" sz="1600" b="0" dirty="0">
-                <a:solidFill>
-                  <a:srgbClr val="B5CEA8"/>
-                </a:solidFill>
-                <a:effectLst/>
-                <a:latin typeface="Consolas" panose="020B0609020204030204" pitchFamily="49" charset="0"/>
-              </a:rPr>
-              <a:t>03</a:t>
-            </a:r>
-            <a:r>
-              <a:rPr lang="en-US" sz="1600" b="0" dirty="0">
-                <a:solidFill>
-                  <a:srgbClr val="D4D4D4"/>
-                </a:solidFill>
-                <a:effectLst/>
-                <a:latin typeface="Consolas" panose="020B0609020204030204" pitchFamily="49" charset="0"/>
-              </a:rPr>
-              <a:t>) -&gt; Thursday] Thursday, not a Friday.</a:t>
-            </a:r>
-          </a:p>
-          <a:p>
-            <a:endParaRPr lang="en-US" sz="1600" dirty="0">
-              <a:solidFill>
-                <a:srgbClr val="D4D4D4"/>
-              </a:solidFill>
-              <a:latin typeface="Consolas" panose="020B0609020204030204" pitchFamily="49" charset="0"/>
-            </a:endParaRPr>
-          </a:p>
-          <a:p>
-            <a:r>
-              <a:rPr lang="en-US" sz="1600" b="0" dirty="0">
-                <a:solidFill>
-                  <a:srgbClr val="D4D4D4"/>
-                </a:solidFill>
-                <a:effectLst/>
-                <a:latin typeface="Consolas" panose="020B0609020204030204" pitchFamily="49" charset="0"/>
-              </a:rPr>
-              <a:t>User: What is the time?</a:t>
-            </a:r>
-          </a:p>
-          <a:p>
-            <a:r>
-              <a:rPr lang="en-US" sz="1600" dirty="0">
-                <a:solidFill>
-                  <a:srgbClr val="D4D4D4"/>
-                </a:solidFill>
-                <a:latin typeface="Consolas" panose="020B0609020204030204" pitchFamily="49" charset="0"/>
-              </a:rPr>
-              <a:t>Assistant: </a:t>
-            </a:r>
-            <a:endParaRPr lang="en-US" sz="1600" b="0" dirty="0">
-              <a:solidFill>
-                <a:srgbClr val="D4D4D4"/>
-              </a:solidFill>
-              <a:effectLst/>
-              <a:latin typeface="Consolas" panose="020B0609020204030204" pitchFamily="49" charset="0"/>
-            </a:endParaRPr>
-          </a:p>
-        </p:txBody>
-      </p:sp>
-      <p:sp>
-        <p:nvSpPr>
-          <p:cNvPr id="11" name="Title 1">
-            <a:extLst>
-              <a:ext uri="{FF2B5EF4-FFF2-40B4-BE49-F238E27FC236}">
-                <a16:creationId xmlns:a16="http://schemas.microsoft.com/office/drawing/2014/main" id="{B58603D5-DE8F-2405-28ED-A22E777E6074}"/>
-              </a:ext>
-            </a:extLst>
-          </p:cNvPr>
-          <p:cNvSpPr>
-            <a:spLocks noGrp="1"/>
-          </p:cNvSpPr>
-          <p:nvPr>
-            <p:ph type="title"/>
-          </p:nvPr>
-        </p:nvSpPr>
-        <p:spPr>
-          <a:xfrm>
-            <a:off x="7478141" y="5675145"/>
-            <a:ext cx="3953838" cy="1325563"/>
-          </a:xfrm>
-        </p:spPr>
-        <p:txBody>
-          <a:bodyPr/>
-          <a:lstStyle/>
-          <a:p>
-            <a:r>
-              <a:rPr lang="en-CA" dirty="0"/>
-              <a:t>In practice</a:t>
-            </a:r>
-          </a:p>
-        </p:txBody>
-      </p:sp>
-    </p:spTree>
-    <p:extLst>
-      <p:ext uri="{BB962C8B-B14F-4D97-AF65-F5344CB8AC3E}">
-        <p14:creationId xmlns:p14="http://schemas.microsoft.com/office/powerpoint/2010/main" val="2856119542"/>
-      </p:ext>
-    </p:extLst>
-  </p:cSld>
-  <p:clrMapOvr>
-    <a:masterClrMapping/>
-  </p:clrMapOvr>
-  <mc:AlternateContent xmlns:mc="http://schemas.openxmlformats.org/markup-compatibility/2006">
-    <mc:Choice xmlns:p159="http://schemas.microsoft.com/office/powerpoint/2015/09/main" Requires="p159">
-      <p:transition xmlns:p14="http://schemas.microsoft.com/office/powerpoint/2010/main" spd="slow" p14:dur="2000">
-        <p159:morph option="byObject"/>
-      </p:transition>
-    </mc:Choice>
-    <mc:Fallback>
-      <p:transition spd="slow">
-        <p:fade/>
-      </p:transition>
-    </mc:Fallback>
-  </mc:AlternateContent>
-</p:sld>
-</file>
-
-<file path=ppt/slides/slide9.xml><?xml version="1.0" encoding="utf-8"?>
 <p:sld xmlns:a="http://schemas.openxmlformats.org/drawingml/2006/main" xmlns:r="http://schemas.openxmlformats.org/officeDocument/2006/relationships" xmlns:p="http://schemas.openxmlformats.org/presentationml/2006/main">
   <p:cSld>
     <p:spTree>
@@ -10547,35 +8117,33 @@
       </p:sp>
       <p:sp>
         <p:nvSpPr>
-          <p:cNvPr id="23" name="TextBox 22">
-            <a:extLst>
-              <a:ext uri="{FF2B5EF4-FFF2-40B4-BE49-F238E27FC236}">
-                <a16:creationId xmlns:a16="http://schemas.microsoft.com/office/drawing/2014/main" id="{E9CF1677-DE5F-CF76-3A7D-0FDF71E9623E}"/>
-              </a:ext>
-            </a:extLst>
-          </p:cNvPr>
-          <p:cNvSpPr txBox="1"/>
-          <p:nvPr/>
+          <p:cNvPr id="2" name="Title 1">
+            <a:extLst>
+              <a:ext uri="{FF2B5EF4-FFF2-40B4-BE49-F238E27FC236}">
+                <a16:creationId xmlns:a16="http://schemas.microsoft.com/office/drawing/2014/main" id="{0D752E8B-EA57-D099-B129-987AC26E1553}"/>
+              </a:ext>
+            </a:extLst>
+          </p:cNvPr>
+          <p:cNvSpPr>
+            <a:spLocks noGrp="1"/>
+          </p:cNvSpPr>
+          <p:nvPr>
+            <p:ph type="title"/>
+          </p:nvPr>
         </p:nvSpPr>
         <p:spPr>
           <a:xfrm>
-            <a:off x="138952" y="250140"/>
-            <a:ext cx="4034117" cy="646331"/>
+            <a:off x="629478" y="85772"/>
+            <a:ext cx="10515600" cy="1325563"/>
           </a:xfrm>
-          <a:prstGeom prst="rect">
-            <a:avLst/>
-          </a:prstGeom>
-          <a:noFill/>
         </p:spPr>
         <p:txBody>
-          <a:bodyPr wrap="square" rtlCol="0">
-            <a:spAutoFit/>
-          </a:bodyPr>
+          <a:bodyPr/>
           <a:lstStyle/>
           <a:p>
             <a:r>
               <a:rPr lang="en-CA" dirty="0"/>
-              <a:t>It’s all just moving data around and transforming it.</a:t>
+              <a:t>Data flow</a:t>
             </a:r>
           </a:p>
         </p:txBody>
